--- a/source/res/media/CyberBatiment.pptx
+++ b/source/res/media/CyberBatiment.pptx
@@ -262,17 +262,17 @@
           <a:effectLst/>
           <a:extLst>
             <a:ext uri="{FAA26D3D-D897-4be2-8F04-BA451C77F1D7}">
-              <ma14:placeholderFlag xmlns="" xmlns:ma14="http://schemas.microsoft.com/office/mac/drawingml/2011/main" val="1"/>
+              <ma14:placeholderFlag xmlns:ma14="http://schemas.microsoft.com/office/mac/drawingml/2011/main" xmlns="" val="1"/>
             </a:ext>
             <a:ext uri="{909E8E84-426E-40dd-AFC4-6F175D3DCCD1}">
-              <a14:hiddenFill xmlns="" xmlns:a14="http://schemas.microsoft.com/office/drawing/2010/main">
+              <a14:hiddenFill xmlns:a14="http://schemas.microsoft.com/office/drawing/2010/main" xmlns="">
                 <a:solidFill>
                   <a:srgbClr val="FFFFFF"/>
                 </a:solidFill>
               </a14:hiddenFill>
             </a:ext>
             <a:ext uri="{91240B29-F687-4f45-9708-019B960494DF}">
-              <a14:hiddenLine xmlns="" xmlns:a14="http://schemas.microsoft.com/office/drawing/2010/main" w="9525" cap="flat">
+              <a14:hiddenLine xmlns:a14="http://schemas.microsoft.com/office/drawing/2010/main" xmlns="" w="9525" cap="flat">
                 <a:solidFill>
                   <a:srgbClr val="000000"/>
                 </a:solidFill>
@@ -282,7 +282,7 @@
               </a14:hiddenLine>
             </a:ext>
             <a:ext uri="{AF507438-7753-43e0-B8FC-AC1667EBCBE1}">
-              <a14:hiddenEffects xmlns="" xmlns:a14="http://schemas.microsoft.com/office/drawing/2010/main">
+              <a14:hiddenEffects xmlns:a14="http://schemas.microsoft.com/office/drawing/2010/main" xmlns="">
                 <a:effectLst>
                   <a:outerShdw blurRad="63500" dist="38099" dir="2700000" algn="ctr" rotWithShape="0">
                     <a:schemeClr val="bg2">
@@ -320,17 +320,17 @@
           <a:effectLst/>
           <a:extLst>
             <a:ext uri="{FAA26D3D-D897-4be2-8F04-BA451C77F1D7}">
-              <ma14:placeholderFlag xmlns="" xmlns:ma14="http://schemas.microsoft.com/office/mac/drawingml/2011/main" val="1"/>
+              <ma14:placeholderFlag xmlns:ma14="http://schemas.microsoft.com/office/mac/drawingml/2011/main" xmlns="" val="1"/>
             </a:ext>
             <a:ext uri="{909E8E84-426E-40dd-AFC4-6F175D3DCCD1}">
-              <a14:hiddenFill xmlns="" xmlns:a14="http://schemas.microsoft.com/office/drawing/2010/main">
+              <a14:hiddenFill xmlns:a14="http://schemas.microsoft.com/office/drawing/2010/main" xmlns="">
                 <a:solidFill>
                   <a:srgbClr val="FFFFFF"/>
                 </a:solidFill>
               </a14:hiddenFill>
             </a:ext>
             <a:ext uri="{91240B29-F687-4f45-9708-019B960494DF}">
-              <a14:hiddenLine xmlns="" xmlns:a14="http://schemas.microsoft.com/office/drawing/2010/main" w="9525" cap="flat">
+              <a14:hiddenLine xmlns:a14="http://schemas.microsoft.com/office/drawing/2010/main" xmlns="" w="9525" cap="flat">
                 <a:solidFill>
                   <a:srgbClr val="000000"/>
                 </a:solidFill>
@@ -340,7 +340,7 @@
               </a14:hiddenLine>
             </a:ext>
             <a:ext uri="{AF507438-7753-43e0-B8FC-AC1667EBCBE1}">
-              <a14:hiddenEffects xmlns="" xmlns:a14="http://schemas.microsoft.com/office/drawing/2010/main">
+              <a14:hiddenEffects xmlns:a14="http://schemas.microsoft.com/office/drawing/2010/main" xmlns="">
                 <a:effectLst>
                   <a:outerShdw blurRad="63500" dist="38099" dir="2700000" algn="ctr" rotWithShape="0">
                     <a:schemeClr val="bg2">
@@ -390,17 +390,17 @@
           <a:effectLst/>
           <a:extLst>
             <a:ext uri="{FAA26D3D-D897-4be2-8F04-BA451C77F1D7}">
-              <ma14:placeholderFlag xmlns="" xmlns:ma14="http://schemas.microsoft.com/office/mac/drawingml/2011/main" val="1"/>
+              <ma14:placeholderFlag xmlns:ma14="http://schemas.microsoft.com/office/mac/drawingml/2011/main" xmlns="" val="1"/>
             </a:ext>
             <a:ext uri="{909E8E84-426E-40dd-AFC4-6F175D3DCCD1}">
-              <a14:hiddenFill xmlns="" xmlns:a14="http://schemas.microsoft.com/office/drawing/2010/main">
+              <a14:hiddenFill xmlns:a14="http://schemas.microsoft.com/office/drawing/2010/main" xmlns="">
                 <a:solidFill>
                   <a:srgbClr val="FFFFFF"/>
                 </a:solidFill>
               </a14:hiddenFill>
             </a:ext>
             <a:ext uri="{91240B29-F687-4f45-9708-019B960494DF}">
-              <a14:hiddenLine xmlns="" xmlns:a14="http://schemas.microsoft.com/office/drawing/2010/main" w="9525" cap="flat">
+              <a14:hiddenLine xmlns:a14="http://schemas.microsoft.com/office/drawing/2010/main" xmlns="" w="9525" cap="flat">
                 <a:solidFill>
                   <a:srgbClr val="000000"/>
                 </a:solidFill>
@@ -410,7 +410,7 @@
               </a14:hiddenLine>
             </a:ext>
             <a:ext uri="{AF507438-7753-43e0-B8FC-AC1667EBCBE1}">
-              <a14:hiddenEffects xmlns="" xmlns:a14="http://schemas.microsoft.com/office/drawing/2010/main">
+              <a14:hiddenEffects xmlns:a14="http://schemas.microsoft.com/office/drawing/2010/main" xmlns="">
                 <a:effectLst>
                   <a:outerShdw blurRad="63500" dist="38099" dir="2700000" algn="ctr" rotWithShape="0">
                     <a:schemeClr val="bg2">
@@ -481,17 +481,17 @@
           <a:effectLst/>
           <a:extLst>
             <a:ext uri="{FAA26D3D-D897-4be2-8F04-BA451C77F1D7}">
-              <ma14:placeholderFlag xmlns="" xmlns:ma14="http://schemas.microsoft.com/office/mac/drawingml/2011/main" val="1"/>
+              <ma14:placeholderFlag xmlns:ma14="http://schemas.microsoft.com/office/mac/drawingml/2011/main" xmlns="" val="1"/>
             </a:ext>
             <a:ext uri="{909E8E84-426E-40dd-AFC4-6F175D3DCCD1}">
-              <a14:hiddenFill xmlns="" xmlns:a14="http://schemas.microsoft.com/office/drawing/2010/main">
+              <a14:hiddenFill xmlns:a14="http://schemas.microsoft.com/office/drawing/2010/main" xmlns="">
                 <a:solidFill>
                   <a:srgbClr val="FFFFFF"/>
                 </a:solidFill>
               </a14:hiddenFill>
             </a:ext>
             <a:ext uri="{91240B29-F687-4f45-9708-019B960494DF}">
-              <a14:hiddenLine xmlns="" xmlns:a14="http://schemas.microsoft.com/office/drawing/2010/main" w="9525" cap="flat">
+              <a14:hiddenLine xmlns:a14="http://schemas.microsoft.com/office/drawing/2010/main" xmlns="" w="9525" cap="flat">
                 <a:solidFill>
                   <a:srgbClr val="000000"/>
                 </a:solidFill>
@@ -501,7 +501,7 @@
               </a14:hiddenLine>
             </a:ext>
             <a:ext uri="{AF507438-7753-43e0-B8FC-AC1667EBCBE1}">
-              <a14:hiddenEffects xmlns="" xmlns:a14="http://schemas.microsoft.com/office/drawing/2010/main">
+              <a14:hiddenEffects xmlns:a14="http://schemas.microsoft.com/office/drawing/2010/main" xmlns="">
                 <a:effectLst>
                   <a:outerShdw blurRad="63500" dist="38099" dir="2700000" algn="ctr" rotWithShape="0">
                     <a:schemeClr val="bg2">
@@ -572,17 +572,17 @@
           <a:effectLst/>
           <a:extLst>
             <a:ext uri="{FAA26D3D-D897-4be2-8F04-BA451C77F1D7}">
-              <ma14:placeholderFlag xmlns="" xmlns:ma14="http://schemas.microsoft.com/office/mac/drawingml/2011/main" val="1"/>
+              <ma14:placeholderFlag xmlns:ma14="http://schemas.microsoft.com/office/mac/drawingml/2011/main" xmlns="" val="1"/>
             </a:ext>
             <a:ext uri="{909E8E84-426E-40dd-AFC4-6F175D3DCCD1}">
-              <a14:hiddenFill xmlns="" xmlns:a14="http://schemas.microsoft.com/office/drawing/2010/main">
+              <a14:hiddenFill xmlns:a14="http://schemas.microsoft.com/office/drawing/2010/main" xmlns="">
                 <a:solidFill>
                   <a:srgbClr val="FFFFFF"/>
                 </a:solidFill>
               </a14:hiddenFill>
             </a:ext>
             <a:ext uri="{91240B29-F687-4f45-9708-019B960494DF}">
-              <a14:hiddenLine xmlns="" xmlns:a14="http://schemas.microsoft.com/office/drawing/2010/main" w="9525" cap="flat">
+              <a14:hiddenLine xmlns:a14="http://schemas.microsoft.com/office/drawing/2010/main" xmlns="" w="9525" cap="flat">
                 <a:solidFill>
                   <a:srgbClr val="000000"/>
                 </a:solidFill>
@@ -592,7 +592,7 @@
               </a14:hiddenLine>
             </a:ext>
             <a:ext uri="{AF507438-7753-43e0-B8FC-AC1667EBCBE1}">
-              <a14:hiddenEffects xmlns="" xmlns:a14="http://schemas.microsoft.com/office/drawing/2010/main">
+              <a14:hiddenEffects xmlns:a14="http://schemas.microsoft.com/office/drawing/2010/main" xmlns="">
                 <a:effectLst>
                   <a:outerShdw blurRad="63500" dist="38099" dir="2700000" algn="ctr" rotWithShape="0">
                     <a:schemeClr val="bg2">
@@ -663,17 +663,17 @@
           <a:effectLst/>
           <a:extLst>
             <a:ext uri="{FAA26D3D-D897-4be2-8F04-BA451C77F1D7}">
-              <ma14:placeholderFlag xmlns="" xmlns:ma14="http://schemas.microsoft.com/office/mac/drawingml/2011/main" val="1"/>
+              <ma14:placeholderFlag xmlns:ma14="http://schemas.microsoft.com/office/mac/drawingml/2011/main" xmlns="" val="1"/>
             </a:ext>
             <a:ext uri="{909E8E84-426E-40dd-AFC4-6F175D3DCCD1}">
-              <a14:hiddenFill xmlns="" xmlns:a14="http://schemas.microsoft.com/office/drawing/2010/main">
+              <a14:hiddenFill xmlns:a14="http://schemas.microsoft.com/office/drawing/2010/main" xmlns="">
                 <a:solidFill>
                   <a:srgbClr val="FFFFFF"/>
                 </a:solidFill>
               </a14:hiddenFill>
             </a:ext>
             <a:ext uri="{91240B29-F687-4f45-9708-019B960494DF}">
-              <a14:hiddenLine xmlns="" xmlns:a14="http://schemas.microsoft.com/office/drawing/2010/main" w="9525" cap="flat">
+              <a14:hiddenLine xmlns:a14="http://schemas.microsoft.com/office/drawing/2010/main" xmlns="" w="9525" cap="flat">
                 <a:solidFill>
                   <a:srgbClr val="000000"/>
                 </a:solidFill>
@@ -683,7 +683,7 @@
               </a14:hiddenLine>
             </a:ext>
             <a:ext uri="{AF507438-7753-43e0-B8FC-AC1667EBCBE1}">
-              <a14:hiddenEffects xmlns="" xmlns:a14="http://schemas.microsoft.com/office/drawing/2010/main">
+              <a14:hiddenEffects xmlns:a14="http://schemas.microsoft.com/office/drawing/2010/main" xmlns="">
                 <a:effectLst>
                   <a:outerShdw blurRad="63500" dist="38099" dir="2700000" algn="ctr" rotWithShape="0">
                     <a:schemeClr val="bg2">
@@ -974,7 +974,7 @@
           </a:ln>
           <a:extLst>
             <a:ext uri="{AF507438-7753-43e0-B8FC-AC1667EBCBE1}">
-              <a14:hiddenEffects xmlns="" xmlns:a14="http://schemas.microsoft.com/office/drawing/2010/main">
+              <a14:hiddenEffects xmlns:a14="http://schemas.microsoft.com/office/drawing/2010/main" xmlns="">
                 <a:effectLst>
                   <a:outerShdw blurRad="63500" dist="38099" dir="2700000" algn="ctr" rotWithShape="0">
                     <a:srgbClr val="000000">
@@ -1009,14 +1009,14 @@
           <a:ln/>
           <a:extLst>
             <a:ext uri="{909E8E84-426E-40dd-AFC4-6F175D3DCCD1}">
-              <a14:hiddenFill xmlns="" xmlns:a14="http://schemas.microsoft.com/office/drawing/2010/main">
+              <a14:hiddenFill xmlns:a14="http://schemas.microsoft.com/office/drawing/2010/main" xmlns="">
                 <a:solidFill>
                   <a:srgbClr val="FFFFFF"/>
                 </a:solidFill>
               </a14:hiddenFill>
             </a:ext>
             <a:ext uri="{91240B29-F687-4f45-9708-019B960494DF}">
-              <a14:hiddenLine xmlns="" xmlns:a14="http://schemas.microsoft.com/office/drawing/2010/main" w="9525" cap="flat">
+              <a14:hiddenLine xmlns:a14="http://schemas.microsoft.com/office/drawing/2010/main" xmlns="" w="9525" cap="flat">
                 <a:solidFill>
                   <a:srgbClr val="000000"/>
                 </a:solidFill>
@@ -1026,7 +1026,7 @@
               </a14:hiddenLine>
             </a:ext>
             <a:ext uri="{AF507438-7753-43e0-B8FC-AC1667EBCBE1}">
-              <a14:hiddenEffects xmlns="" xmlns:a14="http://schemas.microsoft.com/office/drawing/2010/main">
+              <a14:hiddenEffects xmlns:a14="http://schemas.microsoft.com/office/drawing/2010/main" xmlns="">
                 <a:effectLst>
                   <a:outerShdw blurRad="63500" dist="38099" dir="2700000" algn="ctr" rotWithShape="0">
                     <a:srgbClr val="000000">
@@ -1136,7 +1136,7 @@
           </a:ln>
           <a:extLst>
             <a:ext uri="{AF507438-7753-43e0-B8FC-AC1667EBCBE1}">
-              <a14:hiddenEffects xmlns="" xmlns:a14="http://schemas.microsoft.com/office/drawing/2010/main">
+              <a14:hiddenEffects xmlns:a14="http://schemas.microsoft.com/office/drawing/2010/main" xmlns="">
                 <a:effectLst>
                   <a:outerShdw blurRad="63500" dist="38099" dir="2700000" algn="ctr" rotWithShape="0">
                     <a:srgbClr val="000000">
@@ -1171,14 +1171,14 @@
           <a:ln/>
           <a:extLst>
             <a:ext uri="{909E8E84-426E-40dd-AFC4-6F175D3DCCD1}">
-              <a14:hiddenFill xmlns="" xmlns:a14="http://schemas.microsoft.com/office/drawing/2010/main">
+              <a14:hiddenFill xmlns:a14="http://schemas.microsoft.com/office/drawing/2010/main" xmlns="">
                 <a:solidFill>
                   <a:srgbClr val="FFFFFF"/>
                 </a:solidFill>
               </a14:hiddenFill>
             </a:ext>
             <a:ext uri="{91240B29-F687-4f45-9708-019B960494DF}">
-              <a14:hiddenLine xmlns="" xmlns:a14="http://schemas.microsoft.com/office/drawing/2010/main" w="9525" cap="flat">
+              <a14:hiddenLine xmlns:a14="http://schemas.microsoft.com/office/drawing/2010/main" xmlns="" w="9525" cap="flat">
                 <a:solidFill>
                   <a:srgbClr val="000000"/>
                 </a:solidFill>
@@ -1188,7 +1188,7 @@
               </a14:hiddenLine>
             </a:ext>
             <a:ext uri="{AF507438-7753-43e0-B8FC-AC1667EBCBE1}">
-              <a14:hiddenEffects xmlns="" xmlns:a14="http://schemas.microsoft.com/office/drawing/2010/main">
+              <a14:hiddenEffects xmlns:a14="http://schemas.microsoft.com/office/drawing/2010/main" xmlns="">
                 <a:effectLst>
                   <a:outerShdw blurRad="63500" dist="38099" dir="2700000" algn="ctr" rotWithShape="0">
                     <a:srgbClr val="000000">
@@ -1298,7 +1298,7 @@
           </a:ln>
           <a:extLst>
             <a:ext uri="{AF507438-7753-43e0-B8FC-AC1667EBCBE1}">
-              <a14:hiddenEffects xmlns="" xmlns:a14="http://schemas.microsoft.com/office/drawing/2010/main">
+              <a14:hiddenEffects xmlns:a14="http://schemas.microsoft.com/office/drawing/2010/main" xmlns="">
                 <a:effectLst>
                   <a:outerShdw blurRad="63500" dist="38099" dir="2700000" algn="ctr" rotWithShape="0">
                     <a:srgbClr val="000000">
@@ -1333,14 +1333,14 @@
           <a:ln/>
           <a:extLst>
             <a:ext uri="{909E8E84-426E-40dd-AFC4-6F175D3DCCD1}">
-              <a14:hiddenFill xmlns="" xmlns:a14="http://schemas.microsoft.com/office/drawing/2010/main">
+              <a14:hiddenFill xmlns:a14="http://schemas.microsoft.com/office/drawing/2010/main" xmlns="">
                 <a:solidFill>
                   <a:srgbClr val="FFFFFF"/>
                 </a:solidFill>
               </a14:hiddenFill>
             </a:ext>
             <a:ext uri="{91240B29-F687-4f45-9708-019B960494DF}">
-              <a14:hiddenLine xmlns="" xmlns:a14="http://schemas.microsoft.com/office/drawing/2010/main" w="9525" cap="flat">
+              <a14:hiddenLine xmlns:a14="http://schemas.microsoft.com/office/drawing/2010/main" xmlns="" w="9525" cap="flat">
                 <a:solidFill>
                   <a:srgbClr val="000000"/>
                 </a:solidFill>
@@ -1350,7 +1350,7 @@
               </a14:hiddenLine>
             </a:ext>
             <a:ext uri="{AF507438-7753-43e0-B8FC-AC1667EBCBE1}">
-              <a14:hiddenEffects xmlns="" xmlns:a14="http://schemas.microsoft.com/office/drawing/2010/main">
+              <a14:hiddenEffects xmlns:a14="http://schemas.microsoft.com/office/drawing/2010/main" xmlns="">
                 <a:effectLst>
                   <a:outerShdw blurRad="63500" dist="38099" dir="2700000" algn="ctr" rotWithShape="0">
                     <a:srgbClr val="000000">
@@ -4015,17 +4015,17 @@
           <a:effectLst/>
           <a:extLst>
             <a:ext uri="{FAA26D3D-D897-4be2-8F04-BA451C77F1D7}">
-              <ma14:placeholderFlag xmlns="" xmlns:ma14="http://schemas.microsoft.com/office/mac/drawingml/2011/main" val="1"/>
+              <ma14:placeholderFlag xmlns:ma14="http://schemas.microsoft.com/office/mac/drawingml/2011/main" xmlns="" val="1"/>
             </a:ext>
             <a:ext uri="{909E8E84-426E-40dd-AFC4-6F175D3DCCD1}">
-              <a14:hiddenFill xmlns="" xmlns:a14="http://schemas.microsoft.com/office/drawing/2010/main">
+              <a14:hiddenFill xmlns:a14="http://schemas.microsoft.com/office/drawing/2010/main" xmlns="">
                 <a:solidFill>
                   <a:srgbClr val="FFFFFF"/>
                 </a:solidFill>
               </a14:hiddenFill>
             </a:ext>
             <a:ext uri="{91240B29-F687-4f45-9708-019B960494DF}">
-              <a14:hiddenLine xmlns="" xmlns:a14="http://schemas.microsoft.com/office/drawing/2010/main" w="9525" cap="flat">
+              <a14:hiddenLine xmlns:a14="http://schemas.microsoft.com/office/drawing/2010/main" xmlns="" w="9525" cap="flat">
                 <a:solidFill>
                   <a:srgbClr val="000000"/>
                 </a:solidFill>
@@ -4035,7 +4035,7 @@
               </a14:hiddenLine>
             </a:ext>
             <a:ext uri="{AF507438-7753-43e0-B8FC-AC1667EBCBE1}">
-              <a14:hiddenEffects xmlns="" xmlns:a14="http://schemas.microsoft.com/office/drawing/2010/main">
+              <a14:hiddenEffects xmlns:a14="http://schemas.microsoft.com/office/drawing/2010/main" xmlns="">
                 <a:effectLst>
                   <a:outerShdw blurRad="63500" dist="38099" dir="2700000" algn="ctr" rotWithShape="0">
                     <a:schemeClr val="bg2">
@@ -4088,17 +4088,17 @@
           <a:effectLst/>
           <a:extLst>
             <a:ext uri="{FAA26D3D-D897-4be2-8F04-BA451C77F1D7}">
-              <ma14:placeholderFlag xmlns="" xmlns:ma14="http://schemas.microsoft.com/office/mac/drawingml/2011/main" val="1"/>
+              <ma14:placeholderFlag xmlns:ma14="http://schemas.microsoft.com/office/mac/drawingml/2011/main" xmlns="" val="1"/>
             </a:ext>
             <a:ext uri="{909E8E84-426E-40dd-AFC4-6F175D3DCCD1}">
-              <a14:hiddenFill xmlns="" xmlns:a14="http://schemas.microsoft.com/office/drawing/2010/main">
+              <a14:hiddenFill xmlns:a14="http://schemas.microsoft.com/office/drawing/2010/main" xmlns="">
                 <a:solidFill>
                   <a:srgbClr val="FFFFFF"/>
                 </a:solidFill>
               </a14:hiddenFill>
             </a:ext>
             <a:ext uri="{91240B29-F687-4f45-9708-019B960494DF}">
-              <a14:hiddenLine xmlns="" xmlns:a14="http://schemas.microsoft.com/office/drawing/2010/main" w="9525" cap="flat">
+              <a14:hiddenLine xmlns:a14="http://schemas.microsoft.com/office/drawing/2010/main" xmlns="" w="9525" cap="flat">
                 <a:solidFill>
                   <a:srgbClr val="000000"/>
                 </a:solidFill>
@@ -4108,7 +4108,7 @@
               </a14:hiddenLine>
             </a:ext>
             <a:ext uri="{AF507438-7753-43e0-B8FC-AC1667EBCBE1}">
-              <a14:hiddenEffects xmlns="" xmlns:a14="http://schemas.microsoft.com/office/drawing/2010/main">
+              <a14:hiddenEffects xmlns:a14="http://schemas.microsoft.com/office/drawing/2010/main" xmlns="">
                 <a:effectLst>
                   <a:outerShdw blurRad="63500" dist="38099" dir="2700000" algn="ctr" rotWithShape="0">
                     <a:schemeClr val="bg2">
@@ -4203,17 +4203,17 @@
           <a:effectLst/>
           <a:extLst>
             <a:ext uri="{FAA26D3D-D897-4be2-8F04-BA451C77F1D7}">
-              <ma14:placeholderFlag xmlns="" xmlns:ma14="http://schemas.microsoft.com/office/mac/drawingml/2011/main" val="1"/>
+              <ma14:placeholderFlag xmlns:ma14="http://schemas.microsoft.com/office/mac/drawingml/2011/main" xmlns="" val="1"/>
             </a:ext>
             <a:ext uri="{909E8E84-426E-40dd-AFC4-6F175D3DCCD1}">
-              <a14:hiddenFill xmlns="" xmlns:a14="http://schemas.microsoft.com/office/drawing/2010/main">
+              <a14:hiddenFill xmlns:a14="http://schemas.microsoft.com/office/drawing/2010/main" xmlns="">
                 <a:solidFill>
                   <a:srgbClr val="FFFFFF"/>
                 </a:solidFill>
               </a14:hiddenFill>
             </a:ext>
             <a:ext uri="{91240B29-F687-4f45-9708-019B960494DF}">
-              <a14:hiddenLine xmlns="" xmlns:a14="http://schemas.microsoft.com/office/drawing/2010/main" w="9525" cap="flat">
+              <a14:hiddenLine xmlns:a14="http://schemas.microsoft.com/office/drawing/2010/main" xmlns="" w="9525" cap="flat">
                 <a:solidFill>
                   <a:srgbClr val="000000"/>
                 </a:solidFill>
@@ -4223,7 +4223,7 @@
               </a14:hiddenLine>
             </a:ext>
             <a:ext uri="{AF507438-7753-43e0-B8FC-AC1667EBCBE1}">
-              <a14:hiddenEffects xmlns="" xmlns:a14="http://schemas.microsoft.com/office/drawing/2010/main">
+              <a14:hiddenEffects xmlns:a14="http://schemas.microsoft.com/office/drawing/2010/main" xmlns="">
                 <a:effectLst>
                   <a:outerShdw blurRad="63500" dist="38099" dir="2700000" algn="ctr" rotWithShape="0">
                     <a:schemeClr val="bg2">
@@ -4292,17 +4292,17 @@
           <a:effectLst/>
           <a:extLst>
             <a:ext uri="{FAA26D3D-D897-4be2-8F04-BA451C77F1D7}">
-              <ma14:placeholderFlag xmlns="" xmlns:ma14="http://schemas.microsoft.com/office/mac/drawingml/2011/main" val="1"/>
+              <ma14:placeholderFlag xmlns:ma14="http://schemas.microsoft.com/office/mac/drawingml/2011/main" xmlns="" val="1"/>
             </a:ext>
             <a:ext uri="{909E8E84-426E-40dd-AFC4-6F175D3DCCD1}">
-              <a14:hiddenFill xmlns="" xmlns:a14="http://schemas.microsoft.com/office/drawing/2010/main">
+              <a14:hiddenFill xmlns:a14="http://schemas.microsoft.com/office/drawing/2010/main" xmlns="">
                 <a:solidFill>
                   <a:srgbClr val="FFFFFF"/>
                 </a:solidFill>
               </a14:hiddenFill>
             </a:ext>
             <a:ext uri="{91240B29-F687-4f45-9708-019B960494DF}">
-              <a14:hiddenLine xmlns="" xmlns:a14="http://schemas.microsoft.com/office/drawing/2010/main" w="9525" cap="flat">
+              <a14:hiddenLine xmlns:a14="http://schemas.microsoft.com/office/drawing/2010/main" xmlns="" w="9525" cap="flat">
                 <a:solidFill>
                   <a:srgbClr val="000000"/>
                 </a:solidFill>
@@ -4312,7 +4312,7 @@
               </a14:hiddenLine>
             </a:ext>
             <a:ext uri="{AF507438-7753-43e0-B8FC-AC1667EBCBE1}">
-              <a14:hiddenEffects xmlns="" xmlns:a14="http://schemas.microsoft.com/office/drawing/2010/main">
+              <a14:hiddenEffects xmlns:a14="http://schemas.microsoft.com/office/drawing/2010/main" xmlns="">
                 <a:effectLst>
                   <a:outerShdw blurRad="63500" dist="38099" dir="2700000" algn="ctr" rotWithShape="0">
                     <a:schemeClr val="bg2">
@@ -4383,17 +4383,17 @@
           <a:effectLst/>
           <a:extLst>
             <a:ext uri="{FAA26D3D-D897-4be2-8F04-BA451C77F1D7}">
-              <ma14:placeholderFlag xmlns="" xmlns:ma14="http://schemas.microsoft.com/office/mac/drawingml/2011/main" val="1"/>
+              <ma14:placeholderFlag xmlns:ma14="http://schemas.microsoft.com/office/mac/drawingml/2011/main" xmlns="" val="1"/>
             </a:ext>
             <a:ext uri="{909E8E84-426E-40dd-AFC4-6F175D3DCCD1}">
-              <a14:hiddenFill xmlns="" xmlns:a14="http://schemas.microsoft.com/office/drawing/2010/main">
+              <a14:hiddenFill xmlns:a14="http://schemas.microsoft.com/office/drawing/2010/main" xmlns="">
                 <a:solidFill>
                   <a:srgbClr val="FFFFFF"/>
                 </a:solidFill>
               </a14:hiddenFill>
             </a:ext>
             <a:ext uri="{91240B29-F687-4f45-9708-019B960494DF}">
-              <a14:hiddenLine xmlns="" xmlns:a14="http://schemas.microsoft.com/office/drawing/2010/main" w="9525" cap="flat">
+              <a14:hiddenLine xmlns:a14="http://schemas.microsoft.com/office/drawing/2010/main" xmlns="" w="9525" cap="flat">
                 <a:solidFill>
                   <a:srgbClr val="000000"/>
                 </a:solidFill>
@@ -4403,7 +4403,7 @@
               </a14:hiddenLine>
             </a:ext>
             <a:ext uri="{AF507438-7753-43e0-B8FC-AC1667EBCBE1}">
-              <a14:hiddenEffects xmlns="" xmlns:a14="http://schemas.microsoft.com/office/drawing/2010/main">
+              <a14:hiddenEffects xmlns:a14="http://schemas.microsoft.com/office/drawing/2010/main" xmlns="">
                 <a:effectLst>
                   <a:outerShdw blurRad="63500" dist="38099" dir="2700000" algn="ctr" rotWithShape="0">
                     <a:schemeClr val="bg2">
@@ -5054,7 +5054,7 @@
           <a:effectLst/>
           <a:extLst>
             <a:ext uri="{AF507438-7753-43e0-B8FC-AC1667EBCBE1}">
-              <a14:hiddenEffects xmlns="" xmlns:a14="http://schemas.microsoft.com/office/drawing/2010/main">
+              <a14:hiddenEffects xmlns:a14="http://schemas.microsoft.com/office/drawing/2010/main" xmlns="">
                 <a:effectLst>
                   <a:outerShdw blurRad="63500" dist="38099" dir="2700000" algn="ctr" rotWithShape="0">
                     <a:srgbClr val="000000">
@@ -5106,7 +5106,7 @@
           <a:effectLst/>
           <a:extLst>
             <a:ext uri="{AF507438-7753-43e0-B8FC-AC1667EBCBE1}">
-              <a14:hiddenEffects xmlns="" xmlns:a14="http://schemas.microsoft.com/office/drawing/2010/main">
+              <a14:hiddenEffects xmlns:a14="http://schemas.microsoft.com/office/drawing/2010/main" xmlns="">
                 <a:effectLst>
                   <a:outerShdw blurRad="63500" dist="38099" dir="2700000" algn="ctr" rotWithShape="0">
                     <a:srgbClr val="000000">
@@ -5158,7 +5158,7 @@
           <a:effectLst/>
           <a:extLst>
             <a:ext uri="{AF507438-7753-43e0-B8FC-AC1667EBCBE1}">
-              <a14:hiddenEffects xmlns="" xmlns:a14="http://schemas.microsoft.com/office/drawing/2010/main">
+              <a14:hiddenEffects xmlns:a14="http://schemas.microsoft.com/office/drawing/2010/main" xmlns="">
                 <a:effectLst>
                   <a:outerShdw blurRad="63500" dist="38099" dir="2700000" algn="ctr" rotWithShape="0">
                     <a:srgbClr val="000000">
@@ -5210,7 +5210,7 @@
           <a:effectLst/>
           <a:extLst>
             <a:ext uri="{AF507438-7753-43e0-B8FC-AC1667EBCBE1}">
-              <a14:hiddenEffects xmlns="" xmlns:a14="http://schemas.microsoft.com/office/drawing/2010/main">
+              <a14:hiddenEffects xmlns:a14="http://schemas.microsoft.com/office/drawing/2010/main" xmlns="">
                 <a:effectLst>
                   <a:outerShdw blurRad="63500" dist="38099" dir="2700000" algn="ctr" rotWithShape="0">
                     <a:srgbClr val="000000">
@@ -5260,7 +5260,7 @@
           <a:effectLst/>
           <a:extLst>
             <a:ext uri="{AF507438-7753-43e0-B8FC-AC1667EBCBE1}">
-              <a14:hiddenEffects xmlns="" xmlns:a14="http://schemas.microsoft.com/office/drawing/2010/main">
+              <a14:hiddenEffects xmlns:a14="http://schemas.microsoft.com/office/drawing/2010/main" xmlns="">
                 <a:effectLst>
                   <a:outerShdw blurRad="63500" dist="38099" dir="2700000" algn="ctr" rotWithShape="0">
                     <a:srgbClr val="000000">
@@ -5312,7 +5312,7 @@
           <a:effectLst/>
           <a:extLst>
             <a:ext uri="{AF507438-7753-43e0-B8FC-AC1667EBCBE1}">
-              <a14:hiddenEffects xmlns="" xmlns:a14="http://schemas.microsoft.com/office/drawing/2010/main">
+              <a14:hiddenEffects xmlns:a14="http://schemas.microsoft.com/office/drawing/2010/main" xmlns="">
                 <a:effectLst>
                   <a:outerShdw blurRad="63500" dist="38099" dir="2700000" algn="ctr" rotWithShape="0">
                     <a:srgbClr val="000000">
@@ -5364,7 +5364,7 @@
           <a:effectLst/>
           <a:extLst>
             <a:ext uri="{AF507438-7753-43e0-B8FC-AC1667EBCBE1}">
-              <a14:hiddenEffects xmlns="" xmlns:a14="http://schemas.microsoft.com/office/drawing/2010/main">
+              <a14:hiddenEffects xmlns:a14="http://schemas.microsoft.com/office/drawing/2010/main" xmlns="">
                 <a:effectLst>
                   <a:outerShdw blurRad="63500" dist="38099" dir="2700000" algn="ctr" rotWithShape="0">
                     <a:srgbClr val="000000">
@@ -5416,7 +5416,7 @@
           <a:effectLst/>
           <a:extLst>
             <a:ext uri="{AF507438-7753-43e0-B8FC-AC1667EBCBE1}">
-              <a14:hiddenEffects xmlns="" xmlns:a14="http://schemas.microsoft.com/office/drawing/2010/main">
+              <a14:hiddenEffects xmlns:a14="http://schemas.microsoft.com/office/drawing/2010/main" xmlns="">
                 <a:effectLst>
                   <a:outerShdw blurRad="63500" dist="38099" dir="2700000" algn="ctr" rotWithShape="0">
                     <a:srgbClr val="000000">
@@ -5468,7 +5468,7 @@
           <a:effectLst/>
           <a:extLst>
             <a:ext uri="{AF507438-7753-43e0-B8FC-AC1667EBCBE1}">
-              <a14:hiddenEffects xmlns="" xmlns:a14="http://schemas.microsoft.com/office/drawing/2010/main">
+              <a14:hiddenEffects xmlns:a14="http://schemas.microsoft.com/office/drawing/2010/main" xmlns="">
                 <a:effectLst>
                   <a:outerShdw blurRad="63500" dist="38099" dir="2700000" algn="ctr" rotWithShape="0">
                     <a:srgbClr val="000000">
@@ -5520,7 +5520,7 @@
           <a:effectLst/>
           <a:extLst>
             <a:ext uri="{AF507438-7753-43e0-B8FC-AC1667EBCBE1}">
-              <a14:hiddenEffects xmlns="" xmlns:a14="http://schemas.microsoft.com/office/drawing/2010/main">
+              <a14:hiddenEffects xmlns:a14="http://schemas.microsoft.com/office/drawing/2010/main" xmlns="">
                 <a:effectLst>
                   <a:outerShdw blurRad="63500" dist="38099" dir="2700000" algn="ctr" rotWithShape="0">
                     <a:srgbClr val="000000">
@@ -5573,7 +5573,7 @@
           <a:effectLst/>
           <a:extLst>
             <a:ext uri="{AF507438-7753-43e0-B8FC-AC1667EBCBE1}">
-              <a14:hiddenEffects xmlns="" xmlns:a14="http://schemas.microsoft.com/office/drawing/2010/main">
+              <a14:hiddenEffects xmlns:a14="http://schemas.microsoft.com/office/drawing/2010/main" xmlns="">
                 <a:effectLst>
                   <a:outerShdw blurRad="63500" dist="38099" dir="2700000" algn="ctr" rotWithShape="0">
                     <a:srgbClr val="000000">
@@ -5623,7 +5623,7 @@
           <a:effectLst/>
           <a:extLst>
             <a:ext uri="{AF507438-7753-43e0-B8FC-AC1667EBCBE1}">
-              <a14:hiddenEffects xmlns="" xmlns:a14="http://schemas.microsoft.com/office/drawing/2010/main">
+              <a14:hiddenEffects xmlns:a14="http://schemas.microsoft.com/office/drawing/2010/main" xmlns="">
                 <a:effectLst>
                   <a:outerShdw blurRad="63500" dist="38099" dir="2700000" algn="ctr" rotWithShape="0">
                     <a:srgbClr val="000000">
@@ -5673,7 +5673,7 @@
           <a:effectLst/>
           <a:extLst>
             <a:ext uri="{AF507438-7753-43e0-B8FC-AC1667EBCBE1}">
-              <a14:hiddenEffects xmlns="" xmlns:a14="http://schemas.microsoft.com/office/drawing/2010/main">
+              <a14:hiddenEffects xmlns:a14="http://schemas.microsoft.com/office/drawing/2010/main" xmlns="">
                 <a:effectLst>
                   <a:outerShdw blurRad="63500" dist="38099" dir="2700000" algn="ctr" rotWithShape="0">
                     <a:srgbClr val="000000">
@@ -5723,7 +5723,7 @@
           <a:effectLst/>
           <a:extLst>
             <a:ext uri="{AF507438-7753-43e0-B8FC-AC1667EBCBE1}">
-              <a14:hiddenEffects xmlns="" xmlns:a14="http://schemas.microsoft.com/office/drawing/2010/main">
+              <a14:hiddenEffects xmlns:a14="http://schemas.microsoft.com/office/drawing/2010/main" xmlns="">
                 <a:effectLst>
                   <a:outerShdw blurRad="63500" dist="38099" dir="2700000" algn="ctr" rotWithShape="0">
                     <a:srgbClr val="000000">
@@ -5773,7 +5773,7 @@
           <a:effectLst/>
           <a:extLst>
             <a:ext uri="{AF507438-7753-43e0-B8FC-AC1667EBCBE1}">
-              <a14:hiddenEffects xmlns="" xmlns:a14="http://schemas.microsoft.com/office/drawing/2010/main">
+              <a14:hiddenEffects xmlns:a14="http://schemas.microsoft.com/office/drawing/2010/main" xmlns="">
                 <a:effectLst>
                   <a:outerShdw blurRad="63500" dist="38099" dir="2700000" algn="ctr" rotWithShape="0">
                     <a:srgbClr val="000000">
@@ -5823,7 +5823,7 @@
           <a:effectLst/>
           <a:extLst>
             <a:ext uri="{AF507438-7753-43e0-B8FC-AC1667EBCBE1}">
-              <a14:hiddenEffects xmlns="" xmlns:a14="http://schemas.microsoft.com/office/drawing/2010/main">
+              <a14:hiddenEffects xmlns:a14="http://schemas.microsoft.com/office/drawing/2010/main" xmlns="">
                 <a:effectLst>
                   <a:outerShdw blurRad="63500" dist="38099" dir="2700000" algn="ctr" rotWithShape="0">
                     <a:srgbClr val="000000">
@@ -5873,7 +5873,7 @@
           <a:effectLst/>
           <a:extLst>
             <a:ext uri="{AF507438-7753-43e0-B8FC-AC1667EBCBE1}">
-              <a14:hiddenEffects xmlns="" xmlns:a14="http://schemas.microsoft.com/office/drawing/2010/main">
+              <a14:hiddenEffects xmlns:a14="http://schemas.microsoft.com/office/drawing/2010/main" xmlns="">
                 <a:effectLst>
                   <a:outerShdw blurRad="63500" dist="38099" dir="2700000" algn="ctr" rotWithShape="0">
                     <a:srgbClr val="000000">
@@ -5921,12 +5921,12 @@
           <a:effectLst/>
           <a:extLst>
             <a:ext uri="{909E8E84-426E-40dd-AFC4-6F175D3DCCD1}">
-              <a14:hiddenFill xmlns="" xmlns:a14="http://schemas.microsoft.com/office/drawing/2010/main">
+              <a14:hiddenFill xmlns:a14="http://schemas.microsoft.com/office/drawing/2010/main" xmlns="">
                 <a:noFill/>
               </a14:hiddenFill>
             </a:ext>
             <a:ext uri="{AF507438-7753-43e0-B8FC-AC1667EBCBE1}">
-              <a14:hiddenEffects xmlns="" xmlns:a14="http://schemas.microsoft.com/office/drawing/2010/main">
+              <a14:hiddenEffects xmlns:a14="http://schemas.microsoft.com/office/drawing/2010/main" xmlns="">
                 <a:effectLst>
                   <a:outerShdw blurRad="63500" dist="38099" dir="2700000" algn="ctr" rotWithShape="0">
                     <a:srgbClr val="000000">
@@ -5974,12 +5974,12 @@
           <a:effectLst/>
           <a:extLst>
             <a:ext uri="{909E8E84-426E-40dd-AFC4-6F175D3DCCD1}">
-              <a14:hiddenFill xmlns="" xmlns:a14="http://schemas.microsoft.com/office/drawing/2010/main">
+              <a14:hiddenFill xmlns:a14="http://schemas.microsoft.com/office/drawing/2010/main" xmlns="">
                 <a:noFill/>
               </a14:hiddenFill>
             </a:ext>
             <a:ext uri="{AF507438-7753-43e0-B8FC-AC1667EBCBE1}">
-              <a14:hiddenEffects xmlns="" xmlns:a14="http://schemas.microsoft.com/office/drawing/2010/main">
+              <a14:hiddenEffects xmlns:a14="http://schemas.microsoft.com/office/drawing/2010/main" xmlns="">
                 <a:effectLst>
                   <a:outerShdw blurRad="63500" dist="38099" dir="2700000" algn="ctr" rotWithShape="0">
                     <a:srgbClr val="000000">
@@ -6027,12 +6027,12 @@
           <a:effectLst/>
           <a:extLst>
             <a:ext uri="{909E8E84-426E-40dd-AFC4-6F175D3DCCD1}">
-              <a14:hiddenFill xmlns="" xmlns:a14="http://schemas.microsoft.com/office/drawing/2010/main">
+              <a14:hiddenFill xmlns:a14="http://schemas.microsoft.com/office/drawing/2010/main" xmlns="">
                 <a:noFill/>
               </a14:hiddenFill>
             </a:ext>
             <a:ext uri="{AF507438-7753-43e0-B8FC-AC1667EBCBE1}">
-              <a14:hiddenEffects xmlns="" xmlns:a14="http://schemas.microsoft.com/office/drawing/2010/main">
+              <a14:hiddenEffects xmlns:a14="http://schemas.microsoft.com/office/drawing/2010/main" xmlns="">
                 <a:effectLst>
                   <a:outerShdw blurRad="63500" dist="38099" dir="2700000" algn="ctr" rotWithShape="0">
                     <a:srgbClr val="000000">
@@ -6080,12 +6080,12 @@
           <a:effectLst/>
           <a:extLst>
             <a:ext uri="{909E8E84-426E-40dd-AFC4-6F175D3DCCD1}">
-              <a14:hiddenFill xmlns="" xmlns:a14="http://schemas.microsoft.com/office/drawing/2010/main">
+              <a14:hiddenFill xmlns:a14="http://schemas.microsoft.com/office/drawing/2010/main" xmlns="">
                 <a:noFill/>
               </a14:hiddenFill>
             </a:ext>
             <a:ext uri="{AF507438-7753-43e0-B8FC-AC1667EBCBE1}">
-              <a14:hiddenEffects xmlns="" xmlns:a14="http://schemas.microsoft.com/office/drawing/2010/main">
+              <a14:hiddenEffects xmlns:a14="http://schemas.microsoft.com/office/drawing/2010/main" xmlns="">
                 <a:effectLst>
                   <a:outerShdw blurRad="63500" dist="38099" dir="2700000" algn="ctr" rotWithShape="0">
                     <a:srgbClr val="000000">
@@ -6133,12 +6133,12 @@
           <a:effectLst/>
           <a:extLst>
             <a:ext uri="{909E8E84-426E-40dd-AFC4-6F175D3DCCD1}">
-              <a14:hiddenFill xmlns="" xmlns:a14="http://schemas.microsoft.com/office/drawing/2010/main">
+              <a14:hiddenFill xmlns:a14="http://schemas.microsoft.com/office/drawing/2010/main" xmlns="">
                 <a:noFill/>
               </a14:hiddenFill>
             </a:ext>
             <a:ext uri="{AF507438-7753-43e0-B8FC-AC1667EBCBE1}">
-              <a14:hiddenEffects xmlns="" xmlns:a14="http://schemas.microsoft.com/office/drawing/2010/main">
+              <a14:hiddenEffects xmlns:a14="http://schemas.microsoft.com/office/drawing/2010/main" xmlns="">
                 <a:effectLst>
                   <a:outerShdw blurRad="63500" dist="38099" dir="2700000" algn="ctr" rotWithShape="0">
                     <a:srgbClr val="000000">
@@ -6188,7 +6188,7 @@
           <a:effectLst/>
           <a:extLst>
             <a:ext uri="{AF507438-7753-43e0-B8FC-AC1667EBCBE1}">
-              <a14:hiddenEffects xmlns="" xmlns:a14="http://schemas.microsoft.com/office/drawing/2010/main">
+              <a14:hiddenEffects xmlns:a14="http://schemas.microsoft.com/office/drawing/2010/main" xmlns="">
                 <a:effectLst>
                   <a:outerShdw blurRad="63500" dist="38099" dir="2700000" algn="ctr" rotWithShape="0">
                     <a:srgbClr val="000000">
@@ -6238,7 +6238,7 @@
           <a:effectLst/>
           <a:extLst>
             <a:ext uri="{AF507438-7753-43e0-B8FC-AC1667EBCBE1}">
-              <a14:hiddenEffects xmlns="" xmlns:a14="http://schemas.microsoft.com/office/drawing/2010/main">
+              <a14:hiddenEffects xmlns:a14="http://schemas.microsoft.com/office/drawing/2010/main" xmlns="">
                 <a:effectLst>
                   <a:outerShdw blurRad="63500" dist="38099" dir="2700000" algn="ctr" rotWithShape="0">
                     <a:srgbClr val="000000">
@@ -6286,12 +6286,12 @@
           <a:effectLst/>
           <a:extLst>
             <a:ext uri="{909E8E84-426E-40dd-AFC4-6F175D3DCCD1}">
-              <a14:hiddenFill xmlns="" xmlns:a14="http://schemas.microsoft.com/office/drawing/2010/main">
+              <a14:hiddenFill xmlns:a14="http://schemas.microsoft.com/office/drawing/2010/main" xmlns="">
                 <a:noFill/>
               </a14:hiddenFill>
             </a:ext>
             <a:ext uri="{AF507438-7753-43e0-B8FC-AC1667EBCBE1}">
-              <a14:hiddenEffects xmlns="" xmlns:a14="http://schemas.microsoft.com/office/drawing/2010/main">
+              <a14:hiddenEffects xmlns:a14="http://schemas.microsoft.com/office/drawing/2010/main" xmlns="">
                 <a:effectLst>
                   <a:outerShdw blurRad="63500" dist="38099" dir="2700000" algn="ctr" rotWithShape="0">
                     <a:srgbClr val="000000">
@@ -6339,12 +6339,12 @@
           <a:effectLst/>
           <a:extLst>
             <a:ext uri="{909E8E84-426E-40dd-AFC4-6F175D3DCCD1}">
-              <a14:hiddenFill xmlns="" xmlns:a14="http://schemas.microsoft.com/office/drawing/2010/main">
+              <a14:hiddenFill xmlns:a14="http://schemas.microsoft.com/office/drawing/2010/main" xmlns="">
                 <a:noFill/>
               </a14:hiddenFill>
             </a:ext>
             <a:ext uri="{AF507438-7753-43e0-B8FC-AC1667EBCBE1}">
-              <a14:hiddenEffects xmlns="" xmlns:a14="http://schemas.microsoft.com/office/drawing/2010/main">
+              <a14:hiddenEffects xmlns:a14="http://schemas.microsoft.com/office/drawing/2010/main" xmlns="">
                 <a:effectLst>
                   <a:outerShdw blurRad="63500" dist="38099" dir="2700000" algn="ctr" rotWithShape="0">
                     <a:srgbClr val="000000">
@@ -6392,12 +6392,12 @@
           <a:effectLst/>
           <a:extLst>
             <a:ext uri="{909E8E84-426E-40dd-AFC4-6F175D3DCCD1}">
-              <a14:hiddenFill xmlns="" xmlns:a14="http://schemas.microsoft.com/office/drawing/2010/main">
+              <a14:hiddenFill xmlns:a14="http://schemas.microsoft.com/office/drawing/2010/main" xmlns="">
                 <a:noFill/>
               </a14:hiddenFill>
             </a:ext>
             <a:ext uri="{AF507438-7753-43e0-B8FC-AC1667EBCBE1}">
-              <a14:hiddenEffects xmlns="" xmlns:a14="http://schemas.microsoft.com/office/drawing/2010/main">
+              <a14:hiddenEffects xmlns:a14="http://schemas.microsoft.com/office/drawing/2010/main" xmlns="">
                 <a:effectLst>
                   <a:outerShdw blurRad="63500" dist="38099" dir="2700000" algn="ctr" rotWithShape="0">
                     <a:srgbClr val="000000">
@@ -6449,7 +6449,7 @@
           <a:effectLst/>
           <a:extLst>
             <a:ext uri="{AF507438-7753-43e0-B8FC-AC1667EBCBE1}">
-              <a14:hiddenEffects xmlns="" xmlns:a14="http://schemas.microsoft.com/office/drawing/2010/main">
+              <a14:hiddenEffects xmlns:a14="http://schemas.microsoft.com/office/drawing/2010/main" xmlns="">
                 <a:effectLst>
                   <a:outerShdw blurRad="63500" dist="38099" dir="2700000" algn="ctr" rotWithShape="0">
                     <a:srgbClr val="000000">
@@ -6499,7 +6499,7 @@
           <a:effectLst/>
           <a:extLst>
             <a:ext uri="{AF507438-7753-43e0-B8FC-AC1667EBCBE1}">
-              <a14:hiddenEffects xmlns="" xmlns:a14="http://schemas.microsoft.com/office/drawing/2010/main">
+              <a14:hiddenEffects xmlns:a14="http://schemas.microsoft.com/office/drawing/2010/main" xmlns="">
                 <a:effectLst>
                   <a:outerShdw blurRad="63500" dist="38099" dir="2700000" algn="ctr" rotWithShape="0">
                     <a:srgbClr val="000000">
@@ -6549,7 +6549,7 @@
           <a:effectLst/>
           <a:extLst>
             <a:ext uri="{AF507438-7753-43e0-B8FC-AC1667EBCBE1}">
-              <a14:hiddenEffects xmlns="" xmlns:a14="http://schemas.microsoft.com/office/drawing/2010/main">
+              <a14:hiddenEffects xmlns:a14="http://schemas.microsoft.com/office/drawing/2010/main" xmlns="">
                 <a:effectLst>
                   <a:outerShdw blurRad="63500" dist="38099" dir="2700000" algn="ctr" rotWithShape="0">
                     <a:srgbClr val="000000">
@@ -6599,7 +6599,7 @@
           <a:effectLst/>
           <a:extLst>
             <a:ext uri="{AF507438-7753-43e0-B8FC-AC1667EBCBE1}">
-              <a14:hiddenEffects xmlns="" xmlns:a14="http://schemas.microsoft.com/office/drawing/2010/main">
+              <a14:hiddenEffects xmlns:a14="http://schemas.microsoft.com/office/drawing/2010/main" xmlns="">
                 <a:effectLst>
                   <a:outerShdw blurRad="63500" dist="38099" dir="2700000" algn="ctr" rotWithShape="0">
                     <a:srgbClr val="000000">
@@ -6649,7 +6649,7 @@
           <a:effectLst/>
           <a:extLst>
             <a:ext uri="{AF507438-7753-43e0-B8FC-AC1667EBCBE1}">
-              <a14:hiddenEffects xmlns="" xmlns:a14="http://schemas.microsoft.com/office/drawing/2010/main">
+              <a14:hiddenEffects xmlns:a14="http://schemas.microsoft.com/office/drawing/2010/main" xmlns="">
                 <a:effectLst>
                   <a:outerShdw blurRad="63500" dist="38099" dir="2700000" algn="ctr" rotWithShape="0">
                     <a:srgbClr val="000000">
@@ -6699,7 +6699,7 @@
           <a:effectLst/>
           <a:extLst>
             <a:ext uri="{AF507438-7753-43e0-B8FC-AC1667EBCBE1}">
-              <a14:hiddenEffects xmlns="" xmlns:a14="http://schemas.microsoft.com/office/drawing/2010/main">
+              <a14:hiddenEffects xmlns:a14="http://schemas.microsoft.com/office/drawing/2010/main" xmlns="">
                 <a:effectLst>
                   <a:outerShdw blurRad="63500" dist="38099" dir="2700000" algn="ctr" rotWithShape="0">
                     <a:srgbClr val="000000">
@@ -6751,7 +6751,7 @@
           <a:effectLst/>
           <a:extLst>
             <a:ext uri="{AF507438-7753-43e0-B8FC-AC1667EBCBE1}">
-              <a14:hiddenEffects xmlns="" xmlns:a14="http://schemas.microsoft.com/office/drawing/2010/main">
+              <a14:hiddenEffects xmlns:a14="http://schemas.microsoft.com/office/drawing/2010/main" xmlns="">
                 <a:effectLst>
                   <a:outerShdw blurRad="63500" dist="38099" dir="2700000" algn="ctr" rotWithShape="0">
                     <a:srgbClr val="000000">
@@ -6794,14 +6794,14 @@
           <a:effectLst/>
           <a:extLst>
             <a:ext uri="{909E8E84-426E-40dd-AFC4-6F175D3DCCD1}">
-              <a14:hiddenFill xmlns="" xmlns:a14="http://schemas.microsoft.com/office/drawing/2010/main">
+              <a14:hiddenFill xmlns:a14="http://schemas.microsoft.com/office/drawing/2010/main" xmlns="">
                 <a:solidFill>
                   <a:srgbClr val="FFFFFF"/>
                 </a:solidFill>
               </a14:hiddenFill>
             </a:ext>
             <a:ext uri="{91240B29-F687-4f45-9708-019B960494DF}">
-              <a14:hiddenLine xmlns="" xmlns:a14="http://schemas.microsoft.com/office/drawing/2010/main" w="9525" cap="flat">
+              <a14:hiddenLine xmlns:a14="http://schemas.microsoft.com/office/drawing/2010/main" xmlns="" w="9525" cap="flat">
                 <a:solidFill>
                   <a:srgbClr val="000000"/>
                 </a:solidFill>
@@ -6811,7 +6811,7 @@
               </a14:hiddenLine>
             </a:ext>
             <a:ext uri="{AF507438-7753-43e0-B8FC-AC1667EBCBE1}">
-              <a14:hiddenEffects xmlns="" xmlns:a14="http://schemas.microsoft.com/office/drawing/2010/main">
+              <a14:hiddenEffects xmlns:a14="http://schemas.microsoft.com/office/drawing/2010/main" xmlns="">
                 <a:effectLst>
                   <a:outerShdw blurRad="63500" dist="38099" dir="2700000" algn="ctr" rotWithShape="0">
                     <a:srgbClr val="000000">
@@ -7045,12 +7045,12 @@
           <a:effectLst/>
           <a:extLst>
             <a:ext uri="{909E8E84-426E-40dd-AFC4-6F175D3DCCD1}">
-              <a14:hiddenFill xmlns="" xmlns:a14="http://schemas.microsoft.com/office/drawing/2010/main">
+              <a14:hiddenFill xmlns:a14="http://schemas.microsoft.com/office/drawing/2010/main" xmlns="">
                 <a:noFill/>
               </a14:hiddenFill>
             </a:ext>
             <a:ext uri="{AF507438-7753-43e0-B8FC-AC1667EBCBE1}">
-              <a14:hiddenEffects xmlns="" xmlns:a14="http://schemas.microsoft.com/office/drawing/2010/main">
+              <a14:hiddenEffects xmlns:a14="http://schemas.microsoft.com/office/drawing/2010/main" xmlns="">
                 <a:effectLst>
                   <a:outerShdw blurRad="63500" dist="38099" dir="2700000" algn="ctr" rotWithShape="0">
                     <a:srgbClr val="000000">
@@ -7098,12 +7098,12 @@
           <a:effectLst/>
           <a:extLst>
             <a:ext uri="{909E8E84-426E-40dd-AFC4-6F175D3DCCD1}">
-              <a14:hiddenFill xmlns="" xmlns:a14="http://schemas.microsoft.com/office/drawing/2010/main">
+              <a14:hiddenFill xmlns:a14="http://schemas.microsoft.com/office/drawing/2010/main" xmlns="">
                 <a:noFill/>
               </a14:hiddenFill>
             </a:ext>
             <a:ext uri="{AF507438-7753-43e0-B8FC-AC1667EBCBE1}">
-              <a14:hiddenEffects xmlns="" xmlns:a14="http://schemas.microsoft.com/office/drawing/2010/main">
+              <a14:hiddenEffects xmlns:a14="http://schemas.microsoft.com/office/drawing/2010/main" xmlns="">
                 <a:effectLst>
                   <a:outerShdw blurRad="63500" dist="38099" dir="2700000" algn="ctr" rotWithShape="0">
                     <a:srgbClr val="000000">
@@ -7146,14 +7146,14 @@
           <a:effectLst/>
           <a:extLst>
             <a:ext uri="{909E8E84-426E-40dd-AFC4-6F175D3DCCD1}">
-              <a14:hiddenFill xmlns="" xmlns:a14="http://schemas.microsoft.com/office/drawing/2010/main">
+              <a14:hiddenFill xmlns:a14="http://schemas.microsoft.com/office/drawing/2010/main" xmlns="">
                 <a:solidFill>
                   <a:srgbClr val="FFFFFF"/>
                 </a:solidFill>
               </a14:hiddenFill>
             </a:ext>
             <a:ext uri="{91240B29-F687-4f45-9708-019B960494DF}">
-              <a14:hiddenLine xmlns="" xmlns:a14="http://schemas.microsoft.com/office/drawing/2010/main" w="9525" cap="flat">
+              <a14:hiddenLine xmlns:a14="http://schemas.microsoft.com/office/drawing/2010/main" xmlns="" w="9525" cap="flat">
                 <a:solidFill>
                   <a:srgbClr val="000000"/>
                 </a:solidFill>
@@ -7163,7 +7163,7 @@
               </a14:hiddenLine>
             </a:ext>
             <a:ext uri="{AF507438-7753-43e0-B8FC-AC1667EBCBE1}">
-              <a14:hiddenEffects xmlns="" xmlns:a14="http://schemas.microsoft.com/office/drawing/2010/main">
+              <a14:hiddenEffects xmlns:a14="http://schemas.microsoft.com/office/drawing/2010/main" xmlns="">
                 <a:effectLst>
                   <a:outerShdw blurRad="63500" dist="38099" dir="2700000" algn="ctr" rotWithShape="0">
                     <a:srgbClr val="000000">
@@ -7401,14 +7401,14 @@
           <a:effectLst/>
           <a:extLst>
             <a:ext uri="{909E8E84-426E-40dd-AFC4-6F175D3DCCD1}">
-              <a14:hiddenFill xmlns="" xmlns:a14="http://schemas.microsoft.com/office/drawing/2010/main">
+              <a14:hiddenFill xmlns:a14="http://schemas.microsoft.com/office/drawing/2010/main" xmlns="">
                 <a:solidFill>
                   <a:srgbClr val="FFFFFF"/>
                 </a:solidFill>
               </a14:hiddenFill>
             </a:ext>
             <a:ext uri="{91240B29-F687-4f45-9708-019B960494DF}">
-              <a14:hiddenLine xmlns="" xmlns:a14="http://schemas.microsoft.com/office/drawing/2010/main" w="9525" cap="flat">
+              <a14:hiddenLine xmlns:a14="http://schemas.microsoft.com/office/drawing/2010/main" xmlns="" w="9525" cap="flat">
                 <a:solidFill>
                   <a:srgbClr val="000000"/>
                 </a:solidFill>
@@ -7418,7 +7418,7 @@
               </a14:hiddenLine>
             </a:ext>
             <a:ext uri="{AF507438-7753-43e0-B8FC-AC1667EBCBE1}">
-              <a14:hiddenEffects xmlns="" xmlns:a14="http://schemas.microsoft.com/office/drawing/2010/main">
+              <a14:hiddenEffects xmlns:a14="http://schemas.microsoft.com/office/drawing/2010/main" xmlns="">
                 <a:effectLst>
                   <a:outerShdw blurRad="63500" dist="38099" dir="2700000" algn="ctr" rotWithShape="0">
                     <a:srgbClr val="000000">
@@ -7638,14 +7638,14 @@
           <a:effectLst/>
           <a:extLst>
             <a:ext uri="{909E8E84-426E-40dd-AFC4-6F175D3DCCD1}">
-              <a14:hiddenFill xmlns="" xmlns:a14="http://schemas.microsoft.com/office/drawing/2010/main">
+              <a14:hiddenFill xmlns:a14="http://schemas.microsoft.com/office/drawing/2010/main" xmlns="">
                 <a:solidFill>
                   <a:srgbClr val="FFFFFF"/>
                 </a:solidFill>
               </a14:hiddenFill>
             </a:ext>
             <a:ext uri="{91240B29-F687-4f45-9708-019B960494DF}">
-              <a14:hiddenLine xmlns="" xmlns:a14="http://schemas.microsoft.com/office/drawing/2010/main" w="9525" cap="flat">
+              <a14:hiddenLine xmlns:a14="http://schemas.microsoft.com/office/drawing/2010/main" xmlns="" w="9525" cap="flat">
                 <a:solidFill>
                   <a:srgbClr val="000000"/>
                 </a:solidFill>
@@ -7655,7 +7655,7 @@
               </a14:hiddenLine>
             </a:ext>
             <a:ext uri="{AF507438-7753-43e0-B8FC-AC1667EBCBE1}">
-              <a14:hiddenEffects xmlns="" xmlns:a14="http://schemas.microsoft.com/office/drawing/2010/main">
+              <a14:hiddenEffects xmlns:a14="http://schemas.microsoft.com/office/drawing/2010/main" xmlns="">
                 <a:effectLst>
                   <a:outerShdw blurRad="63500" dist="38099" dir="2700000" algn="ctr" rotWithShape="0">
                     <a:srgbClr val="000000">
@@ -7884,14 +7884,14 @@
           <a:effectLst/>
           <a:extLst>
             <a:ext uri="{909E8E84-426E-40dd-AFC4-6F175D3DCCD1}">
-              <a14:hiddenFill xmlns="" xmlns:a14="http://schemas.microsoft.com/office/drawing/2010/main">
+              <a14:hiddenFill xmlns:a14="http://schemas.microsoft.com/office/drawing/2010/main" xmlns="">
                 <a:solidFill>
                   <a:srgbClr val="FFFFFF"/>
                 </a:solidFill>
               </a14:hiddenFill>
             </a:ext>
             <a:ext uri="{91240B29-F687-4f45-9708-019B960494DF}">
-              <a14:hiddenLine xmlns="" xmlns:a14="http://schemas.microsoft.com/office/drawing/2010/main" w="9525" cap="flat">
+              <a14:hiddenLine xmlns:a14="http://schemas.microsoft.com/office/drawing/2010/main" xmlns="" w="9525" cap="flat">
                 <a:solidFill>
                   <a:srgbClr val="000000"/>
                 </a:solidFill>
@@ -7901,7 +7901,7 @@
               </a14:hiddenLine>
             </a:ext>
             <a:ext uri="{AF507438-7753-43e0-B8FC-AC1667EBCBE1}">
-              <a14:hiddenEffects xmlns="" xmlns:a14="http://schemas.microsoft.com/office/drawing/2010/main">
+              <a14:hiddenEffects xmlns:a14="http://schemas.microsoft.com/office/drawing/2010/main" xmlns="">
                 <a:effectLst>
                   <a:outerShdw blurRad="63500" dist="38099" dir="2700000" algn="ctr" rotWithShape="0">
                     <a:srgbClr val="000000">
@@ -8130,14 +8130,14 @@
           <a:effectLst/>
           <a:extLst>
             <a:ext uri="{909E8E84-426E-40dd-AFC4-6F175D3DCCD1}">
-              <a14:hiddenFill xmlns="" xmlns:a14="http://schemas.microsoft.com/office/drawing/2010/main">
+              <a14:hiddenFill xmlns:a14="http://schemas.microsoft.com/office/drawing/2010/main" xmlns="">
                 <a:solidFill>
                   <a:srgbClr val="FFFFFF"/>
                 </a:solidFill>
               </a14:hiddenFill>
             </a:ext>
             <a:ext uri="{91240B29-F687-4f45-9708-019B960494DF}">
-              <a14:hiddenLine xmlns="" xmlns:a14="http://schemas.microsoft.com/office/drawing/2010/main" w="9525" cap="flat">
+              <a14:hiddenLine xmlns:a14="http://schemas.microsoft.com/office/drawing/2010/main" xmlns="" w="9525" cap="flat">
                 <a:solidFill>
                   <a:srgbClr val="000000"/>
                 </a:solidFill>
@@ -8147,7 +8147,7 @@
               </a14:hiddenLine>
             </a:ext>
             <a:ext uri="{AF507438-7753-43e0-B8FC-AC1667EBCBE1}">
-              <a14:hiddenEffects xmlns="" xmlns:a14="http://schemas.microsoft.com/office/drawing/2010/main">
+              <a14:hiddenEffects xmlns:a14="http://schemas.microsoft.com/office/drawing/2010/main" xmlns="">
                 <a:effectLst>
                   <a:outerShdw blurRad="63500" dist="38099" dir="2700000" algn="ctr" rotWithShape="0">
                     <a:srgbClr val="000000">
@@ -8373,14 +8373,14 @@
           <a:effectLst/>
           <a:extLst>
             <a:ext uri="{909E8E84-426E-40dd-AFC4-6F175D3DCCD1}">
-              <a14:hiddenFill xmlns="" xmlns:a14="http://schemas.microsoft.com/office/drawing/2010/main">
+              <a14:hiddenFill xmlns:a14="http://schemas.microsoft.com/office/drawing/2010/main" xmlns="">
                 <a:solidFill>
                   <a:srgbClr val="FFFFFF"/>
                 </a:solidFill>
               </a14:hiddenFill>
             </a:ext>
             <a:ext uri="{91240B29-F687-4f45-9708-019B960494DF}">
-              <a14:hiddenLine xmlns="" xmlns:a14="http://schemas.microsoft.com/office/drawing/2010/main" w="9525" cap="flat">
+              <a14:hiddenLine xmlns:a14="http://schemas.microsoft.com/office/drawing/2010/main" xmlns="" w="9525" cap="flat">
                 <a:solidFill>
                   <a:srgbClr val="000000"/>
                 </a:solidFill>
@@ -8390,7 +8390,7 @@
               </a14:hiddenLine>
             </a:ext>
             <a:ext uri="{AF507438-7753-43e0-B8FC-AC1667EBCBE1}">
-              <a14:hiddenEffects xmlns="" xmlns:a14="http://schemas.microsoft.com/office/drawing/2010/main">
+              <a14:hiddenEffects xmlns:a14="http://schemas.microsoft.com/office/drawing/2010/main" xmlns="">
                 <a:effectLst>
                   <a:outerShdw blurRad="63500" dist="38099" dir="2700000" algn="ctr" rotWithShape="0">
                     <a:srgbClr val="000000">
@@ -8617,14 +8617,14 @@
           <a:effectLst/>
           <a:extLst>
             <a:ext uri="{909E8E84-426E-40dd-AFC4-6F175D3DCCD1}">
-              <a14:hiddenFill xmlns="" xmlns:a14="http://schemas.microsoft.com/office/drawing/2010/main">
+              <a14:hiddenFill xmlns:a14="http://schemas.microsoft.com/office/drawing/2010/main" xmlns="">
                 <a:solidFill>
                   <a:srgbClr val="FFFFFF"/>
                 </a:solidFill>
               </a14:hiddenFill>
             </a:ext>
             <a:ext uri="{91240B29-F687-4f45-9708-019B960494DF}">
-              <a14:hiddenLine xmlns="" xmlns:a14="http://schemas.microsoft.com/office/drawing/2010/main" w="9525" cap="flat">
+              <a14:hiddenLine xmlns:a14="http://schemas.microsoft.com/office/drawing/2010/main" xmlns="" w="9525" cap="flat">
                 <a:solidFill>
                   <a:srgbClr val="000000"/>
                 </a:solidFill>
@@ -8634,7 +8634,7 @@
               </a14:hiddenLine>
             </a:ext>
             <a:ext uri="{AF507438-7753-43e0-B8FC-AC1667EBCBE1}">
-              <a14:hiddenEffects xmlns="" xmlns:a14="http://schemas.microsoft.com/office/drawing/2010/main">
+              <a14:hiddenEffects xmlns:a14="http://schemas.microsoft.com/office/drawing/2010/main" xmlns="">
                 <a:effectLst>
                   <a:outerShdw blurRad="63500" dist="38099" dir="2700000" algn="ctr" rotWithShape="0">
                     <a:srgbClr val="000000">
@@ -8863,14 +8863,14 @@
           <a:effectLst/>
           <a:extLst>
             <a:ext uri="{909E8E84-426E-40dd-AFC4-6F175D3DCCD1}">
-              <a14:hiddenFill xmlns="" xmlns:a14="http://schemas.microsoft.com/office/drawing/2010/main">
+              <a14:hiddenFill xmlns:a14="http://schemas.microsoft.com/office/drawing/2010/main" xmlns="">
                 <a:solidFill>
                   <a:srgbClr val="FFFFFF"/>
                 </a:solidFill>
               </a14:hiddenFill>
             </a:ext>
             <a:ext uri="{91240B29-F687-4f45-9708-019B960494DF}">
-              <a14:hiddenLine xmlns="" xmlns:a14="http://schemas.microsoft.com/office/drawing/2010/main" w="9525" cap="flat">
+              <a14:hiddenLine xmlns:a14="http://schemas.microsoft.com/office/drawing/2010/main" xmlns="" w="9525" cap="flat">
                 <a:solidFill>
                   <a:srgbClr val="000000"/>
                 </a:solidFill>
@@ -8880,7 +8880,7 @@
               </a14:hiddenLine>
             </a:ext>
             <a:ext uri="{AF507438-7753-43e0-B8FC-AC1667EBCBE1}">
-              <a14:hiddenEffects xmlns="" xmlns:a14="http://schemas.microsoft.com/office/drawing/2010/main">
+              <a14:hiddenEffects xmlns:a14="http://schemas.microsoft.com/office/drawing/2010/main" xmlns="">
                 <a:effectLst>
                   <a:outerShdw blurRad="63500" dist="38099" dir="2700000" algn="ctr" rotWithShape="0">
                     <a:srgbClr val="000000">
@@ -9118,7 +9118,7 @@
           <a:effectLst/>
           <a:extLst>
             <a:ext uri="{AF507438-7753-43e0-B8FC-AC1667EBCBE1}">
-              <a14:hiddenEffects xmlns="" xmlns:a14="http://schemas.microsoft.com/office/drawing/2010/main">
+              <a14:hiddenEffects xmlns:a14="http://schemas.microsoft.com/office/drawing/2010/main" xmlns="">
                 <a:effectLst>
                   <a:outerShdw blurRad="63500" dist="38099" dir="2700000" algn="ctr" rotWithShape="0">
                     <a:srgbClr val="000000">
@@ -9168,7 +9168,7 @@
           <a:effectLst/>
           <a:extLst>
             <a:ext uri="{AF507438-7753-43e0-B8FC-AC1667EBCBE1}">
-              <a14:hiddenEffects xmlns="" xmlns:a14="http://schemas.microsoft.com/office/drawing/2010/main">
+              <a14:hiddenEffects xmlns:a14="http://schemas.microsoft.com/office/drawing/2010/main" xmlns="">
                 <a:effectLst>
                   <a:outerShdw blurRad="63500" dist="38099" dir="2700000" algn="ctr" rotWithShape="0">
                     <a:srgbClr val="000000">
@@ -9211,14 +9211,14 @@
           <a:effectLst/>
           <a:extLst>
             <a:ext uri="{909E8E84-426E-40dd-AFC4-6F175D3DCCD1}">
-              <a14:hiddenFill xmlns="" xmlns:a14="http://schemas.microsoft.com/office/drawing/2010/main">
+              <a14:hiddenFill xmlns:a14="http://schemas.microsoft.com/office/drawing/2010/main" xmlns="">
                 <a:solidFill>
                   <a:srgbClr val="FFFFFF"/>
                 </a:solidFill>
               </a14:hiddenFill>
             </a:ext>
             <a:ext uri="{91240B29-F687-4f45-9708-019B960494DF}">
-              <a14:hiddenLine xmlns="" xmlns:a14="http://schemas.microsoft.com/office/drawing/2010/main" w="9525" cap="flat">
+              <a14:hiddenLine xmlns:a14="http://schemas.microsoft.com/office/drawing/2010/main" xmlns="" w="9525" cap="flat">
                 <a:solidFill>
                   <a:srgbClr val="000000"/>
                 </a:solidFill>
@@ -9228,7 +9228,7 @@
               </a14:hiddenLine>
             </a:ext>
             <a:ext uri="{AF507438-7753-43e0-B8FC-AC1667EBCBE1}">
-              <a14:hiddenEffects xmlns="" xmlns:a14="http://schemas.microsoft.com/office/drawing/2010/main">
+              <a14:hiddenEffects xmlns:a14="http://schemas.microsoft.com/office/drawing/2010/main" xmlns="">
                 <a:effectLst>
                   <a:outerShdw blurRad="63500" dist="38099" dir="2700000" algn="ctr" rotWithShape="0">
                     <a:srgbClr val="000000">
@@ -9464,7 +9464,7 @@
           <a:effectLst/>
           <a:extLst>
             <a:ext uri="{AF507438-7753-43e0-B8FC-AC1667EBCBE1}">
-              <a14:hiddenEffects xmlns="" xmlns:a14="http://schemas.microsoft.com/office/drawing/2010/main">
+              <a14:hiddenEffects xmlns:a14="http://schemas.microsoft.com/office/drawing/2010/main" xmlns="">
                 <a:effectLst>
                   <a:outerShdw blurRad="63500" dist="38099" dir="2700000" algn="ctr" rotWithShape="0">
                     <a:srgbClr val="000000">
@@ -9514,7 +9514,7 @@
           <a:effectLst/>
           <a:extLst>
             <a:ext uri="{AF507438-7753-43e0-B8FC-AC1667EBCBE1}">
-              <a14:hiddenEffects xmlns="" xmlns:a14="http://schemas.microsoft.com/office/drawing/2010/main">
+              <a14:hiddenEffects xmlns:a14="http://schemas.microsoft.com/office/drawing/2010/main" xmlns="">
                 <a:effectLst>
                   <a:outerShdw blurRad="63500" dist="38099" dir="2700000" algn="ctr" rotWithShape="0">
                     <a:srgbClr val="000000">
@@ -9564,7 +9564,7 @@
           <a:effectLst/>
           <a:extLst>
             <a:ext uri="{AF507438-7753-43e0-B8FC-AC1667EBCBE1}">
-              <a14:hiddenEffects xmlns="" xmlns:a14="http://schemas.microsoft.com/office/drawing/2010/main">
+              <a14:hiddenEffects xmlns:a14="http://schemas.microsoft.com/office/drawing/2010/main" xmlns="">
                 <a:effectLst>
                   <a:outerShdw blurRad="63500" dist="38099" dir="2700000" algn="ctr" rotWithShape="0">
                     <a:srgbClr val="000000">
@@ -9614,7 +9614,7 @@
           <a:effectLst/>
           <a:extLst>
             <a:ext uri="{AF507438-7753-43e0-B8FC-AC1667EBCBE1}">
-              <a14:hiddenEffects xmlns="" xmlns:a14="http://schemas.microsoft.com/office/drawing/2010/main">
+              <a14:hiddenEffects xmlns:a14="http://schemas.microsoft.com/office/drawing/2010/main" xmlns="">
                 <a:effectLst>
                   <a:outerShdw blurRad="63500" dist="38099" dir="2700000" algn="ctr" rotWithShape="0">
                     <a:srgbClr val="000000">
@@ -9664,7 +9664,7 @@
           <a:effectLst/>
           <a:extLst>
             <a:ext uri="{AF507438-7753-43e0-B8FC-AC1667EBCBE1}">
-              <a14:hiddenEffects xmlns="" xmlns:a14="http://schemas.microsoft.com/office/drawing/2010/main">
+              <a14:hiddenEffects xmlns:a14="http://schemas.microsoft.com/office/drawing/2010/main" xmlns="">
                 <a:effectLst>
                   <a:outerShdw blurRad="63500" dist="38099" dir="2700000" algn="ctr" rotWithShape="0">
                     <a:srgbClr val="000000">
@@ -9714,7 +9714,7 @@
           <a:effectLst/>
           <a:extLst>
             <a:ext uri="{AF507438-7753-43e0-B8FC-AC1667EBCBE1}">
-              <a14:hiddenEffects xmlns="" xmlns:a14="http://schemas.microsoft.com/office/drawing/2010/main">
+              <a14:hiddenEffects xmlns:a14="http://schemas.microsoft.com/office/drawing/2010/main" xmlns="">
                 <a:effectLst>
                   <a:outerShdw blurRad="63500" dist="38099" dir="2700000" algn="ctr" rotWithShape="0">
                     <a:srgbClr val="000000">
@@ -9764,7 +9764,7 @@
           <a:effectLst/>
           <a:extLst>
             <a:ext uri="{AF507438-7753-43e0-B8FC-AC1667EBCBE1}">
-              <a14:hiddenEffects xmlns="" xmlns:a14="http://schemas.microsoft.com/office/drawing/2010/main">
+              <a14:hiddenEffects xmlns:a14="http://schemas.microsoft.com/office/drawing/2010/main" xmlns="">
                 <a:effectLst>
                   <a:outerShdw blurRad="63500" dist="38099" dir="2700000" algn="ctr" rotWithShape="0">
                     <a:srgbClr val="000000">
@@ -9814,7 +9814,7 @@
           <a:effectLst/>
           <a:extLst>
             <a:ext uri="{AF507438-7753-43e0-B8FC-AC1667EBCBE1}">
-              <a14:hiddenEffects xmlns="" xmlns:a14="http://schemas.microsoft.com/office/drawing/2010/main">
+              <a14:hiddenEffects xmlns:a14="http://schemas.microsoft.com/office/drawing/2010/main" xmlns="">
                 <a:effectLst>
                   <a:outerShdw blurRad="63500" dist="38099" dir="2700000" algn="ctr" rotWithShape="0">
                     <a:srgbClr val="000000">
@@ -9864,7 +9864,7 @@
           <a:effectLst/>
           <a:extLst>
             <a:ext uri="{AF507438-7753-43e0-B8FC-AC1667EBCBE1}">
-              <a14:hiddenEffects xmlns="" xmlns:a14="http://schemas.microsoft.com/office/drawing/2010/main">
+              <a14:hiddenEffects xmlns:a14="http://schemas.microsoft.com/office/drawing/2010/main" xmlns="">
                 <a:effectLst>
                   <a:outerShdw blurRad="63500" dist="38099" dir="2700000" algn="ctr" rotWithShape="0">
                     <a:srgbClr val="000000">
@@ -9914,7 +9914,7 @@
           <a:effectLst/>
           <a:extLst>
             <a:ext uri="{AF507438-7753-43e0-B8FC-AC1667EBCBE1}">
-              <a14:hiddenEffects xmlns="" xmlns:a14="http://schemas.microsoft.com/office/drawing/2010/main">
+              <a14:hiddenEffects xmlns:a14="http://schemas.microsoft.com/office/drawing/2010/main" xmlns="">
                 <a:effectLst>
                   <a:outerShdw blurRad="63500" dist="38099" dir="2700000" algn="ctr" rotWithShape="0">
                     <a:srgbClr val="000000">
@@ -9964,7 +9964,7 @@
           <a:effectLst/>
           <a:extLst>
             <a:ext uri="{AF507438-7753-43e0-B8FC-AC1667EBCBE1}">
-              <a14:hiddenEffects xmlns="" xmlns:a14="http://schemas.microsoft.com/office/drawing/2010/main">
+              <a14:hiddenEffects xmlns:a14="http://schemas.microsoft.com/office/drawing/2010/main" xmlns="">
                 <a:effectLst>
                   <a:outerShdw blurRad="63500" dist="38099" dir="2700000" algn="ctr" rotWithShape="0">
                     <a:srgbClr val="000000">
@@ -10012,12 +10012,12 @@
           <a:effectLst/>
           <a:extLst>
             <a:ext uri="{909E8E84-426E-40dd-AFC4-6F175D3DCCD1}">
-              <a14:hiddenFill xmlns="" xmlns:a14="http://schemas.microsoft.com/office/drawing/2010/main">
+              <a14:hiddenFill xmlns:a14="http://schemas.microsoft.com/office/drawing/2010/main" xmlns="">
                 <a:noFill/>
               </a14:hiddenFill>
             </a:ext>
             <a:ext uri="{AF507438-7753-43e0-B8FC-AC1667EBCBE1}">
-              <a14:hiddenEffects xmlns="" xmlns:a14="http://schemas.microsoft.com/office/drawing/2010/main">
+              <a14:hiddenEffects xmlns:a14="http://schemas.microsoft.com/office/drawing/2010/main" xmlns="">
                 <a:effectLst>
                   <a:outerShdw blurRad="63500" dist="38099" dir="2700000" algn="ctr" rotWithShape="0">
                     <a:srgbClr val="000000">
@@ -10060,14 +10060,14 @@
           <a:effectLst/>
           <a:extLst>
             <a:ext uri="{909E8E84-426E-40dd-AFC4-6F175D3DCCD1}">
-              <a14:hiddenFill xmlns="" xmlns:a14="http://schemas.microsoft.com/office/drawing/2010/main">
+              <a14:hiddenFill xmlns:a14="http://schemas.microsoft.com/office/drawing/2010/main" xmlns="">
                 <a:solidFill>
                   <a:srgbClr val="FFFFFF"/>
                 </a:solidFill>
               </a14:hiddenFill>
             </a:ext>
             <a:ext uri="{91240B29-F687-4f45-9708-019B960494DF}">
-              <a14:hiddenLine xmlns="" xmlns:a14="http://schemas.microsoft.com/office/drawing/2010/main" w="9525" cap="flat">
+              <a14:hiddenLine xmlns:a14="http://schemas.microsoft.com/office/drawing/2010/main" xmlns="" w="9525" cap="flat">
                 <a:solidFill>
                   <a:srgbClr val="000000"/>
                 </a:solidFill>
@@ -10077,7 +10077,7 @@
               </a14:hiddenLine>
             </a:ext>
             <a:ext uri="{AF507438-7753-43e0-B8FC-AC1667EBCBE1}">
-              <a14:hiddenEffects xmlns="" xmlns:a14="http://schemas.microsoft.com/office/drawing/2010/main">
+              <a14:hiddenEffects xmlns:a14="http://schemas.microsoft.com/office/drawing/2010/main" xmlns="">
                 <a:effectLst>
                   <a:outerShdw blurRad="63500" dist="38099" dir="2700000" algn="ctr" rotWithShape="0">
                     <a:srgbClr val="000000">
@@ -10311,12 +10311,12 @@
           <a:effectLst/>
           <a:extLst>
             <a:ext uri="{909E8E84-426E-40dd-AFC4-6F175D3DCCD1}">
-              <a14:hiddenFill xmlns="" xmlns:a14="http://schemas.microsoft.com/office/drawing/2010/main">
+              <a14:hiddenFill xmlns:a14="http://schemas.microsoft.com/office/drawing/2010/main" xmlns="">
                 <a:noFill/>
               </a14:hiddenFill>
             </a:ext>
             <a:ext uri="{AF507438-7753-43e0-B8FC-AC1667EBCBE1}">
-              <a14:hiddenEffects xmlns="" xmlns:a14="http://schemas.microsoft.com/office/drawing/2010/main">
+              <a14:hiddenEffects xmlns:a14="http://schemas.microsoft.com/office/drawing/2010/main" xmlns="">
                 <a:effectLst>
                   <a:outerShdw blurRad="63500" dist="38099" dir="2700000" algn="ctr" rotWithShape="0">
                     <a:srgbClr val="000000">
@@ -10364,12 +10364,12 @@
           <a:effectLst/>
           <a:extLst>
             <a:ext uri="{909E8E84-426E-40dd-AFC4-6F175D3DCCD1}">
-              <a14:hiddenFill xmlns="" xmlns:a14="http://schemas.microsoft.com/office/drawing/2010/main">
+              <a14:hiddenFill xmlns:a14="http://schemas.microsoft.com/office/drawing/2010/main" xmlns="">
                 <a:noFill/>
               </a14:hiddenFill>
             </a:ext>
             <a:ext uri="{AF507438-7753-43e0-B8FC-AC1667EBCBE1}">
-              <a14:hiddenEffects xmlns="" xmlns:a14="http://schemas.microsoft.com/office/drawing/2010/main">
+              <a14:hiddenEffects xmlns:a14="http://schemas.microsoft.com/office/drawing/2010/main" xmlns="">
                 <a:effectLst>
                   <a:outerShdw blurRad="63500" dist="38099" dir="2700000" algn="ctr" rotWithShape="0">
                     <a:srgbClr val="000000">
@@ -10412,14 +10412,14 @@
           <a:effectLst/>
           <a:extLst>
             <a:ext uri="{909E8E84-426E-40dd-AFC4-6F175D3DCCD1}">
-              <a14:hiddenFill xmlns="" xmlns:a14="http://schemas.microsoft.com/office/drawing/2010/main">
+              <a14:hiddenFill xmlns:a14="http://schemas.microsoft.com/office/drawing/2010/main" xmlns="">
                 <a:solidFill>
                   <a:srgbClr val="FFFFFF"/>
                 </a:solidFill>
               </a14:hiddenFill>
             </a:ext>
             <a:ext uri="{91240B29-F687-4f45-9708-019B960494DF}">
-              <a14:hiddenLine xmlns="" xmlns:a14="http://schemas.microsoft.com/office/drawing/2010/main" w="9525" cap="flat">
+              <a14:hiddenLine xmlns:a14="http://schemas.microsoft.com/office/drawing/2010/main" xmlns="" w="9525" cap="flat">
                 <a:solidFill>
                   <a:srgbClr val="000000"/>
                 </a:solidFill>
@@ -10429,7 +10429,7 @@
               </a14:hiddenLine>
             </a:ext>
             <a:ext uri="{AF507438-7753-43e0-B8FC-AC1667EBCBE1}">
-              <a14:hiddenEffects xmlns="" xmlns:a14="http://schemas.microsoft.com/office/drawing/2010/main">
+              <a14:hiddenEffects xmlns:a14="http://schemas.microsoft.com/office/drawing/2010/main" xmlns="">
                 <a:effectLst>
                   <a:outerShdw blurRad="63500" dist="38099" dir="2700000" algn="ctr" rotWithShape="0">
                     <a:srgbClr val="000000">
@@ -10667,14 +10667,14 @@
           <a:effectLst/>
           <a:extLst>
             <a:ext uri="{909E8E84-426E-40dd-AFC4-6F175D3DCCD1}">
-              <a14:hiddenFill xmlns="" xmlns:a14="http://schemas.microsoft.com/office/drawing/2010/main">
+              <a14:hiddenFill xmlns:a14="http://schemas.microsoft.com/office/drawing/2010/main" xmlns="">
                 <a:solidFill>
                   <a:srgbClr val="FFFFFF"/>
                 </a:solidFill>
               </a14:hiddenFill>
             </a:ext>
             <a:ext uri="{91240B29-F687-4f45-9708-019B960494DF}">
-              <a14:hiddenLine xmlns="" xmlns:a14="http://schemas.microsoft.com/office/drawing/2010/main" w="9525" cap="flat">
+              <a14:hiddenLine xmlns:a14="http://schemas.microsoft.com/office/drawing/2010/main" xmlns="" w="9525" cap="flat">
                 <a:solidFill>
                   <a:srgbClr val="000000"/>
                 </a:solidFill>
@@ -10684,7 +10684,7 @@
               </a14:hiddenLine>
             </a:ext>
             <a:ext uri="{AF507438-7753-43e0-B8FC-AC1667EBCBE1}">
-              <a14:hiddenEffects xmlns="" xmlns:a14="http://schemas.microsoft.com/office/drawing/2010/main">
+              <a14:hiddenEffects xmlns:a14="http://schemas.microsoft.com/office/drawing/2010/main" xmlns="">
                 <a:effectLst>
                   <a:outerShdw blurRad="63500" dist="38099" dir="2700000" algn="ctr" rotWithShape="0">
                     <a:srgbClr val="000000">
@@ -10916,14 +10916,14 @@
           <a:effectLst/>
           <a:extLst>
             <a:ext uri="{909E8E84-426E-40dd-AFC4-6F175D3DCCD1}">
-              <a14:hiddenFill xmlns="" xmlns:a14="http://schemas.microsoft.com/office/drawing/2010/main">
+              <a14:hiddenFill xmlns:a14="http://schemas.microsoft.com/office/drawing/2010/main" xmlns="">
                 <a:solidFill>
                   <a:srgbClr val="FFFFFF"/>
                 </a:solidFill>
               </a14:hiddenFill>
             </a:ext>
             <a:ext uri="{91240B29-F687-4f45-9708-019B960494DF}">
-              <a14:hiddenLine xmlns="" xmlns:a14="http://schemas.microsoft.com/office/drawing/2010/main" w="9525" cap="flat">
+              <a14:hiddenLine xmlns:a14="http://schemas.microsoft.com/office/drawing/2010/main" xmlns="" w="9525" cap="flat">
                 <a:solidFill>
                   <a:srgbClr val="000000"/>
                 </a:solidFill>
@@ -10933,7 +10933,7 @@
               </a14:hiddenLine>
             </a:ext>
             <a:ext uri="{AF507438-7753-43e0-B8FC-AC1667EBCBE1}">
-              <a14:hiddenEffects xmlns="" xmlns:a14="http://schemas.microsoft.com/office/drawing/2010/main">
+              <a14:hiddenEffects xmlns:a14="http://schemas.microsoft.com/office/drawing/2010/main" xmlns="">
                 <a:effectLst>
                   <a:outerShdw blurRad="63500" dist="38099" dir="2700000" algn="ctr" rotWithShape="0">
                     <a:srgbClr val="000000">
@@ -11158,12 +11158,12 @@
           <a:effectLst/>
           <a:extLst>
             <a:ext uri="{909E8E84-426E-40dd-AFC4-6F175D3DCCD1}">
-              <a14:hiddenFill xmlns="" xmlns:a14="http://schemas.microsoft.com/office/drawing/2010/main">
+              <a14:hiddenFill xmlns:a14="http://schemas.microsoft.com/office/drawing/2010/main" xmlns="">
                 <a:noFill/>
               </a14:hiddenFill>
             </a:ext>
             <a:ext uri="{AF507438-7753-43e0-B8FC-AC1667EBCBE1}">
-              <a14:hiddenEffects xmlns="" xmlns:a14="http://schemas.microsoft.com/office/drawing/2010/main">
+              <a14:hiddenEffects xmlns:a14="http://schemas.microsoft.com/office/drawing/2010/main" xmlns="">
                 <a:effectLst>
                   <a:outerShdw blurRad="63500" dist="38099" dir="2700000" algn="ctr" rotWithShape="0">
                     <a:srgbClr val="000000">
@@ -11206,14 +11206,14 @@
           <a:effectLst/>
           <a:extLst>
             <a:ext uri="{909E8E84-426E-40dd-AFC4-6F175D3DCCD1}">
-              <a14:hiddenFill xmlns="" xmlns:a14="http://schemas.microsoft.com/office/drawing/2010/main">
+              <a14:hiddenFill xmlns:a14="http://schemas.microsoft.com/office/drawing/2010/main" xmlns="">
                 <a:solidFill>
                   <a:srgbClr val="FFFFFF"/>
                 </a:solidFill>
               </a14:hiddenFill>
             </a:ext>
             <a:ext uri="{91240B29-F687-4f45-9708-019B960494DF}">
-              <a14:hiddenLine xmlns="" xmlns:a14="http://schemas.microsoft.com/office/drawing/2010/main" w="9525" cap="flat">
+              <a14:hiddenLine xmlns:a14="http://schemas.microsoft.com/office/drawing/2010/main" xmlns="" w="9525" cap="flat">
                 <a:solidFill>
                   <a:srgbClr val="000000"/>
                 </a:solidFill>
@@ -11223,7 +11223,7 @@
               </a14:hiddenLine>
             </a:ext>
             <a:ext uri="{AF507438-7753-43e0-B8FC-AC1667EBCBE1}">
-              <a14:hiddenEffects xmlns="" xmlns:a14="http://schemas.microsoft.com/office/drawing/2010/main">
+              <a14:hiddenEffects xmlns:a14="http://schemas.microsoft.com/office/drawing/2010/main" xmlns="">
                 <a:effectLst>
                   <a:outerShdw blurRad="63500" dist="38099" dir="2700000" algn="ctr" rotWithShape="0">
                     <a:srgbClr val="000000">
@@ -11273,14 +11273,14 @@
           <a:effectLst/>
           <a:extLst>
             <a:ext uri="{909E8E84-426E-40dd-AFC4-6F175D3DCCD1}">
-              <a14:hiddenFill xmlns="" xmlns:a14="http://schemas.microsoft.com/office/drawing/2010/main">
+              <a14:hiddenFill xmlns:a14="http://schemas.microsoft.com/office/drawing/2010/main" xmlns="">
                 <a:solidFill>
                   <a:srgbClr val="FFFFFF"/>
                 </a:solidFill>
               </a14:hiddenFill>
             </a:ext>
             <a:ext uri="{91240B29-F687-4f45-9708-019B960494DF}">
-              <a14:hiddenLine xmlns="" xmlns:a14="http://schemas.microsoft.com/office/drawing/2010/main" w="9525" cap="flat">
+              <a14:hiddenLine xmlns:a14="http://schemas.microsoft.com/office/drawing/2010/main" xmlns="" w="9525" cap="flat">
                 <a:solidFill>
                   <a:srgbClr val="000000"/>
                 </a:solidFill>
@@ -11290,7 +11290,7 @@
               </a14:hiddenLine>
             </a:ext>
             <a:ext uri="{AF507438-7753-43e0-B8FC-AC1667EBCBE1}">
-              <a14:hiddenEffects xmlns="" xmlns:a14="http://schemas.microsoft.com/office/drawing/2010/main">
+              <a14:hiddenEffects xmlns:a14="http://schemas.microsoft.com/office/drawing/2010/main" xmlns="">
                 <a:effectLst>
                   <a:outerShdw blurRad="63500" dist="38099" dir="2700000" algn="ctr" rotWithShape="0">
                     <a:srgbClr val="000000">
@@ -11510,14 +11510,14 @@
           <a:effectLst/>
           <a:extLst>
             <a:ext uri="{909E8E84-426E-40dd-AFC4-6F175D3DCCD1}">
-              <a14:hiddenFill xmlns="" xmlns:a14="http://schemas.microsoft.com/office/drawing/2010/main">
+              <a14:hiddenFill xmlns:a14="http://schemas.microsoft.com/office/drawing/2010/main" xmlns="">
                 <a:solidFill>
                   <a:srgbClr val="FFFFFF"/>
                 </a:solidFill>
               </a14:hiddenFill>
             </a:ext>
             <a:ext uri="{91240B29-F687-4f45-9708-019B960494DF}">
-              <a14:hiddenLine xmlns="" xmlns:a14="http://schemas.microsoft.com/office/drawing/2010/main" w="9525" cap="flat">
+              <a14:hiddenLine xmlns:a14="http://schemas.microsoft.com/office/drawing/2010/main" xmlns="" w="9525" cap="flat">
                 <a:solidFill>
                   <a:srgbClr val="000000"/>
                 </a:solidFill>
@@ -11527,7 +11527,7 @@
               </a14:hiddenLine>
             </a:ext>
             <a:ext uri="{AF507438-7753-43e0-B8FC-AC1667EBCBE1}">
-              <a14:hiddenEffects xmlns="" xmlns:a14="http://schemas.microsoft.com/office/drawing/2010/main">
+              <a14:hiddenEffects xmlns:a14="http://schemas.microsoft.com/office/drawing/2010/main" xmlns="">
                 <a:effectLst>
                   <a:outerShdw blurRad="63500" dist="38099" dir="2700000" algn="ctr" rotWithShape="0">
                     <a:srgbClr val="000000">
@@ -11747,14 +11747,14 @@
           <a:effectLst/>
           <a:extLst>
             <a:ext uri="{909E8E84-426E-40dd-AFC4-6F175D3DCCD1}">
-              <a14:hiddenFill xmlns="" xmlns:a14="http://schemas.microsoft.com/office/drawing/2010/main">
+              <a14:hiddenFill xmlns:a14="http://schemas.microsoft.com/office/drawing/2010/main" xmlns="">
                 <a:solidFill>
                   <a:srgbClr val="FFFFFF"/>
                 </a:solidFill>
               </a14:hiddenFill>
             </a:ext>
             <a:ext uri="{91240B29-F687-4f45-9708-019B960494DF}">
-              <a14:hiddenLine xmlns="" xmlns:a14="http://schemas.microsoft.com/office/drawing/2010/main" w="9525" cap="flat">
+              <a14:hiddenLine xmlns:a14="http://schemas.microsoft.com/office/drawing/2010/main" xmlns="" w="9525" cap="flat">
                 <a:solidFill>
                   <a:srgbClr val="000000"/>
                 </a:solidFill>
@@ -11764,7 +11764,7 @@
               </a14:hiddenLine>
             </a:ext>
             <a:ext uri="{AF507438-7753-43e0-B8FC-AC1667EBCBE1}">
-              <a14:hiddenEffects xmlns="" xmlns:a14="http://schemas.microsoft.com/office/drawing/2010/main">
+              <a14:hiddenEffects xmlns:a14="http://schemas.microsoft.com/office/drawing/2010/main" xmlns="">
                 <a:effectLst>
                   <a:outerShdw blurRad="63500" dist="38099" dir="2700000" algn="ctr" rotWithShape="0">
                     <a:srgbClr val="000000">
@@ -11814,14 +11814,14 @@
           <a:effectLst/>
           <a:extLst>
             <a:ext uri="{909E8E84-426E-40dd-AFC4-6F175D3DCCD1}">
-              <a14:hiddenFill xmlns="" xmlns:a14="http://schemas.microsoft.com/office/drawing/2010/main">
+              <a14:hiddenFill xmlns:a14="http://schemas.microsoft.com/office/drawing/2010/main" xmlns="">
                 <a:solidFill>
                   <a:srgbClr val="FFFFFF"/>
                 </a:solidFill>
               </a14:hiddenFill>
             </a:ext>
             <a:ext uri="{91240B29-F687-4f45-9708-019B960494DF}">
-              <a14:hiddenLine xmlns="" xmlns:a14="http://schemas.microsoft.com/office/drawing/2010/main" w="9525" cap="flat">
+              <a14:hiddenLine xmlns:a14="http://schemas.microsoft.com/office/drawing/2010/main" xmlns="" w="9525" cap="flat">
                 <a:solidFill>
                   <a:srgbClr val="000000"/>
                 </a:solidFill>
@@ -11831,7 +11831,7 @@
               </a14:hiddenLine>
             </a:ext>
             <a:ext uri="{AF507438-7753-43e0-B8FC-AC1667EBCBE1}">
-              <a14:hiddenEffects xmlns="" xmlns:a14="http://schemas.microsoft.com/office/drawing/2010/main">
+              <a14:hiddenEffects xmlns:a14="http://schemas.microsoft.com/office/drawing/2010/main" xmlns="">
                 <a:effectLst>
                   <a:outerShdw blurRad="63500" dist="38099" dir="2700000" algn="ctr" rotWithShape="0">
                     <a:srgbClr val="000000">
@@ -11881,14 +11881,14 @@
           <a:effectLst/>
           <a:extLst>
             <a:ext uri="{909E8E84-426E-40dd-AFC4-6F175D3DCCD1}">
-              <a14:hiddenFill xmlns="" xmlns:a14="http://schemas.microsoft.com/office/drawing/2010/main">
+              <a14:hiddenFill xmlns:a14="http://schemas.microsoft.com/office/drawing/2010/main" xmlns="">
                 <a:solidFill>
                   <a:srgbClr val="FFFFFF"/>
                 </a:solidFill>
               </a14:hiddenFill>
             </a:ext>
             <a:ext uri="{91240B29-F687-4f45-9708-019B960494DF}">
-              <a14:hiddenLine xmlns="" xmlns:a14="http://schemas.microsoft.com/office/drawing/2010/main" w="9525" cap="flat">
+              <a14:hiddenLine xmlns:a14="http://schemas.microsoft.com/office/drawing/2010/main" xmlns="" w="9525" cap="flat">
                 <a:solidFill>
                   <a:srgbClr val="000000"/>
                 </a:solidFill>
@@ -11898,7 +11898,7 @@
               </a14:hiddenLine>
             </a:ext>
             <a:ext uri="{AF507438-7753-43e0-B8FC-AC1667EBCBE1}">
-              <a14:hiddenEffects xmlns="" xmlns:a14="http://schemas.microsoft.com/office/drawing/2010/main">
+              <a14:hiddenEffects xmlns:a14="http://schemas.microsoft.com/office/drawing/2010/main" xmlns="">
                 <a:effectLst>
                   <a:outerShdw blurRad="63500" dist="38099" dir="2700000" algn="ctr" rotWithShape="0">
                     <a:srgbClr val="000000">
@@ -11948,14 +11948,14 @@
           <a:effectLst/>
           <a:extLst>
             <a:ext uri="{909E8E84-426E-40dd-AFC4-6F175D3DCCD1}">
-              <a14:hiddenFill xmlns="" xmlns:a14="http://schemas.microsoft.com/office/drawing/2010/main">
+              <a14:hiddenFill xmlns:a14="http://schemas.microsoft.com/office/drawing/2010/main" xmlns="">
                 <a:solidFill>
                   <a:srgbClr val="FFFFFF"/>
                 </a:solidFill>
               </a14:hiddenFill>
             </a:ext>
             <a:ext uri="{91240B29-F687-4f45-9708-019B960494DF}">
-              <a14:hiddenLine xmlns="" xmlns:a14="http://schemas.microsoft.com/office/drawing/2010/main" w="9525" cap="flat">
+              <a14:hiddenLine xmlns:a14="http://schemas.microsoft.com/office/drawing/2010/main" xmlns="" w="9525" cap="flat">
                 <a:solidFill>
                   <a:srgbClr val="000000"/>
                 </a:solidFill>
@@ -11965,7 +11965,7 @@
               </a14:hiddenLine>
             </a:ext>
             <a:ext uri="{AF507438-7753-43e0-B8FC-AC1667EBCBE1}">
-              <a14:hiddenEffects xmlns="" xmlns:a14="http://schemas.microsoft.com/office/drawing/2010/main">
+              <a14:hiddenEffects xmlns:a14="http://schemas.microsoft.com/office/drawing/2010/main" xmlns="">
                 <a:effectLst>
                   <a:outerShdw blurRad="63500" dist="38099" dir="2700000" algn="ctr" rotWithShape="0">
                     <a:srgbClr val="000000">
@@ -12015,14 +12015,14 @@
           <a:effectLst/>
           <a:extLst>
             <a:ext uri="{909E8E84-426E-40dd-AFC4-6F175D3DCCD1}">
-              <a14:hiddenFill xmlns="" xmlns:a14="http://schemas.microsoft.com/office/drawing/2010/main">
+              <a14:hiddenFill xmlns:a14="http://schemas.microsoft.com/office/drawing/2010/main" xmlns="">
                 <a:solidFill>
                   <a:srgbClr val="FFFFFF"/>
                 </a:solidFill>
               </a14:hiddenFill>
             </a:ext>
             <a:ext uri="{91240B29-F687-4f45-9708-019B960494DF}">
-              <a14:hiddenLine xmlns="" xmlns:a14="http://schemas.microsoft.com/office/drawing/2010/main" w="9525" cap="flat">
+              <a14:hiddenLine xmlns:a14="http://schemas.microsoft.com/office/drawing/2010/main" xmlns="" w="9525" cap="flat">
                 <a:solidFill>
                   <a:srgbClr val="000000"/>
                 </a:solidFill>
@@ -12032,7 +12032,7 @@
               </a14:hiddenLine>
             </a:ext>
             <a:ext uri="{AF507438-7753-43e0-B8FC-AC1667EBCBE1}">
-              <a14:hiddenEffects xmlns="" xmlns:a14="http://schemas.microsoft.com/office/drawing/2010/main">
+              <a14:hiddenEffects xmlns:a14="http://schemas.microsoft.com/office/drawing/2010/main" xmlns="">
                 <a:effectLst>
                   <a:outerShdw blurRad="63500" dist="38099" dir="2700000" algn="ctr" rotWithShape="0">
                     <a:srgbClr val="000000">
@@ -12252,14 +12252,14 @@
           <a:effectLst/>
           <a:extLst>
             <a:ext uri="{909E8E84-426E-40dd-AFC4-6F175D3DCCD1}">
-              <a14:hiddenFill xmlns="" xmlns:a14="http://schemas.microsoft.com/office/drawing/2010/main">
+              <a14:hiddenFill xmlns:a14="http://schemas.microsoft.com/office/drawing/2010/main" xmlns="">
                 <a:solidFill>
                   <a:srgbClr val="FFFFFF"/>
                 </a:solidFill>
               </a14:hiddenFill>
             </a:ext>
             <a:ext uri="{91240B29-F687-4f45-9708-019B960494DF}">
-              <a14:hiddenLine xmlns="" xmlns:a14="http://schemas.microsoft.com/office/drawing/2010/main" w="9525" cap="flat">
+              <a14:hiddenLine xmlns:a14="http://schemas.microsoft.com/office/drawing/2010/main" xmlns="" w="9525" cap="flat">
                 <a:solidFill>
                   <a:srgbClr val="000000"/>
                 </a:solidFill>
@@ -12269,7 +12269,7 @@
               </a14:hiddenLine>
             </a:ext>
             <a:ext uri="{AF507438-7753-43e0-B8FC-AC1667EBCBE1}">
-              <a14:hiddenEffects xmlns="" xmlns:a14="http://schemas.microsoft.com/office/drawing/2010/main">
+              <a14:hiddenEffects xmlns:a14="http://schemas.microsoft.com/office/drawing/2010/main" xmlns="">
                 <a:effectLst>
                   <a:outerShdw blurRad="63500" dist="38099" dir="2700000" algn="ctr" rotWithShape="0">
                     <a:srgbClr val="000000">
@@ -12319,14 +12319,14 @@
           <a:effectLst/>
           <a:extLst>
             <a:ext uri="{909E8E84-426E-40dd-AFC4-6F175D3DCCD1}">
-              <a14:hiddenFill xmlns="" xmlns:a14="http://schemas.microsoft.com/office/drawing/2010/main">
+              <a14:hiddenFill xmlns:a14="http://schemas.microsoft.com/office/drawing/2010/main" xmlns="">
                 <a:solidFill>
                   <a:srgbClr val="FFFFFF"/>
                 </a:solidFill>
               </a14:hiddenFill>
             </a:ext>
             <a:ext uri="{91240B29-F687-4f45-9708-019B960494DF}">
-              <a14:hiddenLine xmlns="" xmlns:a14="http://schemas.microsoft.com/office/drawing/2010/main" w="9525" cap="flat">
+              <a14:hiddenLine xmlns:a14="http://schemas.microsoft.com/office/drawing/2010/main" xmlns="" w="9525" cap="flat">
                 <a:solidFill>
                   <a:srgbClr val="000000"/>
                 </a:solidFill>
@@ -12336,7 +12336,7 @@
               </a14:hiddenLine>
             </a:ext>
             <a:ext uri="{AF507438-7753-43e0-B8FC-AC1667EBCBE1}">
-              <a14:hiddenEffects xmlns="" xmlns:a14="http://schemas.microsoft.com/office/drawing/2010/main">
+              <a14:hiddenEffects xmlns:a14="http://schemas.microsoft.com/office/drawing/2010/main" xmlns="">
                 <a:effectLst>
                   <a:outerShdw blurRad="63500" dist="38099" dir="2700000" algn="ctr" rotWithShape="0">
                     <a:srgbClr val="000000">
@@ -12556,14 +12556,14 @@
           <a:effectLst/>
           <a:extLst>
             <a:ext uri="{909E8E84-426E-40dd-AFC4-6F175D3DCCD1}">
-              <a14:hiddenFill xmlns="" xmlns:a14="http://schemas.microsoft.com/office/drawing/2010/main">
+              <a14:hiddenFill xmlns:a14="http://schemas.microsoft.com/office/drawing/2010/main" xmlns="">
                 <a:solidFill>
                   <a:srgbClr val="FFFFFF"/>
                 </a:solidFill>
               </a14:hiddenFill>
             </a:ext>
             <a:ext uri="{91240B29-F687-4f45-9708-019B960494DF}">
-              <a14:hiddenLine xmlns="" xmlns:a14="http://schemas.microsoft.com/office/drawing/2010/main" w="9525" cap="flat">
+              <a14:hiddenLine xmlns:a14="http://schemas.microsoft.com/office/drawing/2010/main" xmlns="" w="9525" cap="flat">
                 <a:solidFill>
                   <a:srgbClr val="000000"/>
                 </a:solidFill>
@@ -12573,7 +12573,7 @@
               </a14:hiddenLine>
             </a:ext>
             <a:ext uri="{AF507438-7753-43e0-B8FC-AC1667EBCBE1}">
-              <a14:hiddenEffects xmlns="" xmlns:a14="http://schemas.microsoft.com/office/drawing/2010/main">
+              <a14:hiddenEffects xmlns:a14="http://schemas.microsoft.com/office/drawing/2010/main" xmlns="">
                 <a:effectLst>
                   <a:outerShdw blurRad="63500" dist="38099" dir="2700000" algn="ctr" rotWithShape="0">
                     <a:srgbClr val="000000">
@@ -12793,14 +12793,14 @@
           <a:effectLst/>
           <a:extLst>
             <a:ext uri="{909E8E84-426E-40dd-AFC4-6F175D3DCCD1}">
-              <a14:hiddenFill xmlns="" xmlns:a14="http://schemas.microsoft.com/office/drawing/2010/main">
+              <a14:hiddenFill xmlns:a14="http://schemas.microsoft.com/office/drawing/2010/main" xmlns="">
                 <a:solidFill>
                   <a:srgbClr val="FFFFFF"/>
                 </a:solidFill>
               </a14:hiddenFill>
             </a:ext>
             <a:ext uri="{91240B29-F687-4f45-9708-019B960494DF}">
-              <a14:hiddenLine xmlns="" xmlns:a14="http://schemas.microsoft.com/office/drawing/2010/main" w="9525" cap="flat">
+              <a14:hiddenLine xmlns:a14="http://schemas.microsoft.com/office/drawing/2010/main" xmlns="" w="9525" cap="flat">
                 <a:solidFill>
                   <a:srgbClr val="000000"/>
                 </a:solidFill>
@@ -12810,7 +12810,7 @@
               </a14:hiddenLine>
             </a:ext>
             <a:ext uri="{AF507438-7753-43e0-B8FC-AC1667EBCBE1}">
-              <a14:hiddenEffects xmlns="" xmlns:a14="http://schemas.microsoft.com/office/drawing/2010/main">
+              <a14:hiddenEffects xmlns:a14="http://schemas.microsoft.com/office/drawing/2010/main" xmlns="">
                 <a:effectLst>
                   <a:outerShdw blurRad="63500" dist="38099" dir="2700000" algn="ctr" rotWithShape="0">
                     <a:srgbClr val="000000">
@@ -13030,14 +13030,14 @@
           <a:effectLst/>
           <a:extLst>
             <a:ext uri="{909E8E84-426E-40dd-AFC4-6F175D3DCCD1}">
-              <a14:hiddenFill xmlns="" xmlns:a14="http://schemas.microsoft.com/office/drawing/2010/main">
+              <a14:hiddenFill xmlns:a14="http://schemas.microsoft.com/office/drawing/2010/main" xmlns="">
                 <a:solidFill>
                   <a:srgbClr val="FFFFFF"/>
                 </a:solidFill>
               </a14:hiddenFill>
             </a:ext>
             <a:ext uri="{91240B29-F687-4f45-9708-019B960494DF}">
-              <a14:hiddenLine xmlns="" xmlns:a14="http://schemas.microsoft.com/office/drawing/2010/main" w="9525" cap="flat">
+              <a14:hiddenLine xmlns:a14="http://schemas.microsoft.com/office/drawing/2010/main" xmlns="" w="9525" cap="flat">
                 <a:solidFill>
                   <a:srgbClr val="000000"/>
                 </a:solidFill>
@@ -13047,7 +13047,7 @@
               </a14:hiddenLine>
             </a:ext>
             <a:ext uri="{AF507438-7753-43e0-B8FC-AC1667EBCBE1}">
-              <a14:hiddenEffects xmlns="" xmlns:a14="http://schemas.microsoft.com/office/drawing/2010/main">
+              <a14:hiddenEffects xmlns:a14="http://schemas.microsoft.com/office/drawing/2010/main" xmlns="">
                 <a:effectLst>
                   <a:outerShdw blurRad="63500" dist="38099" dir="2700000" algn="ctr" rotWithShape="0">
                     <a:srgbClr val="000000">
@@ -13267,14 +13267,14 @@
           <a:effectLst/>
           <a:extLst>
             <a:ext uri="{909E8E84-426E-40dd-AFC4-6F175D3DCCD1}">
-              <a14:hiddenFill xmlns="" xmlns:a14="http://schemas.microsoft.com/office/drawing/2010/main">
+              <a14:hiddenFill xmlns:a14="http://schemas.microsoft.com/office/drawing/2010/main" xmlns="">
                 <a:solidFill>
                   <a:srgbClr val="FFFFFF"/>
                 </a:solidFill>
               </a14:hiddenFill>
             </a:ext>
             <a:ext uri="{91240B29-F687-4f45-9708-019B960494DF}">
-              <a14:hiddenLine xmlns="" xmlns:a14="http://schemas.microsoft.com/office/drawing/2010/main" w="9525" cap="flat">
+              <a14:hiddenLine xmlns:a14="http://schemas.microsoft.com/office/drawing/2010/main" xmlns="" w="9525" cap="flat">
                 <a:solidFill>
                   <a:srgbClr val="000000"/>
                 </a:solidFill>
@@ -13284,7 +13284,7 @@
               </a14:hiddenLine>
             </a:ext>
             <a:ext uri="{AF507438-7753-43e0-B8FC-AC1667EBCBE1}">
-              <a14:hiddenEffects xmlns="" xmlns:a14="http://schemas.microsoft.com/office/drawing/2010/main">
+              <a14:hiddenEffects xmlns:a14="http://schemas.microsoft.com/office/drawing/2010/main" xmlns="">
                 <a:effectLst>
                   <a:outerShdw blurRad="63500" dist="38099" dir="2700000" algn="ctr" rotWithShape="0">
                     <a:srgbClr val="000000">
@@ -13504,14 +13504,14 @@
           <a:effectLst/>
           <a:extLst>
             <a:ext uri="{909E8E84-426E-40dd-AFC4-6F175D3DCCD1}">
-              <a14:hiddenFill xmlns="" xmlns:a14="http://schemas.microsoft.com/office/drawing/2010/main">
+              <a14:hiddenFill xmlns:a14="http://schemas.microsoft.com/office/drawing/2010/main" xmlns="">
                 <a:solidFill>
                   <a:srgbClr val="FFFFFF"/>
                 </a:solidFill>
               </a14:hiddenFill>
             </a:ext>
             <a:ext uri="{91240B29-F687-4f45-9708-019B960494DF}">
-              <a14:hiddenLine xmlns="" xmlns:a14="http://schemas.microsoft.com/office/drawing/2010/main" w="9525" cap="flat">
+              <a14:hiddenLine xmlns:a14="http://schemas.microsoft.com/office/drawing/2010/main" xmlns="" w="9525" cap="flat">
                 <a:solidFill>
                   <a:srgbClr val="000000"/>
                 </a:solidFill>
@@ -13521,7 +13521,7 @@
               </a14:hiddenLine>
             </a:ext>
             <a:ext uri="{AF507438-7753-43e0-B8FC-AC1667EBCBE1}">
-              <a14:hiddenEffects xmlns="" xmlns:a14="http://schemas.microsoft.com/office/drawing/2010/main">
+              <a14:hiddenEffects xmlns:a14="http://schemas.microsoft.com/office/drawing/2010/main" xmlns="">
                 <a:effectLst>
                   <a:outerShdw blurRad="63500" dist="38099" dir="2700000" algn="ctr" rotWithShape="0">
                     <a:srgbClr val="000000">
@@ -13571,14 +13571,14 @@
           <a:effectLst/>
           <a:extLst>
             <a:ext uri="{909E8E84-426E-40dd-AFC4-6F175D3DCCD1}">
-              <a14:hiddenFill xmlns="" xmlns:a14="http://schemas.microsoft.com/office/drawing/2010/main">
+              <a14:hiddenFill xmlns:a14="http://schemas.microsoft.com/office/drawing/2010/main" xmlns="">
                 <a:solidFill>
                   <a:srgbClr val="FFFFFF"/>
                 </a:solidFill>
               </a14:hiddenFill>
             </a:ext>
             <a:ext uri="{91240B29-F687-4f45-9708-019B960494DF}">
-              <a14:hiddenLine xmlns="" xmlns:a14="http://schemas.microsoft.com/office/drawing/2010/main" w="9525" cap="flat">
+              <a14:hiddenLine xmlns:a14="http://schemas.microsoft.com/office/drawing/2010/main" xmlns="" w="9525" cap="flat">
                 <a:solidFill>
                   <a:srgbClr val="000000"/>
                 </a:solidFill>
@@ -13588,7 +13588,7 @@
               </a14:hiddenLine>
             </a:ext>
             <a:ext uri="{AF507438-7753-43e0-B8FC-AC1667EBCBE1}">
-              <a14:hiddenEffects xmlns="" xmlns:a14="http://schemas.microsoft.com/office/drawing/2010/main">
+              <a14:hiddenEffects xmlns:a14="http://schemas.microsoft.com/office/drawing/2010/main" xmlns="">
                 <a:effectLst>
                   <a:outerShdw blurRad="63500" dist="38099" dir="2700000" algn="ctr" rotWithShape="0">
                     <a:srgbClr val="000000">
@@ -13638,14 +13638,14 @@
           <a:effectLst/>
           <a:extLst>
             <a:ext uri="{909E8E84-426E-40dd-AFC4-6F175D3DCCD1}">
-              <a14:hiddenFill xmlns="" xmlns:a14="http://schemas.microsoft.com/office/drawing/2010/main">
+              <a14:hiddenFill xmlns:a14="http://schemas.microsoft.com/office/drawing/2010/main" xmlns="">
                 <a:solidFill>
                   <a:srgbClr val="FFFFFF"/>
                 </a:solidFill>
               </a14:hiddenFill>
             </a:ext>
             <a:ext uri="{91240B29-F687-4f45-9708-019B960494DF}">
-              <a14:hiddenLine xmlns="" xmlns:a14="http://schemas.microsoft.com/office/drawing/2010/main" w="9525" cap="flat">
+              <a14:hiddenLine xmlns:a14="http://schemas.microsoft.com/office/drawing/2010/main" xmlns="" w="9525" cap="flat">
                 <a:solidFill>
                   <a:srgbClr val="000000"/>
                 </a:solidFill>
@@ -13655,7 +13655,7 @@
               </a14:hiddenLine>
             </a:ext>
             <a:ext uri="{AF507438-7753-43e0-B8FC-AC1667EBCBE1}">
-              <a14:hiddenEffects xmlns="" xmlns:a14="http://schemas.microsoft.com/office/drawing/2010/main">
+              <a14:hiddenEffects xmlns:a14="http://schemas.microsoft.com/office/drawing/2010/main" xmlns="">
                 <a:effectLst>
                   <a:outerShdw blurRad="63500" dist="38099" dir="2700000" algn="ctr" rotWithShape="0">
                     <a:srgbClr val="000000">
@@ -13875,14 +13875,14 @@
           <a:effectLst/>
           <a:extLst>
             <a:ext uri="{909E8E84-426E-40dd-AFC4-6F175D3DCCD1}">
-              <a14:hiddenFill xmlns="" xmlns:a14="http://schemas.microsoft.com/office/drawing/2010/main">
+              <a14:hiddenFill xmlns:a14="http://schemas.microsoft.com/office/drawing/2010/main" xmlns="">
                 <a:solidFill>
                   <a:srgbClr val="FFFFFF"/>
                 </a:solidFill>
               </a14:hiddenFill>
             </a:ext>
             <a:ext uri="{91240B29-F687-4f45-9708-019B960494DF}">
-              <a14:hiddenLine xmlns="" xmlns:a14="http://schemas.microsoft.com/office/drawing/2010/main" w="9525" cap="flat">
+              <a14:hiddenLine xmlns:a14="http://schemas.microsoft.com/office/drawing/2010/main" xmlns="" w="9525" cap="flat">
                 <a:solidFill>
                   <a:srgbClr val="000000"/>
                 </a:solidFill>
@@ -13892,7 +13892,7 @@
               </a14:hiddenLine>
             </a:ext>
             <a:ext uri="{AF507438-7753-43e0-B8FC-AC1667EBCBE1}">
-              <a14:hiddenEffects xmlns="" xmlns:a14="http://schemas.microsoft.com/office/drawing/2010/main">
+              <a14:hiddenEffects xmlns:a14="http://schemas.microsoft.com/office/drawing/2010/main" xmlns="">
                 <a:effectLst>
                   <a:outerShdw blurRad="63500" dist="38099" dir="2700000" algn="ctr" rotWithShape="0">
                     <a:srgbClr val="000000">
@@ -13942,14 +13942,14 @@
           <a:effectLst/>
           <a:extLst>
             <a:ext uri="{909E8E84-426E-40dd-AFC4-6F175D3DCCD1}">
-              <a14:hiddenFill xmlns="" xmlns:a14="http://schemas.microsoft.com/office/drawing/2010/main">
+              <a14:hiddenFill xmlns:a14="http://schemas.microsoft.com/office/drawing/2010/main" xmlns="">
                 <a:solidFill>
                   <a:srgbClr val="FFFFFF"/>
                 </a:solidFill>
               </a14:hiddenFill>
             </a:ext>
             <a:ext uri="{91240B29-F687-4f45-9708-019B960494DF}">
-              <a14:hiddenLine xmlns="" xmlns:a14="http://schemas.microsoft.com/office/drawing/2010/main" w="9525" cap="flat">
+              <a14:hiddenLine xmlns:a14="http://schemas.microsoft.com/office/drawing/2010/main" xmlns="" w="9525" cap="flat">
                 <a:solidFill>
                   <a:srgbClr val="000000"/>
                 </a:solidFill>
@@ -13959,7 +13959,7 @@
               </a14:hiddenLine>
             </a:ext>
             <a:ext uri="{AF507438-7753-43e0-B8FC-AC1667EBCBE1}">
-              <a14:hiddenEffects xmlns="" xmlns:a14="http://schemas.microsoft.com/office/drawing/2010/main">
+              <a14:hiddenEffects xmlns:a14="http://schemas.microsoft.com/office/drawing/2010/main" xmlns="">
                 <a:effectLst>
                   <a:outerShdw blurRad="63500" dist="38099" dir="2700000" algn="ctr" rotWithShape="0">
                     <a:srgbClr val="000000">
@@ -14179,14 +14179,14 @@
           <a:effectLst/>
           <a:extLst>
             <a:ext uri="{909E8E84-426E-40dd-AFC4-6F175D3DCCD1}">
-              <a14:hiddenFill xmlns="" xmlns:a14="http://schemas.microsoft.com/office/drawing/2010/main">
+              <a14:hiddenFill xmlns:a14="http://schemas.microsoft.com/office/drawing/2010/main" xmlns="">
                 <a:solidFill>
                   <a:srgbClr val="FFFFFF"/>
                 </a:solidFill>
               </a14:hiddenFill>
             </a:ext>
             <a:ext uri="{91240B29-F687-4f45-9708-019B960494DF}">
-              <a14:hiddenLine xmlns="" xmlns:a14="http://schemas.microsoft.com/office/drawing/2010/main" w="9525" cap="flat">
+              <a14:hiddenLine xmlns:a14="http://schemas.microsoft.com/office/drawing/2010/main" xmlns="" w="9525" cap="flat">
                 <a:solidFill>
                   <a:srgbClr val="000000"/>
                 </a:solidFill>
@@ -14196,7 +14196,7 @@
               </a14:hiddenLine>
             </a:ext>
             <a:ext uri="{AF507438-7753-43e0-B8FC-AC1667EBCBE1}">
-              <a14:hiddenEffects xmlns="" xmlns:a14="http://schemas.microsoft.com/office/drawing/2010/main">
+              <a14:hiddenEffects xmlns:a14="http://schemas.microsoft.com/office/drawing/2010/main" xmlns="">
                 <a:effectLst>
                   <a:outerShdw blurRad="63500" dist="38099" dir="2700000" algn="ctr" rotWithShape="0">
                     <a:srgbClr val="000000">
@@ -14416,14 +14416,14 @@
           <a:effectLst/>
           <a:extLst>
             <a:ext uri="{909E8E84-426E-40dd-AFC4-6F175D3DCCD1}">
-              <a14:hiddenFill xmlns="" xmlns:a14="http://schemas.microsoft.com/office/drawing/2010/main">
+              <a14:hiddenFill xmlns:a14="http://schemas.microsoft.com/office/drawing/2010/main" xmlns="">
                 <a:solidFill>
                   <a:srgbClr val="FFFFFF"/>
                 </a:solidFill>
               </a14:hiddenFill>
             </a:ext>
             <a:ext uri="{91240B29-F687-4f45-9708-019B960494DF}">
-              <a14:hiddenLine xmlns="" xmlns:a14="http://schemas.microsoft.com/office/drawing/2010/main" w="9525" cap="flat">
+              <a14:hiddenLine xmlns:a14="http://schemas.microsoft.com/office/drawing/2010/main" xmlns="" w="9525" cap="flat">
                 <a:solidFill>
                   <a:srgbClr val="000000"/>
                 </a:solidFill>
@@ -14433,7 +14433,7 @@
               </a14:hiddenLine>
             </a:ext>
             <a:ext uri="{AF507438-7753-43e0-B8FC-AC1667EBCBE1}">
-              <a14:hiddenEffects xmlns="" xmlns:a14="http://schemas.microsoft.com/office/drawing/2010/main">
+              <a14:hiddenEffects xmlns:a14="http://schemas.microsoft.com/office/drawing/2010/main" xmlns="">
                 <a:effectLst>
                   <a:outerShdw blurRad="63500" dist="38099" dir="2700000" algn="ctr" rotWithShape="0">
                     <a:srgbClr val="000000">
@@ -14653,14 +14653,14 @@
           <a:effectLst/>
           <a:extLst>
             <a:ext uri="{909E8E84-426E-40dd-AFC4-6F175D3DCCD1}">
-              <a14:hiddenFill xmlns="" xmlns:a14="http://schemas.microsoft.com/office/drawing/2010/main">
+              <a14:hiddenFill xmlns:a14="http://schemas.microsoft.com/office/drawing/2010/main" xmlns="">
                 <a:solidFill>
                   <a:srgbClr val="FFFFFF"/>
                 </a:solidFill>
               </a14:hiddenFill>
             </a:ext>
             <a:ext uri="{91240B29-F687-4f45-9708-019B960494DF}">
-              <a14:hiddenLine xmlns="" xmlns:a14="http://schemas.microsoft.com/office/drawing/2010/main" w="9525" cap="flat">
+              <a14:hiddenLine xmlns:a14="http://schemas.microsoft.com/office/drawing/2010/main" xmlns="" w="9525" cap="flat">
                 <a:solidFill>
                   <a:srgbClr val="000000"/>
                 </a:solidFill>
@@ -14670,7 +14670,7 @@
               </a14:hiddenLine>
             </a:ext>
             <a:ext uri="{AF507438-7753-43e0-B8FC-AC1667EBCBE1}">
-              <a14:hiddenEffects xmlns="" xmlns:a14="http://schemas.microsoft.com/office/drawing/2010/main">
+              <a14:hiddenEffects xmlns:a14="http://schemas.microsoft.com/office/drawing/2010/main" xmlns="">
                 <a:effectLst>
                   <a:outerShdw blurRad="63500" dist="38099" dir="2700000" algn="ctr" rotWithShape="0">
                     <a:srgbClr val="000000">
@@ -14890,14 +14890,14 @@
           <a:effectLst/>
           <a:extLst>
             <a:ext uri="{909E8E84-426E-40dd-AFC4-6F175D3DCCD1}">
-              <a14:hiddenFill xmlns="" xmlns:a14="http://schemas.microsoft.com/office/drawing/2010/main">
+              <a14:hiddenFill xmlns:a14="http://schemas.microsoft.com/office/drawing/2010/main" xmlns="">
                 <a:solidFill>
                   <a:srgbClr val="FFFFFF"/>
                 </a:solidFill>
               </a14:hiddenFill>
             </a:ext>
             <a:ext uri="{91240B29-F687-4f45-9708-019B960494DF}">
-              <a14:hiddenLine xmlns="" xmlns:a14="http://schemas.microsoft.com/office/drawing/2010/main" w="9525" cap="flat">
+              <a14:hiddenLine xmlns:a14="http://schemas.microsoft.com/office/drawing/2010/main" xmlns="" w="9525" cap="flat">
                 <a:solidFill>
                   <a:srgbClr val="000000"/>
                 </a:solidFill>
@@ -14907,7 +14907,7 @@
               </a14:hiddenLine>
             </a:ext>
             <a:ext uri="{AF507438-7753-43e0-B8FC-AC1667EBCBE1}">
-              <a14:hiddenEffects xmlns="" xmlns:a14="http://schemas.microsoft.com/office/drawing/2010/main">
+              <a14:hiddenEffects xmlns:a14="http://schemas.microsoft.com/office/drawing/2010/main" xmlns="">
                 <a:effectLst>
                   <a:outerShdw blurRad="63500" dist="38099" dir="2700000" algn="ctr" rotWithShape="0">
                     <a:srgbClr val="000000">
@@ -14957,14 +14957,14 @@
           <a:effectLst/>
           <a:extLst>
             <a:ext uri="{909E8E84-426E-40dd-AFC4-6F175D3DCCD1}">
-              <a14:hiddenFill xmlns="" xmlns:a14="http://schemas.microsoft.com/office/drawing/2010/main">
+              <a14:hiddenFill xmlns:a14="http://schemas.microsoft.com/office/drawing/2010/main" xmlns="">
                 <a:solidFill>
                   <a:srgbClr val="FFFFFF"/>
                 </a:solidFill>
               </a14:hiddenFill>
             </a:ext>
             <a:ext uri="{91240B29-F687-4f45-9708-019B960494DF}">
-              <a14:hiddenLine xmlns="" xmlns:a14="http://schemas.microsoft.com/office/drawing/2010/main" w="9525" cap="flat">
+              <a14:hiddenLine xmlns:a14="http://schemas.microsoft.com/office/drawing/2010/main" xmlns="" w="9525" cap="flat">
                 <a:solidFill>
                   <a:srgbClr val="000000"/>
                 </a:solidFill>
@@ -14974,7 +14974,7 @@
               </a14:hiddenLine>
             </a:ext>
             <a:ext uri="{AF507438-7753-43e0-B8FC-AC1667EBCBE1}">
-              <a14:hiddenEffects xmlns="" xmlns:a14="http://schemas.microsoft.com/office/drawing/2010/main">
+              <a14:hiddenEffects xmlns:a14="http://schemas.microsoft.com/office/drawing/2010/main" xmlns="">
                 <a:effectLst>
                   <a:outerShdw blurRad="63500" dist="38099" dir="2700000" algn="ctr" rotWithShape="0">
                     <a:srgbClr val="000000">
@@ -15024,14 +15024,14 @@
           <a:effectLst/>
           <a:extLst>
             <a:ext uri="{909E8E84-426E-40dd-AFC4-6F175D3DCCD1}">
-              <a14:hiddenFill xmlns="" xmlns:a14="http://schemas.microsoft.com/office/drawing/2010/main">
+              <a14:hiddenFill xmlns:a14="http://schemas.microsoft.com/office/drawing/2010/main" xmlns="">
                 <a:solidFill>
                   <a:srgbClr val="FFFFFF"/>
                 </a:solidFill>
               </a14:hiddenFill>
             </a:ext>
             <a:ext uri="{91240B29-F687-4f45-9708-019B960494DF}">
-              <a14:hiddenLine xmlns="" xmlns:a14="http://schemas.microsoft.com/office/drawing/2010/main" w="9525" cap="flat">
+              <a14:hiddenLine xmlns:a14="http://schemas.microsoft.com/office/drawing/2010/main" xmlns="" w="9525" cap="flat">
                 <a:solidFill>
                   <a:srgbClr val="000000"/>
                 </a:solidFill>
@@ -15041,7 +15041,7 @@
               </a14:hiddenLine>
             </a:ext>
             <a:ext uri="{AF507438-7753-43e0-B8FC-AC1667EBCBE1}">
-              <a14:hiddenEffects xmlns="" xmlns:a14="http://schemas.microsoft.com/office/drawing/2010/main">
+              <a14:hiddenEffects xmlns:a14="http://schemas.microsoft.com/office/drawing/2010/main" xmlns="">
                 <a:effectLst>
                   <a:outerShdw blurRad="63500" dist="38099" dir="2700000" algn="ctr" rotWithShape="0">
                     <a:srgbClr val="000000">
@@ -15091,14 +15091,14 @@
           <a:effectLst/>
           <a:extLst>
             <a:ext uri="{909E8E84-426E-40dd-AFC4-6F175D3DCCD1}">
-              <a14:hiddenFill xmlns="" xmlns:a14="http://schemas.microsoft.com/office/drawing/2010/main">
+              <a14:hiddenFill xmlns:a14="http://schemas.microsoft.com/office/drawing/2010/main" xmlns="">
                 <a:solidFill>
                   <a:srgbClr val="FFFFFF"/>
                 </a:solidFill>
               </a14:hiddenFill>
             </a:ext>
             <a:ext uri="{91240B29-F687-4f45-9708-019B960494DF}">
-              <a14:hiddenLine xmlns="" xmlns:a14="http://schemas.microsoft.com/office/drawing/2010/main" w="9525" cap="flat">
+              <a14:hiddenLine xmlns:a14="http://schemas.microsoft.com/office/drawing/2010/main" xmlns="" w="9525" cap="flat">
                 <a:solidFill>
                   <a:srgbClr val="000000"/>
                 </a:solidFill>
@@ -15108,7 +15108,7 @@
               </a14:hiddenLine>
             </a:ext>
             <a:ext uri="{AF507438-7753-43e0-B8FC-AC1667EBCBE1}">
-              <a14:hiddenEffects xmlns="" xmlns:a14="http://schemas.microsoft.com/office/drawing/2010/main">
+              <a14:hiddenEffects xmlns:a14="http://schemas.microsoft.com/office/drawing/2010/main" xmlns="">
                 <a:effectLst>
                   <a:outerShdw blurRad="63500" dist="38099" dir="2700000" algn="ctr" rotWithShape="0">
                     <a:srgbClr val="000000">
@@ -15158,14 +15158,14 @@
           <a:effectLst/>
           <a:extLst>
             <a:ext uri="{909E8E84-426E-40dd-AFC4-6F175D3DCCD1}">
-              <a14:hiddenFill xmlns="" xmlns:a14="http://schemas.microsoft.com/office/drawing/2010/main">
+              <a14:hiddenFill xmlns:a14="http://schemas.microsoft.com/office/drawing/2010/main" xmlns="">
                 <a:solidFill>
                   <a:srgbClr val="FFFFFF"/>
                 </a:solidFill>
               </a14:hiddenFill>
             </a:ext>
             <a:ext uri="{91240B29-F687-4f45-9708-019B960494DF}">
-              <a14:hiddenLine xmlns="" xmlns:a14="http://schemas.microsoft.com/office/drawing/2010/main" w="9525" cap="flat">
+              <a14:hiddenLine xmlns:a14="http://schemas.microsoft.com/office/drawing/2010/main" xmlns="" w="9525" cap="flat">
                 <a:solidFill>
                   <a:srgbClr val="000000"/>
                 </a:solidFill>
@@ -15175,7 +15175,7 @@
               </a14:hiddenLine>
             </a:ext>
             <a:ext uri="{AF507438-7753-43e0-B8FC-AC1667EBCBE1}">
-              <a14:hiddenEffects xmlns="" xmlns:a14="http://schemas.microsoft.com/office/drawing/2010/main">
+              <a14:hiddenEffects xmlns:a14="http://schemas.microsoft.com/office/drawing/2010/main" xmlns="">
                 <a:effectLst>
                   <a:outerShdw blurRad="63500" dist="38099" dir="2700000" algn="ctr" rotWithShape="0">
                     <a:srgbClr val="000000">
@@ -15225,14 +15225,14 @@
           <a:effectLst/>
           <a:extLst>
             <a:ext uri="{909E8E84-426E-40dd-AFC4-6F175D3DCCD1}">
-              <a14:hiddenFill xmlns="" xmlns:a14="http://schemas.microsoft.com/office/drawing/2010/main">
+              <a14:hiddenFill xmlns:a14="http://schemas.microsoft.com/office/drawing/2010/main" xmlns="">
                 <a:solidFill>
                   <a:srgbClr val="FFFFFF"/>
                 </a:solidFill>
               </a14:hiddenFill>
             </a:ext>
             <a:ext uri="{91240B29-F687-4f45-9708-019B960494DF}">
-              <a14:hiddenLine xmlns="" xmlns:a14="http://schemas.microsoft.com/office/drawing/2010/main" w="9525" cap="flat">
+              <a14:hiddenLine xmlns:a14="http://schemas.microsoft.com/office/drawing/2010/main" xmlns="" w="9525" cap="flat">
                 <a:solidFill>
                   <a:srgbClr val="000000"/>
                 </a:solidFill>
@@ -15242,7 +15242,7 @@
               </a14:hiddenLine>
             </a:ext>
             <a:ext uri="{AF507438-7753-43e0-B8FC-AC1667EBCBE1}">
-              <a14:hiddenEffects xmlns="" xmlns:a14="http://schemas.microsoft.com/office/drawing/2010/main">
+              <a14:hiddenEffects xmlns:a14="http://schemas.microsoft.com/office/drawing/2010/main" xmlns="">
                 <a:effectLst>
                   <a:outerShdw blurRad="63500" dist="38099" dir="2700000" algn="ctr" rotWithShape="0">
                     <a:srgbClr val="000000">
@@ -15292,14 +15292,14 @@
           <a:effectLst/>
           <a:extLst>
             <a:ext uri="{909E8E84-426E-40dd-AFC4-6F175D3DCCD1}">
-              <a14:hiddenFill xmlns="" xmlns:a14="http://schemas.microsoft.com/office/drawing/2010/main">
+              <a14:hiddenFill xmlns:a14="http://schemas.microsoft.com/office/drawing/2010/main" xmlns="">
                 <a:solidFill>
                   <a:srgbClr val="FFFFFF"/>
                 </a:solidFill>
               </a14:hiddenFill>
             </a:ext>
             <a:ext uri="{91240B29-F687-4f45-9708-019B960494DF}">
-              <a14:hiddenLine xmlns="" xmlns:a14="http://schemas.microsoft.com/office/drawing/2010/main" w="9525" cap="flat">
+              <a14:hiddenLine xmlns:a14="http://schemas.microsoft.com/office/drawing/2010/main" xmlns="" w="9525" cap="flat">
                 <a:solidFill>
                   <a:srgbClr val="000000"/>
                 </a:solidFill>
@@ -15309,7 +15309,7 @@
               </a14:hiddenLine>
             </a:ext>
             <a:ext uri="{AF507438-7753-43e0-B8FC-AC1667EBCBE1}">
-              <a14:hiddenEffects xmlns="" xmlns:a14="http://schemas.microsoft.com/office/drawing/2010/main">
+              <a14:hiddenEffects xmlns:a14="http://schemas.microsoft.com/office/drawing/2010/main" xmlns="">
                 <a:effectLst>
                   <a:outerShdw blurRad="63500" dist="38099" dir="2700000" algn="ctr" rotWithShape="0">
                     <a:srgbClr val="000000">
@@ -15359,14 +15359,14 @@
           <a:effectLst/>
           <a:extLst>
             <a:ext uri="{909E8E84-426E-40dd-AFC4-6F175D3DCCD1}">
-              <a14:hiddenFill xmlns="" xmlns:a14="http://schemas.microsoft.com/office/drawing/2010/main">
+              <a14:hiddenFill xmlns:a14="http://schemas.microsoft.com/office/drawing/2010/main" xmlns="">
                 <a:solidFill>
                   <a:srgbClr val="FFFFFF"/>
                 </a:solidFill>
               </a14:hiddenFill>
             </a:ext>
             <a:ext uri="{91240B29-F687-4f45-9708-019B960494DF}">
-              <a14:hiddenLine xmlns="" xmlns:a14="http://schemas.microsoft.com/office/drawing/2010/main" w="9525" cap="flat">
+              <a14:hiddenLine xmlns:a14="http://schemas.microsoft.com/office/drawing/2010/main" xmlns="" w="9525" cap="flat">
                 <a:solidFill>
                   <a:srgbClr val="000000"/>
                 </a:solidFill>
@@ -15376,7 +15376,7 @@
               </a14:hiddenLine>
             </a:ext>
             <a:ext uri="{AF507438-7753-43e0-B8FC-AC1667EBCBE1}">
-              <a14:hiddenEffects xmlns="" xmlns:a14="http://schemas.microsoft.com/office/drawing/2010/main">
+              <a14:hiddenEffects xmlns:a14="http://schemas.microsoft.com/office/drawing/2010/main" xmlns="">
                 <a:effectLst>
                   <a:outerShdw blurRad="63500" dist="38099" dir="2700000" algn="ctr" rotWithShape="0">
                     <a:srgbClr val="000000">
@@ -15426,14 +15426,14 @@
           <a:effectLst/>
           <a:extLst>
             <a:ext uri="{909E8E84-426E-40dd-AFC4-6F175D3DCCD1}">
-              <a14:hiddenFill xmlns="" xmlns:a14="http://schemas.microsoft.com/office/drawing/2010/main">
+              <a14:hiddenFill xmlns:a14="http://schemas.microsoft.com/office/drawing/2010/main" xmlns="">
                 <a:solidFill>
                   <a:srgbClr val="FFFFFF"/>
                 </a:solidFill>
               </a14:hiddenFill>
             </a:ext>
             <a:ext uri="{91240B29-F687-4f45-9708-019B960494DF}">
-              <a14:hiddenLine xmlns="" xmlns:a14="http://schemas.microsoft.com/office/drawing/2010/main" w="9525" cap="flat">
+              <a14:hiddenLine xmlns:a14="http://schemas.microsoft.com/office/drawing/2010/main" xmlns="" w="9525" cap="flat">
                 <a:solidFill>
                   <a:srgbClr val="000000"/>
                 </a:solidFill>
@@ -15443,7 +15443,7 @@
               </a14:hiddenLine>
             </a:ext>
             <a:ext uri="{AF507438-7753-43e0-B8FC-AC1667EBCBE1}">
-              <a14:hiddenEffects xmlns="" xmlns:a14="http://schemas.microsoft.com/office/drawing/2010/main">
+              <a14:hiddenEffects xmlns:a14="http://schemas.microsoft.com/office/drawing/2010/main" xmlns="">
                 <a:effectLst>
                   <a:outerShdw blurRad="63500" dist="38099" dir="2700000" algn="ctr" rotWithShape="0">
                     <a:srgbClr val="000000">
@@ -15500,7 +15500,7 @@
           <a:effectLst/>
           <a:extLst>
             <a:ext uri="{AF507438-7753-43e0-B8FC-AC1667EBCBE1}">
-              <a14:hiddenEffects xmlns="" xmlns:a14="http://schemas.microsoft.com/office/drawing/2010/main">
+              <a14:hiddenEffects xmlns:a14="http://schemas.microsoft.com/office/drawing/2010/main" xmlns="">
                 <a:effectLst>
                   <a:outerShdw blurRad="63500" dist="38099" dir="2700000" algn="ctr" rotWithShape="0">
                     <a:srgbClr val="000000">
@@ -15543,14 +15543,14 @@
           <a:effectLst/>
           <a:extLst>
             <a:ext uri="{909E8E84-426E-40dd-AFC4-6F175D3DCCD1}">
-              <a14:hiddenFill xmlns="" xmlns:a14="http://schemas.microsoft.com/office/drawing/2010/main">
+              <a14:hiddenFill xmlns:a14="http://schemas.microsoft.com/office/drawing/2010/main" xmlns="">
                 <a:solidFill>
                   <a:srgbClr val="FFFFFF"/>
                 </a:solidFill>
               </a14:hiddenFill>
             </a:ext>
             <a:ext uri="{91240B29-F687-4f45-9708-019B960494DF}">
-              <a14:hiddenLine xmlns="" xmlns:a14="http://schemas.microsoft.com/office/drawing/2010/main" w="9525" cap="flat">
+              <a14:hiddenLine xmlns:a14="http://schemas.microsoft.com/office/drawing/2010/main" xmlns="" w="9525" cap="flat">
                 <a:solidFill>
                   <a:srgbClr val="000000"/>
                 </a:solidFill>
@@ -15560,7 +15560,7 @@
               </a14:hiddenLine>
             </a:ext>
             <a:ext uri="{AF507438-7753-43e0-B8FC-AC1667EBCBE1}">
-              <a14:hiddenEffects xmlns="" xmlns:a14="http://schemas.microsoft.com/office/drawing/2010/main">
+              <a14:hiddenEffects xmlns:a14="http://schemas.microsoft.com/office/drawing/2010/main" xmlns="">
                 <a:effectLst>
                   <a:outerShdw blurRad="63500" dist="38099" dir="2700000" algn="ctr" rotWithShape="0">
                     <a:srgbClr val="000000">
@@ -15617,7 +15617,7 @@
           <a:effectLst/>
           <a:extLst>
             <a:ext uri="{AF507438-7753-43e0-B8FC-AC1667EBCBE1}">
-              <a14:hiddenEffects xmlns="" xmlns:a14="http://schemas.microsoft.com/office/drawing/2010/main">
+              <a14:hiddenEffects xmlns:a14="http://schemas.microsoft.com/office/drawing/2010/main" xmlns="">
                 <a:effectLst>
                   <a:outerShdw blurRad="63500" dist="38099" dir="2700000" algn="ctr" rotWithShape="0">
                     <a:srgbClr val="000000">
@@ -15660,14 +15660,14 @@
           <a:effectLst/>
           <a:extLst>
             <a:ext uri="{909E8E84-426E-40dd-AFC4-6F175D3DCCD1}">
-              <a14:hiddenFill xmlns="" xmlns:a14="http://schemas.microsoft.com/office/drawing/2010/main">
+              <a14:hiddenFill xmlns:a14="http://schemas.microsoft.com/office/drawing/2010/main" xmlns="">
                 <a:solidFill>
                   <a:srgbClr val="FFFFFF"/>
                 </a:solidFill>
               </a14:hiddenFill>
             </a:ext>
             <a:ext uri="{91240B29-F687-4f45-9708-019B960494DF}">
-              <a14:hiddenLine xmlns="" xmlns:a14="http://schemas.microsoft.com/office/drawing/2010/main" w="9525" cap="flat">
+              <a14:hiddenLine xmlns:a14="http://schemas.microsoft.com/office/drawing/2010/main" xmlns="" w="9525" cap="flat">
                 <a:solidFill>
                   <a:srgbClr val="000000"/>
                 </a:solidFill>
@@ -15677,7 +15677,7 @@
               </a14:hiddenLine>
             </a:ext>
             <a:ext uri="{AF507438-7753-43e0-B8FC-AC1667EBCBE1}">
-              <a14:hiddenEffects xmlns="" xmlns:a14="http://schemas.microsoft.com/office/drawing/2010/main">
+              <a14:hiddenEffects xmlns:a14="http://schemas.microsoft.com/office/drawing/2010/main" xmlns="">
                 <a:effectLst>
                   <a:outerShdw blurRad="63500" dist="38099" dir="2700000" algn="ctr" rotWithShape="0">
                     <a:srgbClr val="000000">
@@ -15727,14 +15727,14 @@
           <a:effectLst/>
           <a:extLst>
             <a:ext uri="{909E8E84-426E-40dd-AFC4-6F175D3DCCD1}">
-              <a14:hiddenFill xmlns="" xmlns:a14="http://schemas.microsoft.com/office/drawing/2010/main">
+              <a14:hiddenFill xmlns:a14="http://schemas.microsoft.com/office/drawing/2010/main" xmlns="">
                 <a:solidFill>
                   <a:srgbClr val="FFFFFF"/>
                 </a:solidFill>
               </a14:hiddenFill>
             </a:ext>
             <a:ext uri="{91240B29-F687-4f45-9708-019B960494DF}">
-              <a14:hiddenLine xmlns="" xmlns:a14="http://schemas.microsoft.com/office/drawing/2010/main" w="9525" cap="flat">
+              <a14:hiddenLine xmlns:a14="http://schemas.microsoft.com/office/drawing/2010/main" xmlns="" w="9525" cap="flat">
                 <a:solidFill>
                   <a:srgbClr val="000000"/>
                 </a:solidFill>
@@ -15744,7 +15744,7 @@
               </a14:hiddenLine>
             </a:ext>
             <a:ext uri="{AF507438-7753-43e0-B8FC-AC1667EBCBE1}">
-              <a14:hiddenEffects xmlns="" xmlns:a14="http://schemas.microsoft.com/office/drawing/2010/main">
+              <a14:hiddenEffects xmlns:a14="http://schemas.microsoft.com/office/drawing/2010/main" xmlns="">
                 <a:effectLst>
                   <a:outerShdw blurRad="63500" dist="38099" dir="2700000" algn="ctr" rotWithShape="0">
                     <a:srgbClr val="000000">
@@ -15964,14 +15964,14 @@
           <a:effectLst/>
           <a:extLst>
             <a:ext uri="{909E8E84-426E-40dd-AFC4-6F175D3DCCD1}">
-              <a14:hiddenFill xmlns="" xmlns:a14="http://schemas.microsoft.com/office/drawing/2010/main">
+              <a14:hiddenFill xmlns:a14="http://schemas.microsoft.com/office/drawing/2010/main" xmlns="">
                 <a:solidFill>
                   <a:srgbClr val="FFFFFF"/>
                 </a:solidFill>
               </a14:hiddenFill>
             </a:ext>
             <a:ext uri="{91240B29-F687-4f45-9708-019B960494DF}">
-              <a14:hiddenLine xmlns="" xmlns:a14="http://schemas.microsoft.com/office/drawing/2010/main" w="9525" cap="flat">
+              <a14:hiddenLine xmlns:a14="http://schemas.microsoft.com/office/drawing/2010/main" xmlns="" w="9525" cap="flat">
                 <a:solidFill>
                   <a:srgbClr val="000000"/>
                 </a:solidFill>
@@ -15981,7 +15981,7 @@
               </a14:hiddenLine>
             </a:ext>
             <a:ext uri="{AF507438-7753-43e0-B8FC-AC1667EBCBE1}">
-              <a14:hiddenEffects xmlns="" xmlns:a14="http://schemas.microsoft.com/office/drawing/2010/main">
+              <a14:hiddenEffects xmlns:a14="http://schemas.microsoft.com/office/drawing/2010/main" xmlns="">
                 <a:effectLst>
                   <a:outerShdw blurRad="63500" dist="38099" dir="2700000" algn="ctr" rotWithShape="0">
                     <a:srgbClr val="000000">
@@ -16031,14 +16031,14 @@
           <a:effectLst/>
           <a:extLst>
             <a:ext uri="{909E8E84-426E-40dd-AFC4-6F175D3DCCD1}">
-              <a14:hiddenFill xmlns="" xmlns:a14="http://schemas.microsoft.com/office/drawing/2010/main">
+              <a14:hiddenFill xmlns:a14="http://schemas.microsoft.com/office/drawing/2010/main" xmlns="">
                 <a:solidFill>
                   <a:srgbClr val="FFFFFF"/>
                 </a:solidFill>
               </a14:hiddenFill>
             </a:ext>
             <a:ext uri="{91240B29-F687-4f45-9708-019B960494DF}">
-              <a14:hiddenLine xmlns="" xmlns:a14="http://schemas.microsoft.com/office/drawing/2010/main" w="9525" cap="flat">
+              <a14:hiddenLine xmlns:a14="http://schemas.microsoft.com/office/drawing/2010/main" xmlns="" w="9525" cap="flat">
                 <a:solidFill>
                   <a:srgbClr val="000000"/>
                 </a:solidFill>
@@ -16048,7 +16048,7 @@
               </a14:hiddenLine>
             </a:ext>
             <a:ext uri="{AF507438-7753-43e0-B8FC-AC1667EBCBE1}">
-              <a14:hiddenEffects xmlns="" xmlns:a14="http://schemas.microsoft.com/office/drawing/2010/main">
+              <a14:hiddenEffects xmlns:a14="http://schemas.microsoft.com/office/drawing/2010/main" xmlns="">
                 <a:effectLst>
                   <a:outerShdw blurRad="63500" dist="38099" dir="2700000" algn="ctr" rotWithShape="0">
                     <a:srgbClr val="000000">
@@ -16098,14 +16098,14 @@
           <a:effectLst/>
           <a:extLst>
             <a:ext uri="{909E8E84-426E-40dd-AFC4-6F175D3DCCD1}">
-              <a14:hiddenFill xmlns="" xmlns:a14="http://schemas.microsoft.com/office/drawing/2010/main">
+              <a14:hiddenFill xmlns:a14="http://schemas.microsoft.com/office/drawing/2010/main" xmlns="">
                 <a:solidFill>
                   <a:srgbClr val="FFFFFF"/>
                 </a:solidFill>
               </a14:hiddenFill>
             </a:ext>
             <a:ext uri="{91240B29-F687-4f45-9708-019B960494DF}">
-              <a14:hiddenLine xmlns="" xmlns:a14="http://schemas.microsoft.com/office/drawing/2010/main" w="9525" cap="flat">
+              <a14:hiddenLine xmlns:a14="http://schemas.microsoft.com/office/drawing/2010/main" xmlns="" w="9525" cap="flat">
                 <a:solidFill>
                   <a:srgbClr val="000000"/>
                 </a:solidFill>
@@ -16115,7 +16115,7 @@
               </a14:hiddenLine>
             </a:ext>
             <a:ext uri="{AF507438-7753-43e0-B8FC-AC1667EBCBE1}">
-              <a14:hiddenEffects xmlns="" xmlns:a14="http://schemas.microsoft.com/office/drawing/2010/main">
+              <a14:hiddenEffects xmlns:a14="http://schemas.microsoft.com/office/drawing/2010/main" xmlns="">
                 <a:effectLst>
                   <a:outerShdw blurRad="63500" dist="38099" dir="2700000" algn="ctr" rotWithShape="0">
                     <a:srgbClr val="000000">
@@ -16335,14 +16335,14 @@
           <a:effectLst/>
           <a:extLst>
             <a:ext uri="{909E8E84-426E-40dd-AFC4-6F175D3DCCD1}">
-              <a14:hiddenFill xmlns="" xmlns:a14="http://schemas.microsoft.com/office/drawing/2010/main">
+              <a14:hiddenFill xmlns:a14="http://schemas.microsoft.com/office/drawing/2010/main" xmlns="">
                 <a:solidFill>
                   <a:srgbClr val="FFFFFF"/>
                 </a:solidFill>
               </a14:hiddenFill>
             </a:ext>
             <a:ext uri="{91240B29-F687-4f45-9708-019B960494DF}">
-              <a14:hiddenLine xmlns="" xmlns:a14="http://schemas.microsoft.com/office/drawing/2010/main" w="9525" cap="flat">
+              <a14:hiddenLine xmlns:a14="http://schemas.microsoft.com/office/drawing/2010/main" xmlns="" w="9525" cap="flat">
                 <a:solidFill>
                   <a:srgbClr val="000000"/>
                 </a:solidFill>
@@ -16352,7 +16352,7 @@
               </a14:hiddenLine>
             </a:ext>
             <a:ext uri="{AF507438-7753-43e0-B8FC-AC1667EBCBE1}">
-              <a14:hiddenEffects xmlns="" xmlns:a14="http://schemas.microsoft.com/office/drawing/2010/main">
+              <a14:hiddenEffects xmlns:a14="http://schemas.microsoft.com/office/drawing/2010/main" xmlns="">
                 <a:effectLst>
                   <a:outerShdw blurRad="63500" dist="38099" dir="2700000" algn="ctr" rotWithShape="0">
                     <a:srgbClr val="000000">
@@ -16572,14 +16572,14 @@
           <a:effectLst/>
           <a:extLst>
             <a:ext uri="{909E8E84-426E-40dd-AFC4-6F175D3DCCD1}">
-              <a14:hiddenFill xmlns="" xmlns:a14="http://schemas.microsoft.com/office/drawing/2010/main">
+              <a14:hiddenFill xmlns:a14="http://schemas.microsoft.com/office/drawing/2010/main" xmlns="">
                 <a:solidFill>
                   <a:srgbClr val="FFFFFF"/>
                 </a:solidFill>
               </a14:hiddenFill>
             </a:ext>
             <a:ext uri="{91240B29-F687-4f45-9708-019B960494DF}">
-              <a14:hiddenLine xmlns="" xmlns:a14="http://schemas.microsoft.com/office/drawing/2010/main" w="9525" cap="flat">
+              <a14:hiddenLine xmlns:a14="http://schemas.microsoft.com/office/drawing/2010/main" xmlns="" w="9525" cap="flat">
                 <a:solidFill>
                   <a:srgbClr val="000000"/>
                 </a:solidFill>
@@ -16589,7 +16589,7 @@
               </a14:hiddenLine>
             </a:ext>
             <a:ext uri="{AF507438-7753-43e0-B8FC-AC1667EBCBE1}">
-              <a14:hiddenEffects xmlns="" xmlns:a14="http://schemas.microsoft.com/office/drawing/2010/main">
+              <a14:hiddenEffects xmlns:a14="http://schemas.microsoft.com/office/drawing/2010/main" xmlns="">
                 <a:effectLst>
                   <a:outerShdw blurRad="63500" dist="38099" dir="2700000" algn="ctr" rotWithShape="0">
                     <a:srgbClr val="000000">
@@ -16809,14 +16809,14 @@
           <a:effectLst/>
           <a:extLst>
             <a:ext uri="{909E8E84-426E-40dd-AFC4-6F175D3DCCD1}">
-              <a14:hiddenFill xmlns="" xmlns:a14="http://schemas.microsoft.com/office/drawing/2010/main">
+              <a14:hiddenFill xmlns:a14="http://schemas.microsoft.com/office/drawing/2010/main" xmlns="">
                 <a:solidFill>
                   <a:srgbClr val="FFFFFF"/>
                 </a:solidFill>
               </a14:hiddenFill>
             </a:ext>
             <a:ext uri="{91240B29-F687-4f45-9708-019B960494DF}">
-              <a14:hiddenLine xmlns="" xmlns:a14="http://schemas.microsoft.com/office/drawing/2010/main" w="9525" cap="flat">
+              <a14:hiddenLine xmlns:a14="http://schemas.microsoft.com/office/drawing/2010/main" xmlns="" w="9525" cap="flat">
                 <a:solidFill>
                   <a:srgbClr val="000000"/>
                 </a:solidFill>
@@ -16826,7 +16826,7 @@
               </a14:hiddenLine>
             </a:ext>
             <a:ext uri="{AF507438-7753-43e0-B8FC-AC1667EBCBE1}">
-              <a14:hiddenEffects xmlns="" xmlns:a14="http://schemas.microsoft.com/office/drawing/2010/main">
+              <a14:hiddenEffects xmlns:a14="http://schemas.microsoft.com/office/drawing/2010/main" xmlns="">
                 <a:effectLst>
                   <a:outerShdw blurRad="63500" dist="38099" dir="2700000" algn="ctr" rotWithShape="0">
                     <a:srgbClr val="000000">
@@ -17046,14 +17046,14 @@
           <a:effectLst/>
           <a:extLst>
             <a:ext uri="{909E8E84-426E-40dd-AFC4-6F175D3DCCD1}">
-              <a14:hiddenFill xmlns="" xmlns:a14="http://schemas.microsoft.com/office/drawing/2010/main">
+              <a14:hiddenFill xmlns:a14="http://schemas.microsoft.com/office/drawing/2010/main" xmlns="">
                 <a:solidFill>
                   <a:srgbClr val="FFFFFF"/>
                 </a:solidFill>
               </a14:hiddenFill>
             </a:ext>
             <a:ext uri="{91240B29-F687-4f45-9708-019B960494DF}">
-              <a14:hiddenLine xmlns="" xmlns:a14="http://schemas.microsoft.com/office/drawing/2010/main" w="9525" cap="flat">
+              <a14:hiddenLine xmlns:a14="http://schemas.microsoft.com/office/drawing/2010/main" xmlns="" w="9525" cap="flat">
                 <a:solidFill>
                   <a:srgbClr val="000000"/>
                 </a:solidFill>
@@ -17063,7 +17063,7 @@
               </a14:hiddenLine>
             </a:ext>
             <a:ext uri="{AF507438-7753-43e0-B8FC-AC1667EBCBE1}">
-              <a14:hiddenEffects xmlns="" xmlns:a14="http://schemas.microsoft.com/office/drawing/2010/main">
+              <a14:hiddenEffects xmlns:a14="http://schemas.microsoft.com/office/drawing/2010/main" xmlns="">
                 <a:effectLst>
                   <a:outerShdw blurRad="63500" dist="38099" dir="2700000" algn="ctr" rotWithShape="0">
                     <a:srgbClr val="000000">
@@ -17290,7 +17290,7 @@
           <a:effectLst/>
           <a:extLst>
             <a:ext uri="{AF507438-7753-43e0-B8FC-AC1667EBCBE1}">
-              <a14:hiddenEffects xmlns="" xmlns:a14="http://schemas.microsoft.com/office/drawing/2010/main">
+              <a14:hiddenEffects xmlns:a14="http://schemas.microsoft.com/office/drawing/2010/main" xmlns="">
                 <a:effectLst>
                   <a:outerShdw blurRad="63500" dist="38099" dir="2700000" algn="ctr" rotWithShape="0">
                     <a:srgbClr val="000000">
@@ -17333,14 +17333,14 @@
           <a:effectLst/>
           <a:extLst>
             <a:ext uri="{909E8E84-426E-40dd-AFC4-6F175D3DCCD1}">
-              <a14:hiddenFill xmlns="" xmlns:a14="http://schemas.microsoft.com/office/drawing/2010/main">
+              <a14:hiddenFill xmlns:a14="http://schemas.microsoft.com/office/drawing/2010/main" xmlns="">
                 <a:solidFill>
                   <a:srgbClr val="FFFFFF"/>
                 </a:solidFill>
               </a14:hiddenFill>
             </a:ext>
             <a:ext uri="{91240B29-F687-4f45-9708-019B960494DF}">
-              <a14:hiddenLine xmlns="" xmlns:a14="http://schemas.microsoft.com/office/drawing/2010/main" w="9525" cap="flat">
+              <a14:hiddenLine xmlns:a14="http://schemas.microsoft.com/office/drawing/2010/main" xmlns="" w="9525" cap="flat">
                 <a:solidFill>
                   <a:srgbClr val="000000"/>
                 </a:solidFill>
@@ -17350,7 +17350,7 @@
               </a14:hiddenLine>
             </a:ext>
             <a:ext uri="{AF507438-7753-43e0-B8FC-AC1667EBCBE1}">
-              <a14:hiddenEffects xmlns="" xmlns:a14="http://schemas.microsoft.com/office/drawing/2010/main">
+              <a14:hiddenEffects xmlns:a14="http://schemas.microsoft.com/office/drawing/2010/main" xmlns="">
                 <a:effectLst>
                   <a:outerShdw blurRad="63500" dist="38099" dir="2700000" algn="ctr" rotWithShape="0">
                     <a:srgbClr val="000000">
@@ -17405,12 +17405,12 @@
           <a:effectLst/>
           <a:extLst>
             <a:ext uri="{909E8E84-426E-40dd-AFC4-6F175D3DCCD1}">
-              <a14:hiddenFill xmlns="" xmlns:a14="http://schemas.microsoft.com/office/drawing/2010/main">
+              <a14:hiddenFill xmlns:a14="http://schemas.microsoft.com/office/drawing/2010/main" xmlns="">
                 <a:noFill/>
               </a14:hiddenFill>
             </a:ext>
             <a:ext uri="{AF507438-7753-43e0-B8FC-AC1667EBCBE1}">
-              <a14:hiddenEffects xmlns="" xmlns:a14="http://schemas.microsoft.com/office/drawing/2010/main">
+              <a14:hiddenEffects xmlns:a14="http://schemas.microsoft.com/office/drawing/2010/main" xmlns="">
                 <a:effectLst>
                   <a:outerShdw blurRad="63500" dist="38099" dir="2700000" algn="ctr" rotWithShape="0">
                     <a:srgbClr val="000000">
@@ -17458,12 +17458,12 @@
           <a:effectLst/>
           <a:extLst>
             <a:ext uri="{909E8E84-426E-40dd-AFC4-6F175D3DCCD1}">
-              <a14:hiddenFill xmlns="" xmlns:a14="http://schemas.microsoft.com/office/drawing/2010/main">
+              <a14:hiddenFill xmlns:a14="http://schemas.microsoft.com/office/drawing/2010/main" xmlns="">
                 <a:noFill/>
               </a14:hiddenFill>
             </a:ext>
             <a:ext uri="{AF507438-7753-43e0-B8FC-AC1667EBCBE1}">
-              <a14:hiddenEffects xmlns="" xmlns:a14="http://schemas.microsoft.com/office/drawing/2010/main">
+              <a14:hiddenEffects xmlns:a14="http://schemas.microsoft.com/office/drawing/2010/main" xmlns="">
                 <a:effectLst>
                   <a:outerShdw blurRad="63500" dist="38099" dir="2700000" algn="ctr" rotWithShape="0">
                     <a:srgbClr val="000000">
@@ -17516,7 +17516,7 @@
           <a:effectLst/>
           <a:extLst>
             <a:ext uri="{AF507438-7753-43e0-B8FC-AC1667EBCBE1}">
-              <a14:hiddenEffects xmlns="" xmlns:a14="http://schemas.microsoft.com/office/drawing/2010/main">
+              <a14:hiddenEffects xmlns:a14="http://schemas.microsoft.com/office/drawing/2010/main" xmlns="">
                 <a:effectLst>
                   <a:outerShdw blurRad="63500" dist="38099" dir="2700000" algn="ctr" rotWithShape="0">
                     <a:srgbClr val="000000">
@@ -17559,14 +17559,14 @@
           <a:effectLst/>
           <a:extLst>
             <a:ext uri="{909E8E84-426E-40dd-AFC4-6F175D3DCCD1}">
-              <a14:hiddenFill xmlns="" xmlns:a14="http://schemas.microsoft.com/office/drawing/2010/main">
+              <a14:hiddenFill xmlns:a14="http://schemas.microsoft.com/office/drawing/2010/main" xmlns="">
                 <a:solidFill>
                   <a:srgbClr val="FFFFFF"/>
                 </a:solidFill>
               </a14:hiddenFill>
             </a:ext>
             <a:ext uri="{91240B29-F687-4f45-9708-019B960494DF}">
-              <a14:hiddenLine xmlns="" xmlns:a14="http://schemas.microsoft.com/office/drawing/2010/main" w="9525" cap="flat">
+              <a14:hiddenLine xmlns:a14="http://schemas.microsoft.com/office/drawing/2010/main" xmlns="" w="9525" cap="flat">
                 <a:solidFill>
                   <a:srgbClr val="000000"/>
                 </a:solidFill>
@@ -17576,7 +17576,7 @@
               </a14:hiddenLine>
             </a:ext>
             <a:ext uri="{AF507438-7753-43e0-B8FC-AC1667EBCBE1}">
-              <a14:hiddenEffects xmlns="" xmlns:a14="http://schemas.microsoft.com/office/drawing/2010/main">
+              <a14:hiddenEffects xmlns:a14="http://schemas.microsoft.com/office/drawing/2010/main" xmlns="">
                 <a:effectLst>
                   <a:outerShdw blurRad="63500" dist="38099" dir="2700000" algn="ctr" rotWithShape="0">
                     <a:srgbClr val="000000">
@@ -17833,7 +17833,7 @@
           <a:effectLst/>
           <a:extLst>
             <a:ext uri="{AF507438-7753-43e0-B8FC-AC1667EBCBE1}">
-              <a14:hiddenEffects xmlns="" xmlns:a14="http://schemas.microsoft.com/office/drawing/2010/main">
+              <a14:hiddenEffects xmlns:a14="http://schemas.microsoft.com/office/drawing/2010/main" xmlns="">
                 <a:effectLst>
                   <a:outerShdw blurRad="63500" dist="38099" dir="2700000" algn="ctr" rotWithShape="0">
                     <a:srgbClr val="000000">
@@ -17876,14 +17876,14 @@
           <a:effectLst/>
           <a:extLst>
             <a:ext uri="{909E8E84-426E-40dd-AFC4-6F175D3DCCD1}">
-              <a14:hiddenFill xmlns="" xmlns:a14="http://schemas.microsoft.com/office/drawing/2010/main">
+              <a14:hiddenFill xmlns:a14="http://schemas.microsoft.com/office/drawing/2010/main" xmlns="">
                 <a:solidFill>
                   <a:srgbClr val="FFFFFF"/>
                 </a:solidFill>
               </a14:hiddenFill>
             </a:ext>
             <a:ext uri="{91240B29-F687-4f45-9708-019B960494DF}">
-              <a14:hiddenLine xmlns="" xmlns:a14="http://schemas.microsoft.com/office/drawing/2010/main" w="9525" cap="flat">
+              <a14:hiddenLine xmlns:a14="http://schemas.microsoft.com/office/drawing/2010/main" xmlns="" w="9525" cap="flat">
                 <a:solidFill>
                   <a:srgbClr val="000000"/>
                 </a:solidFill>
@@ -17893,7 +17893,7 @@
               </a14:hiddenLine>
             </a:ext>
             <a:ext uri="{AF507438-7753-43e0-B8FC-AC1667EBCBE1}">
-              <a14:hiddenEffects xmlns="" xmlns:a14="http://schemas.microsoft.com/office/drawing/2010/main">
+              <a14:hiddenEffects xmlns:a14="http://schemas.microsoft.com/office/drawing/2010/main" xmlns="">
                 <a:effectLst>
                   <a:outerShdw blurRad="63500" dist="38099" dir="2700000" algn="ctr" rotWithShape="0">
                     <a:srgbClr val="000000">
@@ -18136,12 +18136,12 @@
           <a:effectLst/>
           <a:extLst>
             <a:ext uri="{909E8E84-426E-40dd-AFC4-6F175D3DCCD1}">
-              <a14:hiddenFill xmlns="" xmlns:a14="http://schemas.microsoft.com/office/drawing/2010/main">
+              <a14:hiddenFill xmlns:a14="http://schemas.microsoft.com/office/drawing/2010/main" xmlns="">
                 <a:noFill/>
               </a14:hiddenFill>
             </a:ext>
             <a:ext uri="{AF507438-7753-43e0-B8FC-AC1667EBCBE1}">
-              <a14:hiddenEffects xmlns="" xmlns:a14="http://schemas.microsoft.com/office/drawing/2010/main">
+              <a14:hiddenEffects xmlns:a14="http://schemas.microsoft.com/office/drawing/2010/main" xmlns="">
                 <a:effectLst>
                   <a:outerShdw blurRad="63500" dist="38099" dir="2700000" algn="ctr" rotWithShape="0">
                     <a:srgbClr val="000000">
@@ -18184,14 +18184,14 @@
           <a:effectLst/>
           <a:extLst>
             <a:ext uri="{909E8E84-426E-40dd-AFC4-6F175D3DCCD1}">
-              <a14:hiddenFill xmlns="" xmlns:a14="http://schemas.microsoft.com/office/drawing/2010/main">
+              <a14:hiddenFill xmlns:a14="http://schemas.microsoft.com/office/drawing/2010/main" xmlns="">
                 <a:solidFill>
                   <a:srgbClr val="FFFFFF"/>
                 </a:solidFill>
               </a14:hiddenFill>
             </a:ext>
             <a:ext uri="{91240B29-F687-4f45-9708-019B960494DF}">
-              <a14:hiddenLine xmlns="" xmlns:a14="http://schemas.microsoft.com/office/drawing/2010/main" w="9525" cap="flat">
+              <a14:hiddenLine xmlns:a14="http://schemas.microsoft.com/office/drawing/2010/main" xmlns="" w="9525" cap="flat">
                 <a:solidFill>
                   <a:srgbClr val="000000"/>
                 </a:solidFill>
@@ -18201,7 +18201,7 @@
               </a14:hiddenLine>
             </a:ext>
             <a:ext uri="{AF507438-7753-43e0-B8FC-AC1667EBCBE1}">
-              <a14:hiddenEffects xmlns="" xmlns:a14="http://schemas.microsoft.com/office/drawing/2010/main">
+              <a14:hiddenEffects xmlns:a14="http://schemas.microsoft.com/office/drawing/2010/main" xmlns="">
                 <a:effectLst>
                   <a:outerShdw blurRad="63500" dist="38099" dir="2700000" algn="ctr" rotWithShape="0">
                     <a:srgbClr val="000000">
@@ -18421,14 +18421,14 @@
           <a:effectLst/>
           <a:extLst>
             <a:ext uri="{909E8E84-426E-40dd-AFC4-6F175D3DCCD1}">
-              <a14:hiddenFill xmlns="" xmlns:a14="http://schemas.microsoft.com/office/drawing/2010/main">
+              <a14:hiddenFill xmlns:a14="http://schemas.microsoft.com/office/drawing/2010/main" xmlns="">
                 <a:solidFill>
                   <a:srgbClr val="FFFFFF"/>
                 </a:solidFill>
               </a14:hiddenFill>
             </a:ext>
             <a:ext uri="{91240B29-F687-4f45-9708-019B960494DF}">
-              <a14:hiddenLine xmlns="" xmlns:a14="http://schemas.microsoft.com/office/drawing/2010/main" w="9525" cap="flat">
+              <a14:hiddenLine xmlns:a14="http://schemas.microsoft.com/office/drawing/2010/main" xmlns="" w="9525" cap="flat">
                 <a:solidFill>
                   <a:srgbClr val="000000"/>
                 </a:solidFill>
@@ -18438,7 +18438,7 @@
               </a14:hiddenLine>
             </a:ext>
             <a:ext uri="{AF507438-7753-43e0-B8FC-AC1667EBCBE1}">
-              <a14:hiddenEffects xmlns="" xmlns:a14="http://schemas.microsoft.com/office/drawing/2010/main">
+              <a14:hiddenEffects xmlns:a14="http://schemas.microsoft.com/office/drawing/2010/main" xmlns="">
                 <a:effectLst>
                   <a:outerShdw blurRad="63500" dist="38099" dir="2700000" algn="ctr" rotWithShape="0">
                     <a:srgbClr val="000000">
@@ -18665,7 +18665,7 @@
           <a:effectLst/>
           <a:extLst>
             <a:ext uri="{AF507438-7753-43e0-B8FC-AC1667EBCBE1}">
-              <a14:hiddenEffects xmlns="" xmlns:a14="http://schemas.microsoft.com/office/drawing/2010/main">
+              <a14:hiddenEffects xmlns:a14="http://schemas.microsoft.com/office/drawing/2010/main" xmlns="">
                 <a:effectLst>
                   <a:outerShdw blurRad="63500" dist="38099" dir="2700000" algn="ctr" rotWithShape="0">
                     <a:srgbClr val="000000">
@@ -18708,14 +18708,14 @@
           <a:effectLst/>
           <a:extLst>
             <a:ext uri="{909E8E84-426E-40dd-AFC4-6F175D3DCCD1}">
-              <a14:hiddenFill xmlns="" xmlns:a14="http://schemas.microsoft.com/office/drawing/2010/main">
+              <a14:hiddenFill xmlns:a14="http://schemas.microsoft.com/office/drawing/2010/main" xmlns="">
                 <a:solidFill>
                   <a:srgbClr val="FFFFFF"/>
                 </a:solidFill>
               </a14:hiddenFill>
             </a:ext>
             <a:ext uri="{91240B29-F687-4f45-9708-019B960494DF}">
-              <a14:hiddenLine xmlns="" xmlns:a14="http://schemas.microsoft.com/office/drawing/2010/main" w="9525" cap="flat">
+              <a14:hiddenLine xmlns:a14="http://schemas.microsoft.com/office/drawing/2010/main" xmlns="" w="9525" cap="flat">
                 <a:solidFill>
                   <a:srgbClr val="000000"/>
                 </a:solidFill>
@@ -18725,7 +18725,7 @@
               </a14:hiddenLine>
             </a:ext>
             <a:ext uri="{AF507438-7753-43e0-B8FC-AC1667EBCBE1}">
-              <a14:hiddenEffects xmlns="" xmlns:a14="http://schemas.microsoft.com/office/drawing/2010/main">
+              <a14:hiddenEffects xmlns:a14="http://schemas.microsoft.com/office/drawing/2010/main" xmlns="">
                 <a:effectLst>
                   <a:outerShdw blurRad="63500" dist="38099" dir="2700000" algn="ctr" rotWithShape="0">
                     <a:srgbClr val="000000">
@@ -18952,7 +18952,7 @@
           <a:effectLst/>
           <a:extLst>
             <a:ext uri="{AF507438-7753-43e0-B8FC-AC1667EBCBE1}">
-              <a14:hiddenEffects xmlns="" xmlns:a14="http://schemas.microsoft.com/office/drawing/2010/main">
+              <a14:hiddenEffects xmlns:a14="http://schemas.microsoft.com/office/drawing/2010/main" xmlns="">
                 <a:effectLst>
                   <a:outerShdw blurRad="63500" dist="38099" dir="2700000" algn="ctr" rotWithShape="0">
                     <a:srgbClr val="000000">
@@ -18995,14 +18995,14 @@
           <a:effectLst/>
           <a:extLst>
             <a:ext uri="{909E8E84-426E-40dd-AFC4-6F175D3DCCD1}">
-              <a14:hiddenFill xmlns="" xmlns:a14="http://schemas.microsoft.com/office/drawing/2010/main">
+              <a14:hiddenFill xmlns:a14="http://schemas.microsoft.com/office/drawing/2010/main" xmlns="">
                 <a:solidFill>
                   <a:srgbClr val="FFFFFF"/>
                 </a:solidFill>
               </a14:hiddenFill>
             </a:ext>
             <a:ext uri="{91240B29-F687-4f45-9708-019B960494DF}">
-              <a14:hiddenLine xmlns="" xmlns:a14="http://schemas.microsoft.com/office/drawing/2010/main" w="9525" cap="flat">
+              <a14:hiddenLine xmlns:a14="http://schemas.microsoft.com/office/drawing/2010/main" xmlns="" w="9525" cap="flat">
                 <a:solidFill>
                   <a:srgbClr val="000000"/>
                 </a:solidFill>
@@ -19012,7 +19012,7 @@
               </a14:hiddenLine>
             </a:ext>
             <a:ext uri="{AF507438-7753-43e0-B8FC-AC1667EBCBE1}">
-              <a14:hiddenEffects xmlns="" xmlns:a14="http://schemas.microsoft.com/office/drawing/2010/main">
+              <a14:hiddenEffects xmlns:a14="http://schemas.microsoft.com/office/drawing/2010/main" xmlns="">
                 <a:effectLst>
                   <a:outerShdw blurRad="63500" dist="38099" dir="2700000" algn="ctr" rotWithShape="0">
                     <a:srgbClr val="000000">
@@ -19239,7 +19239,7 @@
           <a:effectLst/>
           <a:extLst>
             <a:ext uri="{AF507438-7753-43e0-B8FC-AC1667EBCBE1}">
-              <a14:hiddenEffects xmlns="" xmlns:a14="http://schemas.microsoft.com/office/drawing/2010/main">
+              <a14:hiddenEffects xmlns:a14="http://schemas.microsoft.com/office/drawing/2010/main" xmlns="">
                 <a:effectLst>
                   <a:outerShdw blurRad="63500" dist="38099" dir="2700000" algn="ctr" rotWithShape="0">
                     <a:srgbClr val="000000">
@@ -19282,14 +19282,14 @@
           <a:effectLst/>
           <a:extLst>
             <a:ext uri="{909E8E84-426E-40dd-AFC4-6F175D3DCCD1}">
-              <a14:hiddenFill xmlns="" xmlns:a14="http://schemas.microsoft.com/office/drawing/2010/main">
+              <a14:hiddenFill xmlns:a14="http://schemas.microsoft.com/office/drawing/2010/main" xmlns="">
                 <a:solidFill>
                   <a:srgbClr val="FFFFFF"/>
                 </a:solidFill>
               </a14:hiddenFill>
             </a:ext>
             <a:ext uri="{91240B29-F687-4f45-9708-019B960494DF}">
-              <a14:hiddenLine xmlns="" xmlns:a14="http://schemas.microsoft.com/office/drawing/2010/main" w="9525" cap="flat">
+              <a14:hiddenLine xmlns:a14="http://schemas.microsoft.com/office/drawing/2010/main" xmlns="" w="9525" cap="flat">
                 <a:solidFill>
                   <a:srgbClr val="000000"/>
                 </a:solidFill>
@@ -19299,7 +19299,7 @@
               </a14:hiddenLine>
             </a:ext>
             <a:ext uri="{AF507438-7753-43e0-B8FC-AC1667EBCBE1}">
-              <a14:hiddenEffects xmlns="" xmlns:a14="http://schemas.microsoft.com/office/drawing/2010/main">
+              <a14:hiddenEffects xmlns:a14="http://schemas.microsoft.com/office/drawing/2010/main" xmlns="">
                 <a:effectLst>
                   <a:outerShdw blurRad="63500" dist="38099" dir="2700000" algn="ctr" rotWithShape="0">
                     <a:srgbClr val="000000">
@@ -19526,7 +19526,7 @@
           <a:effectLst/>
           <a:extLst>
             <a:ext uri="{AF507438-7753-43e0-B8FC-AC1667EBCBE1}">
-              <a14:hiddenEffects xmlns="" xmlns:a14="http://schemas.microsoft.com/office/drawing/2010/main">
+              <a14:hiddenEffects xmlns:a14="http://schemas.microsoft.com/office/drawing/2010/main" xmlns="">
                 <a:effectLst>
                   <a:outerShdw blurRad="63500" dist="38099" dir="2700000" algn="ctr" rotWithShape="0">
                     <a:srgbClr val="000000">
@@ -19569,14 +19569,14 @@
           <a:effectLst/>
           <a:extLst>
             <a:ext uri="{909E8E84-426E-40dd-AFC4-6F175D3DCCD1}">
-              <a14:hiddenFill xmlns="" xmlns:a14="http://schemas.microsoft.com/office/drawing/2010/main">
+              <a14:hiddenFill xmlns:a14="http://schemas.microsoft.com/office/drawing/2010/main" xmlns="">
                 <a:solidFill>
                   <a:srgbClr val="FFFFFF"/>
                 </a:solidFill>
               </a14:hiddenFill>
             </a:ext>
             <a:ext uri="{91240B29-F687-4f45-9708-019B960494DF}">
-              <a14:hiddenLine xmlns="" xmlns:a14="http://schemas.microsoft.com/office/drawing/2010/main" w="9525" cap="flat">
+              <a14:hiddenLine xmlns:a14="http://schemas.microsoft.com/office/drawing/2010/main" xmlns="" w="9525" cap="flat">
                 <a:solidFill>
                   <a:srgbClr val="000000"/>
                 </a:solidFill>
@@ -19586,7 +19586,7 @@
               </a14:hiddenLine>
             </a:ext>
             <a:ext uri="{AF507438-7753-43e0-B8FC-AC1667EBCBE1}">
-              <a14:hiddenEffects xmlns="" xmlns:a14="http://schemas.microsoft.com/office/drawing/2010/main">
+              <a14:hiddenEffects xmlns:a14="http://schemas.microsoft.com/office/drawing/2010/main" xmlns="">
                 <a:effectLst>
                   <a:outerShdw blurRad="63500" dist="38099" dir="2700000" algn="ctr" rotWithShape="0">
                     <a:srgbClr val="000000">
@@ -19813,7 +19813,7 @@
           <a:effectLst/>
           <a:extLst>
             <a:ext uri="{AF507438-7753-43e0-B8FC-AC1667EBCBE1}">
-              <a14:hiddenEffects xmlns="" xmlns:a14="http://schemas.microsoft.com/office/drawing/2010/main">
+              <a14:hiddenEffects xmlns:a14="http://schemas.microsoft.com/office/drawing/2010/main" xmlns="">
                 <a:effectLst>
                   <a:outerShdw blurRad="63500" dist="38099" dir="2700000" algn="ctr" rotWithShape="0">
                     <a:srgbClr val="000000">
@@ -19856,14 +19856,14 @@
           <a:effectLst/>
           <a:extLst>
             <a:ext uri="{909E8E84-426E-40dd-AFC4-6F175D3DCCD1}">
-              <a14:hiddenFill xmlns="" xmlns:a14="http://schemas.microsoft.com/office/drawing/2010/main">
+              <a14:hiddenFill xmlns:a14="http://schemas.microsoft.com/office/drawing/2010/main" xmlns="">
                 <a:solidFill>
                   <a:srgbClr val="FFFFFF"/>
                 </a:solidFill>
               </a14:hiddenFill>
             </a:ext>
             <a:ext uri="{91240B29-F687-4f45-9708-019B960494DF}">
-              <a14:hiddenLine xmlns="" xmlns:a14="http://schemas.microsoft.com/office/drawing/2010/main" w="9525" cap="flat">
+              <a14:hiddenLine xmlns:a14="http://schemas.microsoft.com/office/drawing/2010/main" xmlns="" w="9525" cap="flat">
                 <a:solidFill>
                   <a:srgbClr val="000000"/>
                 </a:solidFill>
@@ -19873,7 +19873,7 @@
               </a14:hiddenLine>
             </a:ext>
             <a:ext uri="{AF507438-7753-43e0-B8FC-AC1667EBCBE1}">
-              <a14:hiddenEffects xmlns="" xmlns:a14="http://schemas.microsoft.com/office/drawing/2010/main">
+              <a14:hiddenEffects xmlns:a14="http://schemas.microsoft.com/office/drawing/2010/main" xmlns="">
                 <a:effectLst>
                   <a:outerShdw blurRad="63500" dist="38099" dir="2700000" algn="ctr" rotWithShape="0">
                     <a:srgbClr val="000000">
@@ -20100,7 +20100,7 @@
           <a:effectLst/>
           <a:extLst>
             <a:ext uri="{AF507438-7753-43e0-B8FC-AC1667EBCBE1}">
-              <a14:hiddenEffects xmlns="" xmlns:a14="http://schemas.microsoft.com/office/drawing/2010/main">
+              <a14:hiddenEffects xmlns:a14="http://schemas.microsoft.com/office/drawing/2010/main" xmlns="">
                 <a:effectLst>
                   <a:outerShdw blurRad="63500" dist="38099" dir="2700000" algn="ctr" rotWithShape="0">
                     <a:srgbClr val="000000">
@@ -20143,14 +20143,14 @@
           <a:effectLst/>
           <a:extLst>
             <a:ext uri="{909E8E84-426E-40dd-AFC4-6F175D3DCCD1}">
-              <a14:hiddenFill xmlns="" xmlns:a14="http://schemas.microsoft.com/office/drawing/2010/main">
+              <a14:hiddenFill xmlns:a14="http://schemas.microsoft.com/office/drawing/2010/main" xmlns="">
                 <a:solidFill>
                   <a:srgbClr val="FFFFFF"/>
                 </a:solidFill>
               </a14:hiddenFill>
             </a:ext>
             <a:ext uri="{91240B29-F687-4f45-9708-019B960494DF}">
-              <a14:hiddenLine xmlns="" xmlns:a14="http://schemas.microsoft.com/office/drawing/2010/main" w="9525" cap="flat">
+              <a14:hiddenLine xmlns:a14="http://schemas.microsoft.com/office/drawing/2010/main" xmlns="" w="9525" cap="flat">
                 <a:solidFill>
                   <a:srgbClr val="000000"/>
                 </a:solidFill>
@@ -20160,7 +20160,7 @@
               </a14:hiddenLine>
             </a:ext>
             <a:ext uri="{AF507438-7753-43e0-B8FC-AC1667EBCBE1}">
-              <a14:hiddenEffects xmlns="" xmlns:a14="http://schemas.microsoft.com/office/drawing/2010/main">
+              <a14:hiddenEffects xmlns:a14="http://schemas.microsoft.com/office/drawing/2010/main" xmlns="">
                 <a:effectLst>
                   <a:outerShdw blurRad="63500" dist="38099" dir="2700000" algn="ctr" rotWithShape="0">
                     <a:srgbClr val="000000">
@@ -20387,7 +20387,7 @@
           <a:effectLst/>
           <a:extLst>
             <a:ext uri="{AF507438-7753-43e0-B8FC-AC1667EBCBE1}">
-              <a14:hiddenEffects xmlns="" xmlns:a14="http://schemas.microsoft.com/office/drawing/2010/main">
+              <a14:hiddenEffects xmlns:a14="http://schemas.microsoft.com/office/drawing/2010/main" xmlns="">
                 <a:effectLst>
                   <a:outerShdw blurRad="63500" dist="38099" dir="2700000" algn="ctr" rotWithShape="0">
                     <a:srgbClr val="000000">
@@ -20430,14 +20430,14 @@
           <a:effectLst/>
           <a:extLst>
             <a:ext uri="{909E8E84-426E-40dd-AFC4-6F175D3DCCD1}">
-              <a14:hiddenFill xmlns="" xmlns:a14="http://schemas.microsoft.com/office/drawing/2010/main">
+              <a14:hiddenFill xmlns:a14="http://schemas.microsoft.com/office/drawing/2010/main" xmlns="">
                 <a:solidFill>
                   <a:srgbClr val="FFFFFF"/>
                 </a:solidFill>
               </a14:hiddenFill>
             </a:ext>
             <a:ext uri="{91240B29-F687-4f45-9708-019B960494DF}">
-              <a14:hiddenLine xmlns="" xmlns:a14="http://schemas.microsoft.com/office/drawing/2010/main" w="9525" cap="flat">
+              <a14:hiddenLine xmlns:a14="http://schemas.microsoft.com/office/drawing/2010/main" xmlns="" w="9525" cap="flat">
                 <a:solidFill>
                   <a:srgbClr val="000000"/>
                 </a:solidFill>
@@ -20447,7 +20447,7 @@
               </a14:hiddenLine>
             </a:ext>
             <a:ext uri="{AF507438-7753-43e0-B8FC-AC1667EBCBE1}">
-              <a14:hiddenEffects xmlns="" xmlns:a14="http://schemas.microsoft.com/office/drawing/2010/main">
+              <a14:hiddenEffects xmlns:a14="http://schemas.microsoft.com/office/drawing/2010/main" xmlns="">
                 <a:effectLst>
                   <a:outerShdw blurRad="63500" dist="38099" dir="2700000" algn="ctr" rotWithShape="0">
                     <a:srgbClr val="000000">
@@ -20638,8 +20638,8 @@
           </a:lstStyle>
           <a:p>
             <a:r>
-              <a:rPr lang="fr-FR" sz="800"/>
-              <a:t>10 bissas Astra</a:t>
+              <a:rPr lang="fr-FR" sz="800" dirty="0"/>
+              <a:t>19 bissas Astra</a:t>
             </a:r>
           </a:p>
         </p:txBody>
@@ -20674,7 +20674,7 @@
           <a:effectLst/>
           <a:extLst>
             <a:ext uri="{AF507438-7753-43e0-B8FC-AC1667EBCBE1}">
-              <a14:hiddenEffects xmlns="" xmlns:a14="http://schemas.microsoft.com/office/drawing/2010/main">
+              <a14:hiddenEffects xmlns:a14="http://schemas.microsoft.com/office/drawing/2010/main" xmlns="">
                 <a:effectLst>
                   <a:outerShdw blurRad="63500" dist="38099" dir="2700000" algn="ctr" rotWithShape="0">
                     <a:srgbClr val="000000">
@@ -20717,14 +20717,14 @@
           <a:effectLst/>
           <a:extLst>
             <a:ext uri="{909E8E84-426E-40dd-AFC4-6F175D3DCCD1}">
-              <a14:hiddenFill xmlns="" xmlns:a14="http://schemas.microsoft.com/office/drawing/2010/main">
+              <a14:hiddenFill xmlns:a14="http://schemas.microsoft.com/office/drawing/2010/main" xmlns="">
                 <a:solidFill>
                   <a:srgbClr val="FFFFFF"/>
                 </a:solidFill>
               </a14:hiddenFill>
             </a:ext>
             <a:ext uri="{91240B29-F687-4f45-9708-019B960494DF}">
-              <a14:hiddenLine xmlns="" xmlns:a14="http://schemas.microsoft.com/office/drawing/2010/main" w="9525" cap="flat">
+              <a14:hiddenLine xmlns:a14="http://schemas.microsoft.com/office/drawing/2010/main" xmlns="" w="9525" cap="flat">
                 <a:solidFill>
                   <a:srgbClr val="000000"/>
                 </a:solidFill>
@@ -20734,7 +20734,7 @@
               </a14:hiddenLine>
             </a:ext>
             <a:ext uri="{AF507438-7753-43e0-B8FC-AC1667EBCBE1}">
-              <a14:hiddenEffects xmlns="" xmlns:a14="http://schemas.microsoft.com/office/drawing/2010/main">
+              <a14:hiddenEffects xmlns:a14="http://schemas.microsoft.com/office/drawing/2010/main" xmlns="">
                 <a:effectLst>
                   <a:outerShdw blurRad="63500" dist="38099" dir="2700000" algn="ctr" rotWithShape="0">
                     <a:srgbClr val="000000">
@@ -20925,8 +20925,8 @@
           </a:lstStyle>
           <a:p>
             <a:r>
-              <a:rPr lang="fr-FR" sz="800"/>
-              <a:t>2 bissas Astra</a:t>
+              <a:rPr lang="fr-FR" sz="800" dirty="0"/>
+              <a:t>11 bissas Astra</a:t>
             </a:r>
           </a:p>
         </p:txBody>
@@ -20961,7 +20961,7 @@
           <a:effectLst/>
           <a:extLst>
             <a:ext uri="{AF507438-7753-43e0-B8FC-AC1667EBCBE1}">
-              <a14:hiddenEffects xmlns="" xmlns:a14="http://schemas.microsoft.com/office/drawing/2010/main">
+              <a14:hiddenEffects xmlns:a14="http://schemas.microsoft.com/office/drawing/2010/main" xmlns="">
                 <a:effectLst>
                   <a:outerShdw blurRad="63500" dist="38099" dir="2700000" algn="ctr" rotWithShape="0">
                     <a:srgbClr val="000000">
@@ -21004,14 +21004,14 @@
           <a:effectLst/>
           <a:extLst>
             <a:ext uri="{909E8E84-426E-40dd-AFC4-6F175D3DCCD1}">
-              <a14:hiddenFill xmlns="" xmlns:a14="http://schemas.microsoft.com/office/drawing/2010/main">
+              <a14:hiddenFill xmlns:a14="http://schemas.microsoft.com/office/drawing/2010/main" xmlns="">
                 <a:solidFill>
                   <a:srgbClr val="FFFFFF"/>
                 </a:solidFill>
               </a14:hiddenFill>
             </a:ext>
             <a:ext uri="{91240B29-F687-4f45-9708-019B960494DF}">
-              <a14:hiddenLine xmlns="" xmlns:a14="http://schemas.microsoft.com/office/drawing/2010/main" w="9525" cap="flat">
+              <a14:hiddenLine xmlns:a14="http://schemas.microsoft.com/office/drawing/2010/main" xmlns="" w="9525" cap="flat">
                 <a:solidFill>
                   <a:srgbClr val="000000"/>
                 </a:solidFill>
@@ -21021,7 +21021,7 @@
               </a14:hiddenLine>
             </a:ext>
             <a:ext uri="{AF507438-7753-43e0-B8FC-AC1667EBCBE1}">
-              <a14:hiddenEffects xmlns="" xmlns:a14="http://schemas.microsoft.com/office/drawing/2010/main">
+              <a14:hiddenEffects xmlns:a14="http://schemas.microsoft.com/office/drawing/2010/main" xmlns="">
                 <a:effectLst>
                   <a:outerShdw blurRad="63500" dist="38099" dir="2700000" algn="ctr" rotWithShape="0">
                     <a:srgbClr val="000000">
@@ -21246,12 +21246,12 @@
           <a:effectLst/>
           <a:extLst>
             <a:ext uri="{909E8E84-426E-40dd-AFC4-6F175D3DCCD1}">
-              <a14:hiddenFill xmlns="" xmlns:a14="http://schemas.microsoft.com/office/drawing/2010/main">
+              <a14:hiddenFill xmlns:a14="http://schemas.microsoft.com/office/drawing/2010/main" xmlns="">
                 <a:noFill/>
               </a14:hiddenFill>
             </a:ext>
             <a:ext uri="{AF507438-7753-43e0-B8FC-AC1667EBCBE1}">
-              <a14:hiddenEffects xmlns="" xmlns:a14="http://schemas.microsoft.com/office/drawing/2010/main">
+              <a14:hiddenEffects xmlns:a14="http://schemas.microsoft.com/office/drawing/2010/main" xmlns="">
                 <a:effectLst>
                   <a:outerShdw blurRad="63500" dist="38099" dir="2700000" algn="ctr" rotWithShape="0">
                     <a:srgbClr val="000000">
@@ -21301,7 +21301,7 @@
           <a:effectLst/>
           <a:extLst>
             <a:ext uri="{AF507438-7753-43e0-B8FC-AC1667EBCBE1}">
-              <a14:hiddenEffects xmlns="" xmlns:a14="http://schemas.microsoft.com/office/drawing/2010/main">
+              <a14:hiddenEffects xmlns:a14="http://schemas.microsoft.com/office/drawing/2010/main" xmlns="">
                 <a:effectLst>
                   <a:outerShdw blurRad="63500" dist="38099" dir="2700000" algn="ctr" rotWithShape="0">
                     <a:srgbClr val="000000">
@@ -21344,14 +21344,14 @@
           <a:effectLst/>
           <a:extLst>
             <a:ext uri="{909E8E84-426E-40dd-AFC4-6F175D3DCCD1}">
-              <a14:hiddenFill xmlns="" xmlns:a14="http://schemas.microsoft.com/office/drawing/2010/main">
+              <a14:hiddenFill xmlns:a14="http://schemas.microsoft.com/office/drawing/2010/main" xmlns="">
                 <a:solidFill>
                   <a:srgbClr val="FFFFFF"/>
                 </a:solidFill>
               </a14:hiddenFill>
             </a:ext>
             <a:ext uri="{91240B29-F687-4f45-9708-019B960494DF}">
-              <a14:hiddenLine xmlns="" xmlns:a14="http://schemas.microsoft.com/office/drawing/2010/main" w="9525" cap="flat">
+              <a14:hiddenLine xmlns:a14="http://schemas.microsoft.com/office/drawing/2010/main" xmlns="" w="9525" cap="flat">
                 <a:solidFill>
                   <a:srgbClr val="000000"/>
                 </a:solidFill>
@@ -21361,7 +21361,7 @@
               </a14:hiddenLine>
             </a:ext>
             <a:ext uri="{AF507438-7753-43e0-B8FC-AC1667EBCBE1}">
-              <a14:hiddenEffects xmlns="" xmlns:a14="http://schemas.microsoft.com/office/drawing/2010/main">
+              <a14:hiddenEffects xmlns:a14="http://schemas.microsoft.com/office/drawing/2010/main" xmlns="">
                 <a:effectLst>
                   <a:outerShdw blurRad="63500" dist="38099" dir="2700000" algn="ctr" rotWithShape="0">
                     <a:srgbClr val="000000">
@@ -21411,14 +21411,14 @@
           <a:effectLst/>
           <a:extLst>
             <a:ext uri="{909E8E84-426E-40dd-AFC4-6F175D3DCCD1}">
-              <a14:hiddenFill xmlns="" xmlns:a14="http://schemas.microsoft.com/office/drawing/2010/main">
+              <a14:hiddenFill xmlns:a14="http://schemas.microsoft.com/office/drawing/2010/main" xmlns="">
                 <a:solidFill>
                   <a:srgbClr val="FFFFFF"/>
                 </a:solidFill>
               </a14:hiddenFill>
             </a:ext>
             <a:ext uri="{91240B29-F687-4f45-9708-019B960494DF}">
-              <a14:hiddenLine xmlns="" xmlns:a14="http://schemas.microsoft.com/office/drawing/2010/main" w="9525" cap="flat">
+              <a14:hiddenLine xmlns:a14="http://schemas.microsoft.com/office/drawing/2010/main" xmlns="" w="9525" cap="flat">
                 <a:solidFill>
                   <a:srgbClr val="000000"/>
                 </a:solidFill>
@@ -21428,7 +21428,7 @@
               </a14:hiddenLine>
             </a:ext>
             <a:ext uri="{AF507438-7753-43e0-B8FC-AC1667EBCBE1}">
-              <a14:hiddenEffects xmlns="" xmlns:a14="http://schemas.microsoft.com/office/drawing/2010/main">
+              <a14:hiddenEffects xmlns:a14="http://schemas.microsoft.com/office/drawing/2010/main" xmlns="">
                 <a:effectLst>
                   <a:outerShdw blurRad="63500" dist="38099" dir="2700000" algn="ctr" rotWithShape="0">
                     <a:srgbClr val="000000">
@@ -21652,14 +21652,14 @@
           <a:effectLst/>
           <a:extLst>
             <a:ext uri="{909E8E84-426E-40dd-AFC4-6F175D3DCCD1}">
-              <a14:hiddenFill xmlns="" xmlns:a14="http://schemas.microsoft.com/office/drawing/2010/main">
+              <a14:hiddenFill xmlns:a14="http://schemas.microsoft.com/office/drawing/2010/main" xmlns="">
                 <a:solidFill>
                   <a:srgbClr val="FFFFFF"/>
                 </a:solidFill>
               </a14:hiddenFill>
             </a:ext>
             <a:ext uri="{91240B29-F687-4f45-9708-019B960494DF}">
-              <a14:hiddenLine xmlns="" xmlns:a14="http://schemas.microsoft.com/office/drawing/2010/main" w="9525" cap="flat">
+              <a14:hiddenLine xmlns:a14="http://schemas.microsoft.com/office/drawing/2010/main" xmlns="" w="9525" cap="flat">
                 <a:solidFill>
                   <a:srgbClr val="000000"/>
                 </a:solidFill>
@@ -21669,7 +21669,7 @@
               </a14:hiddenLine>
             </a:ext>
             <a:ext uri="{AF507438-7753-43e0-B8FC-AC1667EBCBE1}">
-              <a14:hiddenEffects xmlns="" xmlns:a14="http://schemas.microsoft.com/office/drawing/2010/main">
+              <a14:hiddenEffects xmlns:a14="http://schemas.microsoft.com/office/drawing/2010/main" xmlns="">
                 <a:effectLst>
                   <a:outerShdw blurRad="63500" dist="38099" dir="2700000" algn="ctr" rotWithShape="0">
                     <a:srgbClr val="000000">
@@ -21719,14 +21719,14 @@
           <a:effectLst/>
           <a:extLst>
             <a:ext uri="{909E8E84-426E-40dd-AFC4-6F175D3DCCD1}">
-              <a14:hiddenFill xmlns="" xmlns:a14="http://schemas.microsoft.com/office/drawing/2010/main">
+              <a14:hiddenFill xmlns:a14="http://schemas.microsoft.com/office/drawing/2010/main" xmlns="">
                 <a:solidFill>
                   <a:srgbClr val="FFFFFF"/>
                 </a:solidFill>
               </a14:hiddenFill>
             </a:ext>
             <a:ext uri="{91240B29-F687-4f45-9708-019B960494DF}">
-              <a14:hiddenLine xmlns="" xmlns:a14="http://schemas.microsoft.com/office/drawing/2010/main" w="9525" cap="flat">
+              <a14:hiddenLine xmlns:a14="http://schemas.microsoft.com/office/drawing/2010/main" xmlns="" w="9525" cap="flat">
                 <a:solidFill>
                   <a:srgbClr val="000000"/>
                 </a:solidFill>
@@ -21736,7 +21736,7 @@
               </a14:hiddenLine>
             </a:ext>
             <a:ext uri="{AF507438-7753-43e0-B8FC-AC1667EBCBE1}">
-              <a14:hiddenEffects xmlns="" xmlns:a14="http://schemas.microsoft.com/office/drawing/2010/main">
+              <a14:hiddenEffects xmlns:a14="http://schemas.microsoft.com/office/drawing/2010/main" xmlns="">
                 <a:effectLst>
                   <a:outerShdw blurRad="63500" dist="38099" dir="2700000" algn="ctr" rotWithShape="0">
                     <a:srgbClr val="000000">
@@ -21786,14 +21786,14 @@
           <a:effectLst/>
           <a:extLst>
             <a:ext uri="{909E8E84-426E-40dd-AFC4-6F175D3DCCD1}">
-              <a14:hiddenFill xmlns="" xmlns:a14="http://schemas.microsoft.com/office/drawing/2010/main">
+              <a14:hiddenFill xmlns:a14="http://schemas.microsoft.com/office/drawing/2010/main" xmlns="">
                 <a:solidFill>
                   <a:srgbClr val="FFFFFF"/>
                 </a:solidFill>
               </a14:hiddenFill>
             </a:ext>
             <a:ext uri="{91240B29-F687-4f45-9708-019B960494DF}">
-              <a14:hiddenLine xmlns="" xmlns:a14="http://schemas.microsoft.com/office/drawing/2010/main" w="9525" cap="flat">
+              <a14:hiddenLine xmlns:a14="http://schemas.microsoft.com/office/drawing/2010/main" xmlns="" w="9525" cap="flat">
                 <a:solidFill>
                   <a:srgbClr val="000000"/>
                 </a:solidFill>
@@ -21803,7 +21803,7 @@
               </a14:hiddenLine>
             </a:ext>
             <a:ext uri="{AF507438-7753-43e0-B8FC-AC1667EBCBE1}">
-              <a14:hiddenEffects xmlns="" xmlns:a14="http://schemas.microsoft.com/office/drawing/2010/main">
+              <a14:hiddenEffects xmlns:a14="http://schemas.microsoft.com/office/drawing/2010/main" xmlns="">
                 <a:effectLst>
                   <a:outerShdw blurRad="63500" dist="38099" dir="2700000" algn="ctr" rotWithShape="0">
                     <a:srgbClr val="000000">
@@ -21853,14 +21853,14 @@
           <a:effectLst/>
           <a:extLst>
             <a:ext uri="{909E8E84-426E-40dd-AFC4-6F175D3DCCD1}">
-              <a14:hiddenFill xmlns="" xmlns:a14="http://schemas.microsoft.com/office/drawing/2010/main">
+              <a14:hiddenFill xmlns:a14="http://schemas.microsoft.com/office/drawing/2010/main" xmlns="">
                 <a:solidFill>
                   <a:srgbClr val="FFFFFF"/>
                 </a:solidFill>
               </a14:hiddenFill>
             </a:ext>
             <a:ext uri="{91240B29-F687-4f45-9708-019B960494DF}">
-              <a14:hiddenLine xmlns="" xmlns:a14="http://schemas.microsoft.com/office/drawing/2010/main" w="9525" cap="flat">
+              <a14:hiddenLine xmlns:a14="http://schemas.microsoft.com/office/drawing/2010/main" xmlns="" w="9525" cap="flat">
                 <a:solidFill>
                   <a:srgbClr val="000000"/>
                 </a:solidFill>
@@ -21870,7 +21870,7 @@
               </a14:hiddenLine>
             </a:ext>
             <a:ext uri="{AF507438-7753-43e0-B8FC-AC1667EBCBE1}">
-              <a14:hiddenEffects xmlns="" xmlns:a14="http://schemas.microsoft.com/office/drawing/2010/main">
+              <a14:hiddenEffects xmlns:a14="http://schemas.microsoft.com/office/drawing/2010/main" xmlns="">
                 <a:effectLst>
                   <a:outerShdw blurRad="63500" dist="38099" dir="2700000" algn="ctr" rotWithShape="0">
                     <a:srgbClr val="000000">
@@ -21920,14 +21920,14 @@
           <a:effectLst/>
           <a:extLst>
             <a:ext uri="{909E8E84-426E-40dd-AFC4-6F175D3DCCD1}">
-              <a14:hiddenFill xmlns="" xmlns:a14="http://schemas.microsoft.com/office/drawing/2010/main">
+              <a14:hiddenFill xmlns:a14="http://schemas.microsoft.com/office/drawing/2010/main" xmlns="">
                 <a:solidFill>
                   <a:srgbClr val="FFFFFF"/>
                 </a:solidFill>
               </a14:hiddenFill>
             </a:ext>
             <a:ext uri="{91240B29-F687-4f45-9708-019B960494DF}">
-              <a14:hiddenLine xmlns="" xmlns:a14="http://schemas.microsoft.com/office/drawing/2010/main" w="9525" cap="flat">
+              <a14:hiddenLine xmlns:a14="http://schemas.microsoft.com/office/drawing/2010/main" xmlns="" w="9525" cap="flat">
                 <a:solidFill>
                   <a:srgbClr val="000000"/>
                 </a:solidFill>
@@ -21937,7 +21937,7 @@
               </a14:hiddenLine>
             </a:ext>
             <a:ext uri="{AF507438-7753-43e0-B8FC-AC1667EBCBE1}">
-              <a14:hiddenEffects xmlns="" xmlns:a14="http://schemas.microsoft.com/office/drawing/2010/main">
+              <a14:hiddenEffects xmlns:a14="http://schemas.microsoft.com/office/drawing/2010/main" xmlns="">
                 <a:effectLst>
                   <a:outerShdw blurRad="63500" dist="38099" dir="2700000" algn="ctr" rotWithShape="0">
                     <a:srgbClr val="000000">
@@ -21987,14 +21987,14 @@
           <a:effectLst/>
           <a:extLst>
             <a:ext uri="{909E8E84-426E-40dd-AFC4-6F175D3DCCD1}">
-              <a14:hiddenFill xmlns="" xmlns:a14="http://schemas.microsoft.com/office/drawing/2010/main">
+              <a14:hiddenFill xmlns:a14="http://schemas.microsoft.com/office/drawing/2010/main" xmlns="">
                 <a:solidFill>
                   <a:srgbClr val="FFFFFF"/>
                 </a:solidFill>
               </a14:hiddenFill>
             </a:ext>
             <a:ext uri="{91240B29-F687-4f45-9708-019B960494DF}">
-              <a14:hiddenLine xmlns="" xmlns:a14="http://schemas.microsoft.com/office/drawing/2010/main" w="9525" cap="flat">
+              <a14:hiddenLine xmlns:a14="http://schemas.microsoft.com/office/drawing/2010/main" xmlns="" w="9525" cap="flat">
                 <a:solidFill>
                   <a:srgbClr val="000000"/>
                 </a:solidFill>
@@ -22004,7 +22004,7 @@
               </a14:hiddenLine>
             </a:ext>
             <a:ext uri="{AF507438-7753-43e0-B8FC-AC1667EBCBE1}">
-              <a14:hiddenEffects xmlns="" xmlns:a14="http://schemas.microsoft.com/office/drawing/2010/main">
+              <a14:hiddenEffects xmlns:a14="http://schemas.microsoft.com/office/drawing/2010/main" xmlns="">
                 <a:effectLst>
                   <a:outerShdw blurRad="63500" dist="38099" dir="2700000" algn="ctr" rotWithShape="0">
                     <a:srgbClr val="000000">
@@ -22054,14 +22054,14 @@
           <a:effectLst/>
           <a:extLst>
             <a:ext uri="{909E8E84-426E-40dd-AFC4-6F175D3DCCD1}">
-              <a14:hiddenFill xmlns="" xmlns:a14="http://schemas.microsoft.com/office/drawing/2010/main">
+              <a14:hiddenFill xmlns:a14="http://schemas.microsoft.com/office/drawing/2010/main" xmlns="">
                 <a:solidFill>
                   <a:srgbClr val="FFFFFF"/>
                 </a:solidFill>
               </a14:hiddenFill>
             </a:ext>
             <a:ext uri="{91240B29-F687-4f45-9708-019B960494DF}">
-              <a14:hiddenLine xmlns="" xmlns:a14="http://schemas.microsoft.com/office/drawing/2010/main" w="9525" cap="flat">
+              <a14:hiddenLine xmlns:a14="http://schemas.microsoft.com/office/drawing/2010/main" xmlns="" w="9525" cap="flat">
                 <a:solidFill>
                   <a:srgbClr val="000000"/>
                 </a:solidFill>
@@ -22071,7 +22071,7 @@
               </a14:hiddenLine>
             </a:ext>
             <a:ext uri="{AF507438-7753-43e0-B8FC-AC1667EBCBE1}">
-              <a14:hiddenEffects xmlns="" xmlns:a14="http://schemas.microsoft.com/office/drawing/2010/main">
+              <a14:hiddenEffects xmlns:a14="http://schemas.microsoft.com/office/drawing/2010/main" xmlns="">
                 <a:effectLst>
                   <a:outerShdw blurRad="63500" dist="38099" dir="2700000" algn="ctr" rotWithShape="0">
                     <a:srgbClr val="000000">
@@ -22121,14 +22121,14 @@
           <a:effectLst/>
           <a:extLst>
             <a:ext uri="{909E8E84-426E-40dd-AFC4-6F175D3DCCD1}">
-              <a14:hiddenFill xmlns="" xmlns:a14="http://schemas.microsoft.com/office/drawing/2010/main">
+              <a14:hiddenFill xmlns:a14="http://schemas.microsoft.com/office/drawing/2010/main" xmlns="">
                 <a:solidFill>
                   <a:srgbClr val="FFFFFF"/>
                 </a:solidFill>
               </a14:hiddenFill>
             </a:ext>
             <a:ext uri="{91240B29-F687-4f45-9708-019B960494DF}">
-              <a14:hiddenLine xmlns="" xmlns:a14="http://schemas.microsoft.com/office/drawing/2010/main" w="9525" cap="flat">
+              <a14:hiddenLine xmlns:a14="http://schemas.microsoft.com/office/drawing/2010/main" xmlns="" w="9525" cap="flat">
                 <a:solidFill>
                   <a:srgbClr val="000000"/>
                 </a:solidFill>
@@ -22138,7 +22138,7 @@
               </a14:hiddenLine>
             </a:ext>
             <a:ext uri="{AF507438-7753-43e0-B8FC-AC1667EBCBE1}">
-              <a14:hiddenEffects xmlns="" xmlns:a14="http://schemas.microsoft.com/office/drawing/2010/main">
+              <a14:hiddenEffects xmlns:a14="http://schemas.microsoft.com/office/drawing/2010/main" xmlns="">
                 <a:effectLst>
                   <a:outerShdw blurRad="63500" dist="38099" dir="2700000" algn="ctr" rotWithShape="0">
                     <a:srgbClr val="000000">
@@ -22188,14 +22188,14 @@
           <a:effectLst/>
           <a:extLst>
             <a:ext uri="{909E8E84-426E-40dd-AFC4-6F175D3DCCD1}">
-              <a14:hiddenFill xmlns="" xmlns:a14="http://schemas.microsoft.com/office/drawing/2010/main">
+              <a14:hiddenFill xmlns:a14="http://schemas.microsoft.com/office/drawing/2010/main" xmlns="">
                 <a:solidFill>
                   <a:srgbClr val="FFFFFF"/>
                 </a:solidFill>
               </a14:hiddenFill>
             </a:ext>
             <a:ext uri="{91240B29-F687-4f45-9708-019B960494DF}">
-              <a14:hiddenLine xmlns="" xmlns:a14="http://schemas.microsoft.com/office/drawing/2010/main" w="9525" cap="flat">
+              <a14:hiddenLine xmlns:a14="http://schemas.microsoft.com/office/drawing/2010/main" xmlns="" w="9525" cap="flat">
                 <a:solidFill>
                   <a:srgbClr val="000000"/>
                 </a:solidFill>
@@ -22205,7 +22205,7 @@
               </a14:hiddenLine>
             </a:ext>
             <a:ext uri="{AF507438-7753-43e0-B8FC-AC1667EBCBE1}">
-              <a14:hiddenEffects xmlns="" xmlns:a14="http://schemas.microsoft.com/office/drawing/2010/main">
+              <a14:hiddenEffects xmlns:a14="http://schemas.microsoft.com/office/drawing/2010/main" xmlns="">
                 <a:effectLst>
                   <a:outerShdw blurRad="63500" dist="38099" dir="2700000" algn="ctr" rotWithShape="0">
                     <a:srgbClr val="000000">
@@ -22255,14 +22255,14 @@
           <a:effectLst/>
           <a:extLst>
             <a:ext uri="{909E8E84-426E-40dd-AFC4-6F175D3DCCD1}">
-              <a14:hiddenFill xmlns="" xmlns:a14="http://schemas.microsoft.com/office/drawing/2010/main">
+              <a14:hiddenFill xmlns:a14="http://schemas.microsoft.com/office/drawing/2010/main" xmlns="">
                 <a:solidFill>
                   <a:srgbClr val="FFFFFF"/>
                 </a:solidFill>
               </a14:hiddenFill>
             </a:ext>
             <a:ext uri="{91240B29-F687-4f45-9708-019B960494DF}">
-              <a14:hiddenLine xmlns="" xmlns:a14="http://schemas.microsoft.com/office/drawing/2010/main" w="9525" cap="flat">
+              <a14:hiddenLine xmlns:a14="http://schemas.microsoft.com/office/drawing/2010/main" xmlns="" w="9525" cap="flat">
                 <a:solidFill>
                   <a:srgbClr val="000000"/>
                 </a:solidFill>
@@ -22272,7 +22272,7 @@
               </a14:hiddenLine>
             </a:ext>
             <a:ext uri="{AF507438-7753-43e0-B8FC-AC1667EBCBE1}">
-              <a14:hiddenEffects xmlns="" xmlns:a14="http://schemas.microsoft.com/office/drawing/2010/main">
+              <a14:hiddenEffects xmlns:a14="http://schemas.microsoft.com/office/drawing/2010/main" xmlns="">
                 <a:effectLst>
                   <a:outerShdw blurRad="63500" dist="38099" dir="2700000" algn="ctr" rotWithShape="0">
                     <a:srgbClr val="000000">
@@ -22322,14 +22322,14 @@
           <a:effectLst/>
           <a:extLst>
             <a:ext uri="{909E8E84-426E-40dd-AFC4-6F175D3DCCD1}">
-              <a14:hiddenFill xmlns="" xmlns:a14="http://schemas.microsoft.com/office/drawing/2010/main">
+              <a14:hiddenFill xmlns:a14="http://schemas.microsoft.com/office/drawing/2010/main" xmlns="">
                 <a:solidFill>
                   <a:srgbClr val="FFFFFF"/>
                 </a:solidFill>
               </a14:hiddenFill>
             </a:ext>
             <a:ext uri="{91240B29-F687-4f45-9708-019B960494DF}">
-              <a14:hiddenLine xmlns="" xmlns:a14="http://schemas.microsoft.com/office/drawing/2010/main" w="9525" cap="flat">
+              <a14:hiddenLine xmlns:a14="http://schemas.microsoft.com/office/drawing/2010/main" xmlns="" w="9525" cap="flat">
                 <a:solidFill>
                   <a:srgbClr val="000000"/>
                 </a:solidFill>
@@ -22339,7 +22339,7 @@
               </a14:hiddenLine>
             </a:ext>
             <a:ext uri="{AF507438-7753-43e0-B8FC-AC1667EBCBE1}">
-              <a14:hiddenEffects xmlns="" xmlns:a14="http://schemas.microsoft.com/office/drawing/2010/main">
+              <a14:hiddenEffects xmlns:a14="http://schemas.microsoft.com/office/drawing/2010/main" xmlns="">
                 <a:effectLst>
                   <a:outerShdw blurRad="63500" dist="38099" dir="2700000" algn="ctr" rotWithShape="0">
                     <a:srgbClr val="000000">
@@ -22389,14 +22389,14 @@
           <a:effectLst/>
           <a:extLst>
             <a:ext uri="{909E8E84-426E-40dd-AFC4-6F175D3DCCD1}">
-              <a14:hiddenFill xmlns="" xmlns:a14="http://schemas.microsoft.com/office/drawing/2010/main">
+              <a14:hiddenFill xmlns:a14="http://schemas.microsoft.com/office/drawing/2010/main" xmlns="">
                 <a:solidFill>
                   <a:srgbClr val="FFFFFF"/>
                 </a:solidFill>
               </a14:hiddenFill>
             </a:ext>
             <a:ext uri="{91240B29-F687-4f45-9708-019B960494DF}">
-              <a14:hiddenLine xmlns="" xmlns:a14="http://schemas.microsoft.com/office/drawing/2010/main" w="9525" cap="flat">
+              <a14:hiddenLine xmlns:a14="http://schemas.microsoft.com/office/drawing/2010/main" xmlns="" w="9525" cap="flat">
                 <a:solidFill>
                   <a:srgbClr val="000000"/>
                 </a:solidFill>
@@ -22406,7 +22406,7 @@
               </a14:hiddenLine>
             </a:ext>
             <a:ext uri="{AF507438-7753-43e0-B8FC-AC1667EBCBE1}">
-              <a14:hiddenEffects xmlns="" xmlns:a14="http://schemas.microsoft.com/office/drawing/2010/main">
+              <a14:hiddenEffects xmlns:a14="http://schemas.microsoft.com/office/drawing/2010/main" xmlns="">
                 <a:effectLst>
                   <a:outerShdw blurRad="63500" dist="38099" dir="2700000" algn="ctr" rotWithShape="0">
                     <a:srgbClr val="000000">
@@ -22456,14 +22456,14 @@
           <a:effectLst/>
           <a:extLst>
             <a:ext uri="{909E8E84-426E-40dd-AFC4-6F175D3DCCD1}">
-              <a14:hiddenFill xmlns="" xmlns:a14="http://schemas.microsoft.com/office/drawing/2010/main">
+              <a14:hiddenFill xmlns:a14="http://schemas.microsoft.com/office/drawing/2010/main" xmlns="">
                 <a:solidFill>
                   <a:srgbClr val="FFFFFF"/>
                 </a:solidFill>
               </a14:hiddenFill>
             </a:ext>
             <a:ext uri="{91240B29-F687-4f45-9708-019B960494DF}">
-              <a14:hiddenLine xmlns="" xmlns:a14="http://schemas.microsoft.com/office/drawing/2010/main" w="9525" cap="flat">
+              <a14:hiddenLine xmlns:a14="http://schemas.microsoft.com/office/drawing/2010/main" xmlns="" w="9525" cap="flat">
                 <a:solidFill>
                   <a:srgbClr val="000000"/>
                 </a:solidFill>
@@ -22473,7 +22473,7 @@
               </a14:hiddenLine>
             </a:ext>
             <a:ext uri="{AF507438-7753-43e0-B8FC-AC1667EBCBE1}">
-              <a14:hiddenEffects xmlns="" xmlns:a14="http://schemas.microsoft.com/office/drawing/2010/main">
+              <a14:hiddenEffects xmlns:a14="http://schemas.microsoft.com/office/drawing/2010/main" xmlns="">
                 <a:effectLst>
                   <a:outerShdw blurRad="63500" dist="38099" dir="2700000" algn="ctr" rotWithShape="0">
                     <a:srgbClr val="000000">
@@ -22523,14 +22523,14 @@
           <a:effectLst/>
           <a:extLst>
             <a:ext uri="{909E8E84-426E-40dd-AFC4-6F175D3DCCD1}">
-              <a14:hiddenFill xmlns="" xmlns:a14="http://schemas.microsoft.com/office/drawing/2010/main">
+              <a14:hiddenFill xmlns:a14="http://schemas.microsoft.com/office/drawing/2010/main" xmlns="">
                 <a:solidFill>
                   <a:srgbClr val="FFFFFF"/>
                 </a:solidFill>
               </a14:hiddenFill>
             </a:ext>
             <a:ext uri="{91240B29-F687-4f45-9708-019B960494DF}">
-              <a14:hiddenLine xmlns="" xmlns:a14="http://schemas.microsoft.com/office/drawing/2010/main" w="9525" cap="flat">
+              <a14:hiddenLine xmlns:a14="http://schemas.microsoft.com/office/drawing/2010/main" xmlns="" w="9525" cap="flat">
                 <a:solidFill>
                   <a:srgbClr val="000000"/>
                 </a:solidFill>
@@ -22540,7 +22540,7 @@
               </a14:hiddenLine>
             </a:ext>
             <a:ext uri="{AF507438-7753-43e0-B8FC-AC1667EBCBE1}">
-              <a14:hiddenEffects xmlns="" xmlns:a14="http://schemas.microsoft.com/office/drawing/2010/main">
+              <a14:hiddenEffects xmlns:a14="http://schemas.microsoft.com/office/drawing/2010/main" xmlns="">
                 <a:effectLst>
                   <a:outerShdw blurRad="63500" dist="38099" dir="2700000" algn="ctr" rotWithShape="0">
                     <a:srgbClr val="000000">
@@ -22590,14 +22590,14 @@
           <a:effectLst/>
           <a:extLst>
             <a:ext uri="{909E8E84-426E-40dd-AFC4-6F175D3DCCD1}">
-              <a14:hiddenFill xmlns="" xmlns:a14="http://schemas.microsoft.com/office/drawing/2010/main">
+              <a14:hiddenFill xmlns:a14="http://schemas.microsoft.com/office/drawing/2010/main" xmlns="">
                 <a:solidFill>
                   <a:srgbClr val="FFFFFF"/>
                 </a:solidFill>
               </a14:hiddenFill>
             </a:ext>
             <a:ext uri="{91240B29-F687-4f45-9708-019B960494DF}">
-              <a14:hiddenLine xmlns="" xmlns:a14="http://schemas.microsoft.com/office/drawing/2010/main" w="9525" cap="flat">
+              <a14:hiddenLine xmlns:a14="http://schemas.microsoft.com/office/drawing/2010/main" xmlns="" w="9525" cap="flat">
                 <a:solidFill>
                   <a:srgbClr val="000000"/>
                 </a:solidFill>
@@ -22607,7 +22607,7 @@
               </a14:hiddenLine>
             </a:ext>
             <a:ext uri="{AF507438-7753-43e0-B8FC-AC1667EBCBE1}">
-              <a14:hiddenEffects xmlns="" xmlns:a14="http://schemas.microsoft.com/office/drawing/2010/main">
+              <a14:hiddenEffects xmlns:a14="http://schemas.microsoft.com/office/drawing/2010/main" xmlns="">
                 <a:effectLst>
                   <a:outerShdw blurRad="63500" dist="38099" dir="2700000" algn="ctr" rotWithShape="0">
                     <a:srgbClr val="000000">
@@ -22657,14 +22657,14 @@
           <a:effectLst/>
           <a:extLst>
             <a:ext uri="{909E8E84-426E-40dd-AFC4-6F175D3DCCD1}">
-              <a14:hiddenFill xmlns="" xmlns:a14="http://schemas.microsoft.com/office/drawing/2010/main">
+              <a14:hiddenFill xmlns:a14="http://schemas.microsoft.com/office/drawing/2010/main" xmlns="">
                 <a:solidFill>
                   <a:srgbClr val="FFFFFF"/>
                 </a:solidFill>
               </a14:hiddenFill>
             </a:ext>
             <a:ext uri="{91240B29-F687-4f45-9708-019B960494DF}">
-              <a14:hiddenLine xmlns="" xmlns:a14="http://schemas.microsoft.com/office/drawing/2010/main" w="9525" cap="flat">
+              <a14:hiddenLine xmlns:a14="http://schemas.microsoft.com/office/drawing/2010/main" xmlns="" w="9525" cap="flat">
                 <a:solidFill>
                   <a:srgbClr val="000000"/>
                 </a:solidFill>
@@ -22674,7 +22674,7 @@
               </a14:hiddenLine>
             </a:ext>
             <a:ext uri="{AF507438-7753-43e0-B8FC-AC1667EBCBE1}">
-              <a14:hiddenEffects xmlns="" xmlns:a14="http://schemas.microsoft.com/office/drawing/2010/main">
+              <a14:hiddenEffects xmlns:a14="http://schemas.microsoft.com/office/drawing/2010/main" xmlns="">
                 <a:effectLst>
                   <a:outerShdw blurRad="63500" dist="38099" dir="2700000" algn="ctr" rotWithShape="0">
                     <a:srgbClr val="000000">
@@ -22724,14 +22724,14 @@
           <a:effectLst/>
           <a:extLst>
             <a:ext uri="{909E8E84-426E-40dd-AFC4-6F175D3DCCD1}">
-              <a14:hiddenFill xmlns="" xmlns:a14="http://schemas.microsoft.com/office/drawing/2010/main">
+              <a14:hiddenFill xmlns:a14="http://schemas.microsoft.com/office/drawing/2010/main" xmlns="">
                 <a:solidFill>
                   <a:srgbClr val="FFFFFF"/>
                 </a:solidFill>
               </a14:hiddenFill>
             </a:ext>
             <a:ext uri="{91240B29-F687-4f45-9708-019B960494DF}">
-              <a14:hiddenLine xmlns="" xmlns:a14="http://schemas.microsoft.com/office/drawing/2010/main" w="9525" cap="flat">
+              <a14:hiddenLine xmlns:a14="http://schemas.microsoft.com/office/drawing/2010/main" xmlns="" w="9525" cap="flat">
                 <a:solidFill>
                   <a:srgbClr val="000000"/>
                 </a:solidFill>
@@ -22741,7 +22741,7 @@
               </a14:hiddenLine>
             </a:ext>
             <a:ext uri="{AF507438-7753-43e0-B8FC-AC1667EBCBE1}">
-              <a14:hiddenEffects xmlns="" xmlns:a14="http://schemas.microsoft.com/office/drawing/2010/main">
+              <a14:hiddenEffects xmlns:a14="http://schemas.microsoft.com/office/drawing/2010/main" xmlns="">
                 <a:effectLst>
                   <a:outerShdw blurRad="63500" dist="38099" dir="2700000" algn="ctr" rotWithShape="0">
                     <a:srgbClr val="000000">
@@ -22791,14 +22791,14 @@
           <a:effectLst/>
           <a:extLst>
             <a:ext uri="{909E8E84-426E-40dd-AFC4-6F175D3DCCD1}">
-              <a14:hiddenFill xmlns="" xmlns:a14="http://schemas.microsoft.com/office/drawing/2010/main">
+              <a14:hiddenFill xmlns:a14="http://schemas.microsoft.com/office/drawing/2010/main" xmlns="">
                 <a:solidFill>
                   <a:srgbClr val="FFFFFF"/>
                 </a:solidFill>
               </a14:hiddenFill>
             </a:ext>
             <a:ext uri="{91240B29-F687-4f45-9708-019B960494DF}">
-              <a14:hiddenLine xmlns="" xmlns:a14="http://schemas.microsoft.com/office/drawing/2010/main" w="9525" cap="flat">
+              <a14:hiddenLine xmlns:a14="http://schemas.microsoft.com/office/drawing/2010/main" xmlns="" w="9525" cap="flat">
                 <a:solidFill>
                   <a:srgbClr val="000000"/>
                 </a:solidFill>
@@ -22808,7 +22808,7 @@
               </a14:hiddenLine>
             </a:ext>
             <a:ext uri="{AF507438-7753-43e0-B8FC-AC1667EBCBE1}">
-              <a14:hiddenEffects xmlns="" xmlns:a14="http://schemas.microsoft.com/office/drawing/2010/main">
+              <a14:hiddenEffects xmlns:a14="http://schemas.microsoft.com/office/drawing/2010/main" xmlns="">
                 <a:effectLst>
                   <a:outerShdw blurRad="63500" dist="38099" dir="2700000" algn="ctr" rotWithShape="0">
                     <a:srgbClr val="000000">
@@ -23053,7 +23053,7 @@
           <a:effectLst/>
           <a:extLst>
             <a:ext uri="{AF507438-7753-43e0-B8FC-AC1667EBCBE1}">
-              <a14:hiddenEffects xmlns="" xmlns:a14="http://schemas.microsoft.com/office/drawing/2010/main">
+              <a14:hiddenEffects xmlns:a14="http://schemas.microsoft.com/office/drawing/2010/main" xmlns="">
                 <a:effectLst>
                   <a:outerShdw blurRad="63500" dist="38099" dir="2700000" algn="ctr" rotWithShape="0">
                     <a:srgbClr val="000000">
@@ -23103,7 +23103,7 @@
           <a:effectLst/>
           <a:extLst>
             <a:ext uri="{AF507438-7753-43e0-B8FC-AC1667EBCBE1}">
-              <a14:hiddenEffects xmlns="" xmlns:a14="http://schemas.microsoft.com/office/drawing/2010/main">
+              <a14:hiddenEffects xmlns:a14="http://schemas.microsoft.com/office/drawing/2010/main" xmlns="">
                 <a:effectLst>
                   <a:outerShdw blurRad="63500" dist="38099" dir="2700000" algn="ctr" rotWithShape="0">
                     <a:srgbClr val="000000">
@@ -23153,7 +23153,7 @@
           <a:effectLst/>
           <a:extLst>
             <a:ext uri="{AF507438-7753-43e0-B8FC-AC1667EBCBE1}">
-              <a14:hiddenEffects xmlns="" xmlns:a14="http://schemas.microsoft.com/office/drawing/2010/main">
+              <a14:hiddenEffects xmlns:a14="http://schemas.microsoft.com/office/drawing/2010/main" xmlns="">
                 <a:effectLst>
                   <a:outerShdw blurRad="63500" dist="38099" dir="2700000" algn="ctr" rotWithShape="0">
                     <a:srgbClr val="000000">
@@ -23203,7 +23203,7 @@
           <a:effectLst/>
           <a:extLst>
             <a:ext uri="{AF507438-7753-43e0-B8FC-AC1667EBCBE1}">
-              <a14:hiddenEffects xmlns="" xmlns:a14="http://schemas.microsoft.com/office/drawing/2010/main">
+              <a14:hiddenEffects xmlns:a14="http://schemas.microsoft.com/office/drawing/2010/main" xmlns="">
                 <a:effectLst>
                   <a:outerShdw blurRad="63500" dist="38099" dir="2700000" algn="ctr" rotWithShape="0">
                     <a:srgbClr val="000000">
@@ -23253,7 +23253,7 @@
           <a:effectLst/>
           <a:extLst>
             <a:ext uri="{AF507438-7753-43e0-B8FC-AC1667EBCBE1}">
-              <a14:hiddenEffects xmlns="" xmlns:a14="http://schemas.microsoft.com/office/drawing/2010/main">
+              <a14:hiddenEffects xmlns:a14="http://schemas.microsoft.com/office/drawing/2010/main" xmlns="">
                 <a:effectLst>
                   <a:outerShdw blurRad="63500" dist="38099" dir="2700000" algn="ctr" rotWithShape="0">
                     <a:srgbClr val="000000">
@@ -23303,7 +23303,7 @@
           <a:effectLst/>
           <a:extLst>
             <a:ext uri="{AF507438-7753-43e0-B8FC-AC1667EBCBE1}">
-              <a14:hiddenEffects xmlns="" xmlns:a14="http://schemas.microsoft.com/office/drawing/2010/main">
+              <a14:hiddenEffects xmlns:a14="http://schemas.microsoft.com/office/drawing/2010/main" xmlns="">
                 <a:effectLst>
                   <a:outerShdw blurRad="63500" dist="38099" dir="2700000" algn="ctr" rotWithShape="0">
                     <a:srgbClr val="000000">
@@ -23353,7 +23353,7 @@
           <a:effectLst/>
           <a:extLst>
             <a:ext uri="{AF507438-7753-43e0-B8FC-AC1667EBCBE1}">
-              <a14:hiddenEffects xmlns="" xmlns:a14="http://schemas.microsoft.com/office/drawing/2010/main">
+              <a14:hiddenEffects xmlns:a14="http://schemas.microsoft.com/office/drawing/2010/main" xmlns="">
                 <a:effectLst>
                   <a:outerShdw blurRad="63500" dist="38099" dir="2700000" algn="ctr" rotWithShape="0">
                     <a:srgbClr val="000000">
@@ -23403,7 +23403,7 @@
           <a:effectLst/>
           <a:extLst>
             <a:ext uri="{AF507438-7753-43e0-B8FC-AC1667EBCBE1}">
-              <a14:hiddenEffects xmlns="" xmlns:a14="http://schemas.microsoft.com/office/drawing/2010/main">
+              <a14:hiddenEffects xmlns:a14="http://schemas.microsoft.com/office/drawing/2010/main" xmlns="">
                 <a:effectLst>
                   <a:outerShdw blurRad="63500" dist="38099" dir="2700000" algn="ctr" rotWithShape="0">
                     <a:srgbClr val="000000">
@@ -23453,7 +23453,7 @@
           <a:effectLst/>
           <a:extLst>
             <a:ext uri="{AF507438-7753-43e0-B8FC-AC1667EBCBE1}">
-              <a14:hiddenEffects xmlns="" xmlns:a14="http://schemas.microsoft.com/office/drawing/2010/main">
+              <a14:hiddenEffects xmlns:a14="http://schemas.microsoft.com/office/drawing/2010/main" xmlns="">
                 <a:effectLst>
                   <a:outerShdw blurRad="63500" dist="38099" dir="2700000" algn="ctr" rotWithShape="0">
                     <a:srgbClr val="000000">
@@ -23503,7 +23503,7 @@
           <a:effectLst/>
           <a:extLst>
             <a:ext uri="{AF507438-7753-43e0-B8FC-AC1667EBCBE1}">
-              <a14:hiddenEffects xmlns="" xmlns:a14="http://schemas.microsoft.com/office/drawing/2010/main">
+              <a14:hiddenEffects xmlns:a14="http://schemas.microsoft.com/office/drawing/2010/main" xmlns="">
                 <a:effectLst>
                   <a:outerShdw blurRad="63500" dist="38099" dir="2700000" algn="ctr" rotWithShape="0">
                     <a:srgbClr val="000000">
@@ -23553,7 +23553,7 @@
           <a:effectLst/>
           <a:extLst>
             <a:ext uri="{AF507438-7753-43e0-B8FC-AC1667EBCBE1}">
-              <a14:hiddenEffects xmlns="" xmlns:a14="http://schemas.microsoft.com/office/drawing/2010/main">
+              <a14:hiddenEffects xmlns:a14="http://schemas.microsoft.com/office/drawing/2010/main" xmlns="">
                 <a:effectLst>
                   <a:outerShdw blurRad="63500" dist="38099" dir="2700000" algn="ctr" rotWithShape="0">
                     <a:srgbClr val="000000">
@@ -23603,7 +23603,7 @@
           <a:effectLst/>
           <a:extLst>
             <a:ext uri="{AF507438-7753-43e0-B8FC-AC1667EBCBE1}">
-              <a14:hiddenEffects xmlns="" xmlns:a14="http://schemas.microsoft.com/office/drawing/2010/main">
+              <a14:hiddenEffects xmlns:a14="http://schemas.microsoft.com/office/drawing/2010/main" xmlns="">
                 <a:effectLst>
                   <a:outerShdw blurRad="63500" dist="38099" dir="2700000" algn="ctr" rotWithShape="0">
                     <a:srgbClr val="000000">
@@ -23653,7 +23653,7 @@
           <a:effectLst/>
           <a:extLst>
             <a:ext uri="{AF507438-7753-43e0-B8FC-AC1667EBCBE1}">
-              <a14:hiddenEffects xmlns="" xmlns:a14="http://schemas.microsoft.com/office/drawing/2010/main">
+              <a14:hiddenEffects xmlns:a14="http://schemas.microsoft.com/office/drawing/2010/main" xmlns="">
                 <a:effectLst>
                   <a:outerShdw blurRad="63500" dist="38099" dir="2700000" algn="ctr" rotWithShape="0">
                     <a:srgbClr val="000000">
@@ -23794,14 +23794,14 @@
           <a:effectLst/>
           <a:extLst>
             <a:ext uri="{909E8E84-426E-40dd-AFC4-6F175D3DCCD1}">
-              <a14:hiddenFill xmlns="" xmlns:a14="http://schemas.microsoft.com/office/drawing/2010/main">
+              <a14:hiddenFill xmlns:a14="http://schemas.microsoft.com/office/drawing/2010/main" xmlns="">
                 <a:solidFill>
                   <a:srgbClr val="FFFFFF"/>
                 </a:solidFill>
               </a14:hiddenFill>
             </a:ext>
             <a:ext uri="{91240B29-F687-4f45-9708-019B960494DF}">
-              <a14:hiddenLine xmlns="" xmlns:a14="http://schemas.microsoft.com/office/drawing/2010/main" w="9525" cap="flat">
+              <a14:hiddenLine xmlns:a14="http://schemas.microsoft.com/office/drawing/2010/main" xmlns="" w="9525" cap="flat">
                 <a:solidFill>
                   <a:srgbClr val="000000"/>
                 </a:solidFill>
@@ -23811,7 +23811,7 @@
               </a14:hiddenLine>
             </a:ext>
             <a:ext uri="{AF507438-7753-43e0-B8FC-AC1667EBCBE1}">
-              <a14:hiddenEffects xmlns="" xmlns:a14="http://schemas.microsoft.com/office/drawing/2010/main">
+              <a14:hiddenEffects xmlns:a14="http://schemas.microsoft.com/office/drawing/2010/main" xmlns="">
                 <a:effectLst>
                   <a:outerShdw blurRad="63500" dist="38099" dir="2700000" algn="ctr" rotWithShape="0">
                     <a:srgbClr val="000000">
@@ -24040,14 +24040,14 @@
           <a:effectLst/>
           <a:extLst>
             <a:ext uri="{909E8E84-426E-40dd-AFC4-6F175D3DCCD1}">
-              <a14:hiddenFill xmlns="" xmlns:a14="http://schemas.microsoft.com/office/drawing/2010/main">
+              <a14:hiddenFill xmlns:a14="http://schemas.microsoft.com/office/drawing/2010/main" xmlns="">
                 <a:solidFill>
                   <a:srgbClr val="FFFFFF"/>
                 </a:solidFill>
               </a14:hiddenFill>
             </a:ext>
             <a:ext uri="{91240B29-F687-4f45-9708-019B960494DF}">
-              <a14:hiddenLine xmlns="" xmlns:a14="http://schemas.microsoft.com/office/drawing/2010/main" w="9525" cap="flat">
+              <a14:hiddenLine xmlns:a14="http://schemas.microsoft.com/office/drawing/2010/main" xmlns="" w="9525" cap="flat">
                 <a:solidFill>
                   <a:srgbClr val="000000"/>
                 </a:solidFill>
@@ -24057,7 +24057,7 @@
               </a14:hiddenLine>
             </a:ext>
             <a:ext uri="{AF507438-7753-43e0-B8FC-AC1667EBCBE1}">
-              <a14:hiddenEffects xmlns="" xmlns:a14="http://schemas.microsoft.com/office/drawing/2010/main">
+              <a14:hiddenEffects xmlns:a14="http://schemas.microsoft.com/office/drawing/2010/main" xmlns="">
                 <a:effectLst>
                   <a:outerShdw blurRad="63500" dist="38099" dir="2700000" algn="ctr" rotWithShape="0">
                     <a:srgbClr val="000000">
@@ -24107,14 +24107,14 @@
           <a:effectLst/>
           <a:extLst>
             <a:ext uri="{909E8E84-426E-40dd-AFC4-6F175D3DCCD1}">
-              <a14:hiddenFill xmlns="" xmlns:a14="http://schemas.microsoft.com/office/drawing/2010/main">
+              <a14:hiddenFill xmlns:a14="http://schemas.microsoft.com/office/drawing/2010/main" xmlns="">
                 <a:solidFill>
                   <a:srgbClr val="FFFFFF"/>
                 </a:solidFill>
               </a14:hiddenFill>
             </a:ext>
             <a:ext uri="{91240B29-F687-4f45-9708-019B960494DF}">
-              <a14:hiddenLine xmlns="" xmlns:a14="http://schemas.microsoft.com/office/drawing/2010/main" w="9525" cap="flat">
+              <a14:hiddenLine xmlns:a14="http://schemas.microsoft.com/office/drawing/2010/main" xmlns="" w="9525" cap="flat">
                 <a:solidFill>
                   <a:srgbClr val="000000"/>
                 </a:solidFill>
@@ -24124,7 +24124,7 @@
               </a14:hiddenLine>
             </a:ext>
             <a:ext uri="{AF507438-7753-43e0-B8FC-AC1667EBCBE1}">
-              <a14:hiddenEffects xmlns="" xmlns:a14="http://schemas.microsoft.com/office/drawing/2010/main">
+              <a14:hiddenEffects xmlns:a14="http://schemas.microsoft.com/office/drawing/2010/main" xmlns="">
                 <a:effectLst>
                   <a:outerShdw blurRad="63500" dist="38099" dir="2700000" algn="ctr" rotWithShape="0">
                     <a:srgbClr val="000000">
@@ -24181,7 +24181,7 @@
           <a:effectLst/>
           <a:extLst>
             <a:ext uri="{AF507438-7753-43e0-B8FC-AC1667EBCBE1}">
-              <a14:hiddenEffects xmlns="" xmlns:a14="http://schemas.microsoft.com/office/drawing/2010/main">
+              <a14:hiddenEffects xmlns:a14="http://schemas.microsoft.com/office/drawing/2010/main" xmlns="">
                 <a:effectLst>
                   <a:outerShdw blurRad="63500" dist="38099" dir="2700000" algn="ctr" rotWithShape="0">
                     <a:srgbClr val="000000">
@@ -24231,7 +24231,7 @@
           <a:effectLst/>
           <a:extLst>
             <a:ext uri="{AF507438-7753-43e0-B8FC-AC1667EBCBE1}">
-              <a14:hiddenEffects xmlns="" xmlns:a14="http://schemas.microsoft.com/office/drawing/2010/main">
+              <a14:hiddenEffects xmlns:a14="http://schemas.microsoft.com/office/drawing/2010/main" xmlns="">
                 <a:effectLst>
                   <a:outerShdw blurRad="63500" dist="38099" dir="2700000" algn="ctr" rotWithShape="0">
                     <a:srgbClr val="000000">
@@ -24274,14 +24274,14 @@
           <a:effectLst/>
           <a:extLst>
             <a:ext uri="{909E8E84-426E-40dd-AFC4-6F175D3DCCD1}">
-              <a14:hiddenFill xmlns="" xmlns:a14="http://schemas.microsoft.com/office/drawing/2010/main">
+              <a14:hiddenFill xmlns:a14="http://schemas.microsoft.com/office/drawing/2010/main" xmlns="">
                 <a:solidFill>
                   <a:srgbClr val="FFFFFF"/>
                 </a:solidFill>
               </a14:hiddenFill>
             </a:ext>
             <a:ext uri="{91240B29-F687-4f45-9708-019B960494DF}">
-              <a14:hiddenLine xmlns="" xmlns:a14="http://schemas.microsoft.com/office/drawing/2010/main" w="9525" cap="flat">
+              <a14:hiddenLine xmlns:a14="http://schemas.microsoft.com/office/drawing/2010/main" xmlns="" w="9525" cap="flat">
                 <a:solidFill>
                   <a:srgbClr val="000000"/>
                 </a:solidFill>
@@ -24291,7 +24291,7 @@
               </a14:hiddenLine>
             </a:ext>
             <a:ext uri="{AF507438-7753-43e0-B8FC-AC1667EBCBE1}">
-              <a14:hiddenEffects xmlns="" xmlns:a14="http://schemas.microsoft.com/office/drawing/2010/main">
+              <a14:hiddenEffects xmlns:a14="http://schemas.microsoft.com/office/drawing/2010/main" xmlns="">
                 <a:effectLst>
                   <a:outerShdw blurRad="63500" dist="38099" dir="2700000" algn="ctr" rotWithShape="0">
                     <a:srgbClr val="000000">
@@ -24348,7 +24348,7 @@
           <a:effectLst/>
           <a:extLst>
             <a:ext uri="{AF507438-7753-43e0-B8FC-AC1667EBCBE1}">
-              <a14:hiddenEffects xmlns="" xmlns:a14="http://schemas.microsoft.com/office/drawing/2010/main">
+              <a14:hiddenEffects xmlns:a14="http://schemas.microsoft.com/office/drawing/2010/main" xmlns="">
                 <a:effectLst>
                   <a:outerShdw blurRad="63500" dist="38099" dir="2700000" algn="ctr" rotWithShape="0">
                     <a:srgbClr val="000000">
@@ -24391,14 +24391,14 @@
           <a:effectLst/>
           <a:extLst>
             <a:ext uri="{909E8E84-426E-40dd-AFC4-6F175D3DCCD1}">
-              <a14:hiddenFill xmlns="" xmlns:a14="http://schemas.microsoft.com/office/drawing/2010/main">
+              <a14:hiddenFill xmlns:a14="http://schemas.microsoft.com/office/drawing/2010/main" xmlns="">
                 <a:solidFill>
                   <a:srgbClr val="FFFFFF"/>
                 </a:solidFill>
               </a14:hiddenFill>
             </a:ext>
             <a:ext uri="{91240B29-F687-4f45-9708-019B960494DF}">
-              <a14:hiddenLine xmlns="" xmlns:a14="http://schemas.microsoft.com/office/drawing/2010/main" w="9525" cap="flat">
+              <a14:hiddenLine xmlns:a14="http://schemas.microsoft.com/office/drawing/2010/main" xmlns="" w="9525" cap="flat">
                 <a:solidFill>
                   <a:srgbClr val="000000"/>
                 </a:solidFill>
@@ -24408,7 +24408,7 @@
               </a14:hiddenLine>
             </a:ext>
             <a:ext uri="{AF507438-7753-43e0-B8FC-AC1667EBCBE1}">
-              <a14:hiddenEffects xmlns="" xmlns:a14="http://schemas.microsoft.com/office/drawing/2010/main">
+              <a14:hiddenEffects xmlns:a14="http://schemas.microsoft.com/office/drawing/2010/main" xmlns="">
                 <a:effectLst>
                   <a:outerShdw blurRad="63500" dist="38099" dir="2700000" algn="ctr" rotWithShape="0">
                     <a:srgbClr val="000000">
@@ -24467,7 +24467,7 @@
           <a:effectLst/>
           <a:extLst>
             <a:ext uri="{AF507438-7753-43e0-B8FC-AC1667EBCBE1}">
-              <a14:hiddenEffects xmlns="" xmlns:a14="http://schemas.microsoft.com/office/drawing/2010/main">
+              <a14:hiddenEffects xmlns:a14="http://schemas.microsoft.com/office/drawing/2010/main" xmlns="">
                 <a:effectLst>
                   <a:outerShdw blurRad="63500" dist="38099" dir="2700000" algn="ctr" rotWithShape="0">
                     <a:srgbClr val="000000">
@@ -24519,7 +24519,7 @@
           <a:effectLst/>
           <a:extLst>
             <a:ext uri="{AF507438-7753-43e0-B8FC-AC1667EBCBE1}">
-              <a14:hiddenEffects xmlns="" xmlns:a14="http://schemas.microsoft.com/office/drawing/2010/main">
+              <a14:hiddenEffects xmlns:a14="http://schemas.microsoft.com/office/drawing/2010/main" xmlns="">
                 <a:effectLst>
                   <a:outerShdw blurRad="63500" dist="38099" dir="2700000" algn="ctr" rotWithShape="0">
                     <a:srgbClr val="000000">
@@ -24569,14 +24569,14 @@
           <a:effectLst/>
           <a:extLst>
             <a:ext uri="{909E8E84-426E-40dd-AFC4-6F175D3DCCD1}">
-              <a14:hiddenFill xmlns="" xmlns:a14="http://schemas.microsoft.com/office/drawing/2010/main">
+              <a14:hiddenFill xmlns:a14="http://schemas.microsoft.com/office/drawing/2010/main" xmlns="">
                 <a:solidFill>
                   <a:srgbClr val="FFFFFF"/>
                 </a:solidFill>
               </a14:hiddenFill>
             </a:ext>
             <a:ext uri="{AF507438-7753-43e0-B8FC-AC1667EBCBE1}">
-              <a14:hiddenEffects xmlns="" xmlns:a14="http://schemas.microsoft.com/office/drawing/2010/main">
+              <a14:hiddenEffects xmlns:a14="http://schemas.microsoft.com/office/drawing/2010/main" xmlns="">
                 <a:effectLst>
                   <a:outerShdw blurRad="63500" dist="38099" dir="2700000" algn="ctr" rotWithShape="0">
                     <a:srgbClr val="000000">
@@ -24628,7 +24628,7 @@
           <a:effectLst/>
           <a:extLst>
             <a:ext uri="{AF507438-7753-43e0-B8FC-AC1667EBCBE1}">
-              <a14:hiddenEffects xmlns="" xmlns:a14="http://schemas.microsoft.com/office/drawing/2010/main">
+              <a14:hiddenEffects xmlns:a14="http://schemas.microsoft.com/office/drawing/2010/main" xmlns="">
                 <a:effectLst>
                   <a:outerShdw blurRad="63500" dist="38099" dir="2700000" algn="ctr" rotWithShape="0">
                     <a:srgbClr val="000000">
@@ -24671,14 +24671,14 @@
           <a:effectLst/>
           <a:extLst>
             <a:ext uri="{909E8E84-426E-40dd-AFC4-6F175D3DCCD1}">
-              <a14:hiddenFill xmlns="" xmlns:a14="http://schemas.microsoft.com/office/drawing/2010/main">
+              <a14:hiddenFill xmlns:a14="http://schemas.microsoft.com/office/drawing/2010/main" xmlns="">
                 <a:solidFill>
                   <a:srgbClr val="FFFFFF"/>
                 </a:solidFill>
               </a14:hiddenFill>
             </a:ext>
             <a:ext uri="{91240B29-F687-4f45-9708-019B960494DF}">
-              <a14:hiddenLine xmlns="" xmlns:a14="http://schemas.microsoft.com/office/drawing/2010/main" w="9525" cap="flat">
+              <a14:hiddenLine xmlns:a14="http://schemas.microsoft.com/office/drawing/2010/main" xmlns="" w="9525" cap="flat">
                 <a:solidFill>
                   <a:srgbClr val="000000"/>
                 </a:solidFill>
@@ -24688,7 +24688,7 @@
               </a14:hiddenLine>
             </a:ext>
             <a:ext uri="{AF507438-7753-43e0-B8FC-AC1667EBCBE1}">
-              <a14:hiddenEffects xmlns="" xmlns:a14="http://schemas.microsoft.com/office/drawing/2010/main">
+              <a14:hiddenEffects xmlns:a14="http://schemas.microsoft.com/office/drawing/2010/main" xmlns="">
                 <a:effectLst>
                   <a:outerShdw blurRad="63500" dist="38099" dir="2700000" algn="ctr" rotWithShape="0">
                     <a:srgbClr val="000000">
@@ -24917,7 +24917,7 @@
           <a:effectLst/>
           <a:extLst>
             <a:ext uri="{AF507438-7753-43e0-B8FC-AC1667EBCBE1}">
-              <a14:hiddenEffects xmlns="" xmlns:a14="http://schemas.microsoft.com/office/drawing/2010/main">
+              <a14:hiddenEffects xmlns:a14="http://schemas.microsoft.com/office/drawing/2010/main" xmlns="">
                 <a:effectLst>
                   <a:outerShdw blurRad="63500" dist="38099" dir="2700000" algn="ctr" rotWithShape="0">
                     <a:srgbClr val="000000">
@@ -24960,14 +24960,14 @@
           <a:effectLst/>
           <a:extLst>
             <a:ext uri="{909E8E84-426E-40dd-AFC4-6F175D3DCCD1}">
-              <a14:hiddenFill xmlns="" xmlns:a14="http://schemas.microsoft.com/office/drawing/2010/main">
+              <a14:hiddenFill xmlns:a14="http://schemas.microsoft.com/office/drawing/2010/main" xmlns="">
                 <a:solidFill>
                   <a:srgbClr val="FFFFFF"/>
                 </a:solidFill>
               </a14:hiddenFill>
             </a:ext>
             <a:ext uri="{91240B29-F687-4f45-9708-019B960494DF}">
-              <a14:hiddenLine xmlns="" xmlns:a14="http://schemas.microsoft.com/office/drawing/2010/main" w="9525" cap="flat">
+              <a14:hiddenLine xmlns:a14="http://schemas.microsoft.com/office/drawing/2010/main" xmlns="" w="9525" cap="flat">
                 <a:solidFill>
                   <a:srgbClr val="000000"/>
                 </a:solidFill>
@@ -24977,7 +24977,7 @@
               </a14:hiddenLine>
             </a:ext>
             <a:ext uri="{AF507438-7753-43e0-B8FC-AC1667EBCBE1}">
-              <a14:hiddenEffects xmlns="" xmlns:a14="http://schemas.microsoft.com/office/drawing/2010/main">
+              <a14:hiddenEffects xmlns:a14="http://schemas.microsoft.com/office/drawing/2010/main" xmlns="">
                 <a:effectLst>
                   <a:outerShdw blurRad="63500" dist="38099" dir="2700000" algn="ctr" rotWithShape="0">
                     <a:srgbClr val="000000">
@@ -25211,12 +25211,12 @@
           <a:effectLst/>
           <a:extLst>
             <a:ext uri="{909E8E84-426E-40dd-AFC4-6F175D3DCCD1}">
-              <a14:hiddenFill xmlns="" xmlns:a14="http://schemas.microsoft.com/office/drawing/2010/main">
+              <a14:hiddenFill xmlns:a14="http://schemas.microsoft.com/office/drawing/2010/main" xmlns="">
                 <a:noFill/>
               </a14:hiddenFill>
             </a:ext>
             <a:ext uri="{AF507438-7753-43e0-B8FC-AC1667EBCBE1}">
-              <a14:hiddenEffects xmlns="" xmlns:a14="http://schemas.microsoft.com/office/drawing/2010/main">
+              <a14:hiddenEffects xmlns:a14="http://schemas.microsoft.com/office/drawing/2010/main" xmlns="">
                 <a:effectLst>
                   <a:outerShdw blurRad="63500" dist="38099" dir="2700000" algn="ctr" rotWithShape="0">
                     <a:srgbClr val="000000">
@@ -25259,14 +25259,14 @@
           <a:effectLst/>
           <a:extLst>
             <a:ext uri="{909E8E84-426E-40dd-AFC4-6F175D3DCCD1}">
-              <a14:hiddenFill xmlns="" xmlns:a14="http://schemas.microsoft.com/office/drawing/2010/main">
+              <a14:hiddenFill xmlns:a14="http://schemas.microsoft.com/office/drawing/2010/main" xmlns="">
                 <a:solidFill>
                   <a:srgbClr val="FFFFFF"/>
                 </a:solidFill>
               </a14:hiddenFill>
             </a:ext>
             <a:ext uri="{91240B29-F687-4f45-9708-019B960494DF}">
-              <a14:hiddenLine xmlns="" xmlns:a14="http://schemas.microsoft.com/office/drawing/2010/main" w="9525" cap="flat">
+              <a14:hiddenLine xmlns:a14="http://schemas.microsoft.com/office/drawing/2010/main" xmlns="" w="9525" cap="flat">
                 <a:solidFill>
                   <a:srgbClr val="000000"/>
                 </a:solidFill>
@@ -25276,7 +25276,7 @@
               </a14:hiddenLine>
             </a:ext>
             <a:ext uri="{AF507438-7753-43e0-B8FC-AC1667EBCBE1}">
-              <a14:hiddenEffects xmlns="" xmlns:a14="http://schemas.microsoft.com/office/drawing/2010/main">
+              <a14:hiddenEffects xmlns:a14="http://schemas.microsoft.com/office/drawing/2010/main" xmlns="">
                 <a:effectLst>
                   <a:outerShdw blurRad="63500" dist="38099" dir="2700000" algn="ctr" rotWithShape="0">
                     <a:srgbClr val="000000">
@@ -25503,7 +25503,7 @@
           <a:effectLst/>
           <a:extLst>
             <a:ext uri="{AF507438-7753-43e0-B8FC-AC1667EBCBE1}">
-              <a14:hiddenEffects xmlns="" xmlns:a14="http://schemas.microsoft.com/office/drawing/2010/main">
+              <a14:hiddenEffects xmlns:a14="http://schemas.microsoft.com/office/drawing/2010/main" xmlns="">
                 <a:effectLst>
                   <a:outerShdw blurRad="63500" dist="38099" dir="2700000" algn="ctr" rotWithShape="0">
                     <a:srgbClr val="000000">
@@ -25555,7 +25555,7 @@
           <a:effectLst/>
           <a:extLst>
             <a:ext uri="{AF507438-7753-43e0-B8FC-AC1667EBCBE1}">
-              <a14:hiddenEffects xmlns="" xmlns:a14="http://schemas.microsoft.com/office/drawing/2010/main">
+              <a14:hiddenEffects xmlns:a14="http://schemas.microsoft.com/office/drawing/2010/main" xmlns="">
                 <a:effectLst>
                   <a:outerShdw blurRad="63500" dist="38099" dir="2700000" algn="ctr" rotWithShape="0">
                     <a:srgbClr val="000000">
@@ -25607,7 +25607,7 @@
           <a:effectLst/>
           <a:extLst>
             <a:ext uri="{AF507438-7753-43e0-B8FC-AC1667EBCBE1}">
-              <a14:hiddenEffects xmlns="" xmlns:a14="http://schemas.microsoft.com/office/drawing/2010/main">
+              <a14:hiddenEffects xmlns:a14="http://schemas.microsoft.com/office/drawing/2010/main" xmlns="">
                 <a:effectLst>
                   <a:outerShdw blurRad="63500" dist="38099" dir="2700000" algn="ctr" rotWithShape="0">
                     <a:srgbClr val="000000">
@@ -25650,14 +25650,14 @@
           <a:effectLst/>
           <a:extLst>
             <a:ext uri="{909E8E84-426E-40dd-AFC4-6F175D3DCCD1}">
-              <a14:hiddenFill xmlns="" xmlns:a14="http://schemas.microsoft.com/office/drawing/2010/main">
+              <a14:hiddenFill xmlns:a14="http://schemas.microsoft.com/office/drawing/2010/main" xmlns="">
                 <a:solidFill>
                   <a:srgbClr val="FFFFFF"/>
                 </a:solidFill>
               </a14:hiddenFill>
             </a:ext>
             <a:ext uri="{91240B29-F687-4f45-9708-019B960494DF}">
-              <a14:hiddenLine xmlns="" xmlns:a14="http://schemas.microsoft.com/office/drawing/2010/main" w="9525" cap="flat">
+              <a14:hiddenLine xmlns:a14="http://schemas.microsoft.com/office/drawing/2010/main" xmlns="" w="9525" cap="flat">
                 <a:solidFill>
                   <a:srgbClr val="000000"/>
                 </a:solidFill>
@@ -25667,7 +25667,7 @@
               </a14:hiddenLine>
             </a:ext>
             <a:ext uri="{AF507438-7753-43e0-B8FC-AC1667EBCBE1}">
-              <a14:hiddenEffects xmlns="" xmlns:a14="http://schemas.microsoft.com/office/drawing/2010/main">
+              <a14:hiddenEffects xmlns:a14="http://schemas.microsoft.com/office/drawing/2010/main" xmlns="">
                 <a:effectLst>
                   <a:outerShdw blurRad="63500" dist="38099" dir="2700000" algn="ctr" rotWithShape="0">
                     <a:srgbClr val="000000">
@@ -25717,14 +25717,14 @@
           <a:effectLst/>
           <a:extLst>
             <a:ext uri="{909E8E84-426E-40dd-AFC4-6F175D3DCCD1}">
-              <a14:hiddenFill xmlns="" xmlns:a14="http://schemas.microsoft.com/office/drawing/2010/main">
+              <a14:hiddenFill xmlns:a14="http://schemas.microsoft.com/office/drawing/2010/main" xmlns="">
                 <a:solidFill>
                   <a:srgbClr val="FFFFFF"/>
                 </a:solidFill>
               </a14:hiddenFill>
             </a:ext>
             <a:ext uri="{91240B29-F687-4f45-9708-019B960494DF}">
-              <a14:hiddenLine xmlns="" xmlns:a14="http://schemas.microsoft.com/office/drawing/2010/main" w="9525" cap="flat">
+              <a14:hiddenLine xmlns:a14="http://schemas.microsoft.com/office/drawing/2010/main" xmlns="" w="9525" cap="flat">
                 <a:solidFill>
                   <a:srgbClr val="000000"/>
                 </a:solidFill>
@@ -25734,7 +25734,7 @@
               </a14:hiddenLine>
             </a:ext>
             <a:ext uri="{AF507438-7753-43e0-B8FC-AC1667EBCBE1}">
-              <a14:hiddenEffects xmlns="" xmlns:a14="http://schemas.microsoft.com/office/drawing/2010/main">
+              <a14:hiddenEffects xmlns:a14="http://schemas.microsoft.com/office/drawing/2010/main" xmlns="">
                 <a:effectLst>
                   <a:outerShdw blurRad="63500" dist="38099" dir="2700000" algn="ctr" rotWithShape="0">
                     <a:srgbClr val="000000">
@@ -25789,12 +25789,12 @@
           <a:effectLst/>
           <a:extLst>
             <a:ext uri="{909E8E84-426E-40dd-AFC4-6F175D3DCCD1}">
-              <a14:hiddenFill xmlns="" xmlns:a14="http://schemas.microsoft.com/office/drawing/2010/main">
+              <a14:hiddenFill xmlns:a14="http://schemas.microsoft.com/office/drawing/2010/main" xmlns="">
                 <a:noFill/>
               </a14:hiddenFill>
             </a:ext>
             <a:ext uri="{AF507438-7753-43e0-B8FC-AC1667EBCBE1}">
-              <a14:hiddenEffects xmlns="" xmlns:a14="http://schemas.microsoft.com/office/drawing/2010/main">
+              <a14:hiddenEffects xmlns:a14="http://schemas.microsoft.com/office/drawing/2010/main" xmlns="">
                 <a:effectLst>
                   <a:outerShdw blurRad="63500" dist="38099" dir="2700000" algn="ctr" rotWithShape="0">
                     <a:srgbClr val="000000">
@@ -25837,14 +25837,14 @@
           <a:effectLst/>
           <a:extLst>
             <a:ext uri="{909E8E84-426E-40dd-AFC4-6F175D3DCCD1}">
-              <a14:hiddenFill xmlns="" xmlns:a14="http://schemas.microsoft.com/office/drawing/2010/main">
+              <a14:hiddenFill xmlns:a14="http://schemas.microsoft.com/office/drawing/2010/main" xmlns="">
                 <a:solidFill>
                   <a:srgbClr val="FFFFFF"/>
                 </a:solidFill>
               </a14:hiddenFill>
             </a:ext>
             <a:ext uri="{91240B29-F687-4f45-9708-019B960494DF}">
-              <a14:hiddenLine xmlns="" xmlns:a14="http://schemas.microsoft.com/office/drawing/2010/main" w="9525" cap="flat">
+              <a14:hiddenLine xmlns:a14="http://schemas.microsoft.com/office/drawing/2010/main" xmlns="" w="9525" cap="flat">
                 <a:solidFill>
                   <a:srgbClr val="000000"/>
                 </a:solidFill>
@@ -25854,7 +25854,7 @@
               </a14:hiddenLine>
             </a:ext>
             <a:ext uri="{AF507438-7753-43e0-B8FC-AC1667EBCBE1}">
-              <a14:hiddenEffects xmlns="" xmlns:a14="http://schemas.microsoft.com/office/drawing/2010/main">
+              <a14:hiddenEffects xmlns:a14="http://schemas.microsoft.com/office/drawing/2010/main" xmlns="">
                 <a:effectLst>
                   <a:outerShdw blurRad="63500" dist="38099" dir="2700000" algn="ctr" rotWithShape="0">
                     <a:srgbClr val="000000">
@@ -25913,7 +25913,7 @@
           <a:effectLst/>
           <a:extLst>
             <a:ext uri="{AF507438-7753-43e0-B8FC-AC1667EBCBE1}">
-              <a14:hiddenEffects xmlns="" xmlns:a14="http://schemas.microsoft.com/office/drawing/2010/main">
+              <a14:hiddenEffects xmlns:a14="http://schemas.microsoft.com/office/drawing/2010/main" xmlns="">
                 <a:effectLst>
                   <a:outerShdw blurRad="63500" dist="38099" dir="2700000" algn="ctr" rotWithShape="0">
                     <a:srgbClr val="000000">
@@ -25956,14 +25956,14 @@
           <a:effectLst/>
           <a:extLst>
             <a:ext uri="{909E8E84-426E-40dd-AFC4-6F175D3DCCD1}">
-              <a14:hiddenFill xmlns="" xmlns:a14="http://schemas.microsoft.com/office/drawing/2010/main">
+              <a14:hiddenFill xmlns:a14="http://schemas.microsoft.com/office/drawing/2010/main" xmlns="">
                 <a:solidFill>
                   <a:srgbClr val="FFFFFF"/>
                 </a:solidFill>
               </a14:hiddenFill>
             </a:ext>
             <a:ext uri="{91240B29-F687-4f45-9708-019B960494DF}">
-              <a14:hiddenLine xmlns="" xmlns:a14="http://schemas.microsoft.com/office/drawing/2010/main" w="9525" cap="flat">
+              <a14:hiddenLine xmlns:a14="http://schemas.microsoft.com/office/drawing/2010/main" xmlns="" w="9525" cap="flat">
                 <a:solidFill>
                   <a:srgbClr val="000000"/>
                 </a:solidFill>
@@ -25973,7 +25973,7 @@
               </a14:hiddenLine>
             </a:ext>
             <a:ext uri="{AF507438-7753-43e0-B8FC-AC1667EBCBE1}">
-              <a14:hiddenEffects xmlns="" xmlns:a14="http://schemas.microsoft.com/office/drawing/2010/main">
+              <a14:hiddenEffects xmlns:a14="http://schemas.microsoft.com/office/drawing/2010/main" xmlns="">
                 <a:effectLst>
                   <a:outerShdw blurRad="63500" dist="38099" dir="2700000" algn="ctr" rotWithShape="0">
                     <a:srgbClr val="000000">
@@ -26209,7 +26209,7 @@
           <a:effectLst/>
           <a:extLst>
             <a:ext uri="{AF507438-7753-43e0-B8FC-AC1667EBCBE1}">
-              <a14:hiddenEffects xmlns="" xmlns:a14="http://schemas.microsoft.com/office/drawing/2010/main">
+              <a14:hiddenEffects xmlns:a14="http://schemas.microsoft.com/office/drawing/2010/main" xmlns="">
                 <a:effectLst>
                   <a:outerShdw blurRad="63500" dist="38099" dir="2700000" algn="ctr" rotWithShape="0">
                     <a:srgbClr val="000000">
@@ -26257,12 +26257,12 @@
           <a:effectLst/>
           <a:extLst>
             <a:ext uri="{909E8E84-426E-40dd-AFC4-6F175D3DCCD1}">
-              <a14:hiddenFill xmlns="" xmlns:a14="http://schemas.microsoft.com/office/drawing/2010/main">
+              <a14:hiddenFill xmlns:a14="http://schemas.microsoft.com/office/drawing/2010/main" xmlns="">
                 <a:noFill/>
               </a14:hiddenFill>
             </a:ext>
             <a:ext uri="{AF507438-7753-43e0-B8FC-AC1667EBCBE1}">
-              <a14:hiddenEffects xmlns="" xmlns:a14="http://schemas.microsoft.com/office/drawing/2010/main">
+              <a14:hiddenEffects xmlns:a14="http://schemas.microsoft.com/office/drawing/2010/main" xmlns="">
                 <a:effectLst>
                   <a:outerShdw blurRad="63500" dist="38099" dir="2700000" algn="ctr" rotWithShape="0">
                     <a:srgbClr val="000000">
@@ -26314,7 +26314,7 @@
           <a:effectLst/>
           <a:extLst>
             <a:ext uri="{AF507438-7753-43e0-B8FC-AC1667EBCBE1}">
-              <a14:hiddenEffects xmlns="" xmlns:a14="http://schemas.microsoft.com/office/drawing/2010/main">
+              <a14:hiddenEffects xmlns:a14="http://schemas.microsoft.com/office/drawing/2010/main" xmlns="">
                 <a:effectLst>
                   <a:outerShdw blurRad="63500" dist="38099" dir="2700000" algn="ctr" rotWithShape="0">
                     <a:srgbClr val="000000">
@@ -26366,7 +26366,7 @@
           <a:effectLst/>
           <a:extLst>
             <a:ext uri="{AF507438-7753-43e0-B8FC-AC1667EBCBE1}">
-              <a14:hiddenEffects xmlns="" xmlns:a14="http://schemas.microsoft.com/office/drawing/2010/main">
+              <a14:hiddenEffects xmlns:a14="http://schemas.microsoft.com/office/drawing/2010/main" xmlns="">
                 <a:effectLst>
                   <a:outerShdw blurRad="63500" dist="38099" dir="2700000" algn="ctr" rotWithShape="0">
                     <a:srgbClr val="000000">
@@ -26414,12 +26414,12 @@
           <a:effectLst/>
           <a:extLst>
             <a:ext uri="{909E8E84-426E-40dd-AFC4-6F175D3DCCD1}">
-              <a14:hiddenFill xmlns="" xmlns:a14="http://schemas.microsoft.com/office/drawing/2010/main">
+              <a14:hiddenFill xmlns:a14="http://schemas.microsoft.com/office/drawing/2010/main" xmlns="">
                 <a:noFill/>
               </a14:hiddenFill>
             </a:ext>
             <a:ext uri="{AF507438-7753-43e0-B8FC-AC1667EBCBE1}">
-              <a14:hiddenEffects xmlns="" xmlns:a14="http://schemas.microsoft.com/office/drawing/2010/main">
+              <a14:hiddenEffects xmlns:a14="http://schemas.microsoft.com/office/drawing/2010/main" xmlns="">
                 <a:effectLst>
                   <a:outerShdw blurRad="63500" dist="38099" dir="2700000" algn="ctr" rotWithShape="0">
                     <a:srgbClr val="000000">
@@ -26469,7 +26469,7 @@
           <a:effectLst/>
           <a:extLst>
             <a:ext uri="{AF507438-7753-43e0-B8FC-AC1667EBCBE1}">
-              <a14:hiddenEffects xmlns="" xmlns:a14="http://schemas.microsoft.com/office/drawing/2010/main">
+              <a14:hiddenEffects xmlns:a14="http://schemas.microsoft.com/office/drawing/2010/main" xmlns="">
                 <a:effectLst>
                   <a:outerShdw blurRad="63500" dist="38099" dir="2700000" algn="ctr" rotWithShape="0">
                     <a:srgbClr val="000000">
@@ -26519,7 +26519,7 @@
           <a:effectLst/>
           <a:extLst>
             <a:ext uri="{AF507438-7753-43e0-B8FC-AC1667EBCBE1}">
-              <a14:hiddenEffects xmlns="" xmlns:a14="http://schemas.microsoft.com/office/drawing/2010/main">
+              <a14:hiddenEffects xmlns:a14="http://schemas.microsoft.com/office/drawing/2010/main" xmlns="">
                 <a:effectLst>
                   <a:outerShdw blurRad="63500" dist="38099" dir="2700000" algn="ctr" rotWithShape="0">
                     <a:srgbClr val="000000">
@@ -26562,14 +26562,14 @@
           <a:effectLst/>
           <a:extLst>
             <a:ext uri="{909E8E84-426E-40dd-AFC4-6F175D3DCCD1}">
-              <a14:hiddenFill xmlns="" xmlns:a14="http://schemas.microsoft.com/office/drawing/2010/main">
+              <a14:hiddenFill xmlns:a14="http://schemas.microsoft.com/office/drawing/2010/main" xmlns="">
                 <a:solidFill>
                   <a:srgbClr val="FFFFFF"/>
                 </a:solidFill>
               </a14:hiddenFill>
             </a:ext>
             <a:ext uri="{91240B29-F687-4f45-9708-019B960494DF}">
-              <a14:hiddenLine xmlns="" xmlns:a14="http://schemas.microsoft.com/office/drawing/2010/main" w="9525" cap="flat">
+              <a14:hiddenLine xmlns:a14="http://schemas.microsoft.com/office/drawing/2010/main" xmlns="" w="9525" cap="flat">
                 <a:solidFill>
                   <a:srgbClr val="000000"/>
                 </a:solidFill>
@@ -26579,7 +26579,7 @@
               </a14:hiddenLine>
             </a:ext>
             <a:ext uri="{AF507438-7753-43e0-B8FC-AC1667EBCBE1}">
-              <a14:hiddenEffects xmlns="" xmlns:a14="http://schemas.microsoft.com/office/drawing/2010/main">
+              <a14:hiddenEffects xmlns:a14="http://schemas.microsoft.com/office/drawing/2010/main" xmlns="">
                 <a:effectLst>
                   <a:outerShdw blurRad="63500" dist="38099" dir="2700000" algn="ctr" rotWithShape="0">
                     <a:srgbClr val="000000">
@@ -26629,14 +26629,14 @@
           <a:effectLst/>
           <a:extLst>
             <a:ext uri="{909E8E84-426E-40dd-AFC4-6F175D3DCCD1}">
-              <a14:hiddenFill xmlns="" xmlns:a14="http://schemas.microsoft.com/office/drawing/2010/main">
+              <a14:hiddenFill xmlns:a14="http://schemas.microsoft.com/office/drawing/2010/main" xmlns="">
                 <a:solidFill>
                   <a:srgbClr val="FFFFFF"/>
                 </a:solidFill>
               </a14:hiddenFill>
             </a:ext>
             <a:ext uri="{91240B29-F687-4f45-9708-019B960494DF}">
-              <a14:hiddenLine xmlns="" xmlns:a14="http://schemas.microsoft.com/office/drawing/2010/main" w="9525" cap="flat">
+              <a14:hiddenLine xmlns:a14="http://schemas.microsoft.com/office/drawing/2010/main" xmlns="" w="9525" cap="flat">
                 <a:solidFill>
                   <a:srgbClr val="000000"/>
                 </a:solidFill>
@@ -26646,7 +26646,7 @@
               </a14:hiddenLine>
             </a:ext>
             <a:ext uri="{AF507438-7753-43e0-B8FC-AC1667EBCBE1}">
-              <a14:hiddenEffects xmlns="" xmlns:a14="http://schemas.microsoft.com/office/drawing/2010/main">
+              <a14:hiddenEffects xmlns:a14="http://schemas.microsoft.com/office/drawing/2010/main" xmlns="">
                 <a:effectLst>
                   <a:outerShdw blurRad="63500" dist="38099" dir="2700000" algn="ctr" rotWithShape="0">
                     <a:srgbClr val="000000">
@@ -26696,14 +26696,14 @@
           <a:effectLst/>
           <a:extLst>
             <a:ext uri="{909E8E84-426E-40dd-AFC4-6F175D3DCCD1}">
-              <a14:hiddenFill xmlns="" xmlns:a14="http://schemas.microsoft.com/office/drawing/2010/main">
+              <a14:hiddenFill xmlns:a14="http://schemas.microsoft.com/office/drawing/2010/main" xmlns="">
                 <a:solidFill>
                   <a:srgbClr val="FFFFFF"/>
                 </a:solidFill>
               </a14:hiddenFill>
             </a:ext>
             <a:ext uri="{91240B29-F687-4f45-9708-019B960494DF}">
-              <a14:hiddenLine xmlns="" xmlns:a14="http://schemas.microsoft.com/office/drawing/2010/main" w="9525" cap="flat">
+              <a14:hiddenLine xmlns:a14="http://schemas.microsoft.com/office/drawing/2010/main" xmlns="" w="9525" cap="flat">
                 <a:solidFill>
                   <a:srgbClr val="000000"/>
                 </a:solidFill>
@@ -26713,7 +26713,7 @@
               </a14:hiddenLine>
             </a:ext>
             <a:ext uri="{AF507438-7753-43e0-B8FC-AC1667EBCBE1}">
-              <a14:hiddenEffects xmlns="" xmlns:a14="http://schemas.microsoft.com/office/drawing/2010/main">
+              <a14:hiddenEffects xmlns:a14="http://schemas.microsoft.com/office/drawing/2010/main" xmlns="">
                 <a:effectLst>
                   <a:outerShdw blurRad="63500" dist="38099" dir="2700000" algn="ctr" rotWithShape="0">
                     <a:srgbClr val="000000">
@@ -26763,14 +26763,14 @@
           <a:effectLst/>
           <a:extLst>
             <a:ext uri="{909E8E84-426E-40dd-AFC4-6F175D3DCCD1}">
-              <a14:hiddenFill xmlns="" xmlns:a14="http://schemas.microsoft.com/office/drawing/2010/main">
+              <a14:hiddenFill xmlns:a14="http://schemas.microsoft.com/office/drawing/2010/main" xmlns="">
                 <a:solidFill>
                   <a:srgbClr val="FFFFFF"/>
                 </a:solidFill>
               </a14:hiddenFill>
             </a:ext>
             <a:ext uri="{91240B29-F687-4f45-9708-019B960494DF}">
-              <a14:hiddenLine xmlns="" xmlns:a14="http://schemas.microsoft.com/office/drawing/2010/main" w="9525" cap="flat">
+              <a14:hiddenLine xmlns:a14="http://schemas.microsoft.com/office/drawing/2010/main" xmlns="" w="9525" cap="flat">
                 <a:solidFill>
                   <a:srgbClr val="000000"/>
                 </a:solidFill>
@@ -26780,7 +26780,7 @@
               </a14:hiddenLine>
             </a:ext>
             <a:ext uri="{AF507438-7753-43e0-B8FC-AC1667EBCBE1}">
-              <a14:hiddenEffects xmlns="" xmlns:a14="http://schemas.microsoft.com/office/drawing/2010/main">
+              <a14:hiddenEffects xmlns:a14="http://schemas.microsoft.com/office/drawing/2010/main" xmlns="">
                 <a:effectLst>
                   <a:outerShdw blurRad="63500" dist="38099" dir="2700000" algn="ctr" rotWithShape="0">
                     <a:srgbClr val="000000">
@@ -26830,14 +26830,14 @@
           <a:effectLst/>
           <a:extLst>
             <a:ext uri="{909E8E84-426E-40dd-AFC4-6F175D3DCCD1}">
-              <a14:hiddenFill xmlns="" xmlns:a14="http://schemas.microsoft.com/office/drawing/2010/main">
+              <a14:hiddenFill xmlns:a14="http://schemas.microsoft.com/office/drawing/2010/main" xmlns="">
                 <a:solidFill>
                   <a:srgbClr val="FFFFFF"/>
                 </a:solidFill>
               </a14:hiddenFill>
             </a:ext>
             <a:ext uri="{91240B29-F687-4f45-9708-019B960494DF}">
-              <a14:hiddenLine xmlns="" xmlns:a14="http://schemas.microsoft.com/office/drawing/2010/main" w="9525" cap="flat">
+              <a14:hiddenLine xmlns:a14="http://schemas.microsoft.com/office/drawing/2010/main" xmlns="" w="9525" cap="flat">
                 <a:solidFill>
                   <a:srgbClr val="000000"/>
                 </a:solidFill>
@@ -26847,7 +26847,7 @@
               </a14:hiddenLine>
             </a:ext>
             <a:ext uri="{AF507438-7753-43e0-B8FC-AC1667EBCBE1}">
-              <a14:hiddenEffects xmlns="" xmlns:a14="http://schemas.microsoft.com/office/drawing/2010/main">
+              <a14:hiddenEffects xmlns:a14="http://schemas.microsoft.com/office/drawing/2010/main" xmlns="">
                 <a:effectLst>
                   <a:outerShdw blurRad="63500" dist="38099" dir="2700000" algn="ctr" rotWithShape="0">
                     <a:srgbClr val="000000">
@@ -26897,14 +26897,14 @@
           <a:effectLst/>
           <a:extLst>
             <a:ext uri="{909E8E84-426E-40dd-AFC4-6F175D3DCCD1}">
-              <a14:hiddenFill xmlns="" xmlns:a14="http://schemas.microsoft.com/office/drawing/2010/main">
+              <a14:hiddenFill xmlns:a14="http://schemas.microsoft.com/office/drawing/2010/main" xmlns="">
                 <a:solidFill>
                   <a:srgbClr val="FFFFFF"/>
                 </a:solidFill>
               </a14:hiddenFill>
             </a:ext>
             <a:ext uri="{91240B29-F687-4f45-9708-019B960494DF}">
-              <a14:hiddenLine xmlns="" xmlns:a14="http://schemas.microsoft.com/office/drawing/2010/main" w="9525" cap="flat">
+              <a14:hiddenLine xmlns:a14="http://schemas.microsoft.com/office/drawing/2010/main" xmlns="" w="9525" cap="flat">
                 <a:solidFill>
                   <a:srgbClr val="000000"/>
                 </a:solidFill>
@@ -26914,7 +26914,7 @@
               </a14:hiddenLine>
             </a:ext>
             <a:ext uri="{AF507438-7753-43e0-B8FC-AC1667EBCBE1}">
-              <a14:hiddenEffects xmlns="" xmlns:a14="http://schemas.microsoft.com/office/drawing/2010/main">
+              <a14:hiddenEffects xmlns:a14="http://schemas.microsoft.com/office/drawing/2010/main" xmlns="">
                 <a:effectLst>
                   <a:outerShdw blurRad="63500" dist="38099" dir="2700000" algn="ctr" rotWithShape="0">
                     <a:srgbClr val="000000">
@@ -26964,14 +26964,14 @@
           <a:effectLst/>
           <a:extLst>
             <a:ext uri="{909E8E84-426E-40dd-AFC4-6F175D3DCCD1}">
-              <a14:hiddenFill xmlns="" xmlns:a14="http://schemas.microsoft.com/office/drawing/2010/main">
+              <a14:hiddenFill xmlns:a14="http://schemas.microsoft.com/office/drawing/2010/main" xmlns="">
                 <a:solidFill>
                   <a:srgbClr val="FFFFFF"/>
                 </a:solidFill>
               </a14:hiddenFill>
             </a:ext>
             <a:ext uri="{91240B29-F687-4f45-9708-019B960494DF}">
-              <a14:hiddenLine xmlns="" xmlns:a14="http://schemas.microsoft.com/office/drawing/2010/main" w="9525" cap="flat">
+              <a14:hiddenLine xmlns:a14="http://schemas.microsoft.com/office/drawing/2010/main" xmlns="" w="9525" cap="flat">
                 <a:solidFill>
                   <a:srgbClr val="000000"/>
                 </a:solidFill>
@@ -26981,7 +26981,7 @@
               </a14:hiddenLine>
             </a:ext>
             <a:ext uri="{AF507438-7753-43e0-B8FC-AC1667EBCBE1}">
-              <a14:hiddenEffects xmlns="" xmlns:a14="http://schemas.microsoft.com/office/drawing/2010/main">
+              <a14:hiddenEffects xmlns:a14="http://schemas.microsoft.com/office/drawing/2010/main" xmlns="">
                 <a:effectLst>
                   <a:outerShdw blurRad="63500" dist="38099" dir="2700000" algn="ctr" rotWithShape="0">
                     <a:srgbClr val="000000">
@@ -27031,14 +27031,14 @@
           <a:effectLst/>
           <a:extLst>
             <a:ext uri="{909E8E84-426E-40dd-AFC4-6F175D3DCCD1}">
-              <a14:hiddenFill xmlns="" xmlns:a14="http://schemas.microsoft.com/office/drawing/2010/main">
+              <a14:hiddenFill xmlns:a14="http://schemas.microsoft.com/office/drawing/2010/main" xmlns="">
                 <a:solidFill>
                   <a:srgbClr val="FFFFFF"/>
                 </a:solidFill>
               </a14:hiddenFill>
             </a:ext>
             <a:ext uri="{91240B29-F687-4f45-9708-019B960494DF}">
-              <a14:hiddenLine xmlns="" xmlns:a14="http://schemas.microsoft.com/office/drawing/2010/main" w="9525" cap="flat">
+              <a14:hiddenLine xmlns:a14="http://schemas.microsoft.com/office/drawing/2010/main" xmlns="" w="9525" cap="flat">
                 <a:solidFill>
                   <a:srgbClr val="000000"/>
                 </a:solidFill>
@@ -27048,7 +27048,7 @@
               </a14:hiddenLine>
             </a:ext>
             <a:ext uri="{AF507438-7753-43e0-B8FC-AC1667EBCBE1}">
-              <a14:hiddenEffects xmlns="" xmlns:a14="http://schemas.microsoft.com/office/drawing/2010/main">
+              <a14:hiddenEffects xmlns:a14="http://schemas.microsoft.com/office/drawing/2010/main" xmlns="">
                 <a:effectLst>
                   <a:outerShdw blurRad="63500" dist="38099" dir="2700000" algn="ctr" rotWithShape="0">
                     <a:srgbClr val="000000">
@@ -27105,7 +27105,7 @@
           <a:effectLst/>
           <a:extLst>
             <a:ext uri="{AF507438-7753-43e0-B8FC-AC1667EBCBE1}">
-              <a14:hiddenEffects xmlns="" xmlns:a14="http://schemas.microsoft.com/office/drawing/2010/main">
+              <a14:hiddenEffects xmlns:a14="http://schemas.microsoft.com/office/drawing/2010/main" xmlns="">
                 <a:effectLst>
                   <a:outerShdw blurRad="63500" dist="38099" dir="2700000" algn="ctr" rotWithShape="0">
                     <a:srgbClr val="000000">
@@ -27148,14 +27148,14 @@
           <a:effectLst/>
           <a:extLst>
             <a:ext uri="{909E8E84-426E-40dd-AFC4-6F175D3DCCD1}">
-              <a14:hiddenFill xmlns="" xmlns:a14="http://schemas.microsoft.com/office/drawing/2010/main">
+              <a14:hiddenFill xmlns:a14="http://schemas.microsoft.com/office/drawing/2010/main" xmlns="">
                 <a:solidFill>
                   <a:srgbClr val="FFFFFF"/>
                 </a:solidFill>
               </a14:hiddenFill>
             </a:ext>
             <a:ext uri="{91240B29-F687-4f45-9708-019B960494DF}">
-              <a14:hiddenLine xmlns="" xmlns:a14="http://schemas.microsoft.com/office/drawing/2010/main" w="9525" cap="flat">
+              <a14:hiddenLine xmlns:a14="http://schemas.microsoft.com/office/drawing/2010/main" xmlns="" w="9525" cap="flat">
                 <a:solidFill>
                   <a:srgbClr val="000000"/>
                 </a:solidFill>
@@ -27165,7 +27165,7 @@
               </a14:hiddenLine>
             </a:ext>
             <a:ext uri="{AF507438-7753-43e0-B8FC-AC1667EBCBE1}">
-              <a14:hiddenEffects xmlns="" xmlns:a14="http://schemas.microsoft.com/office/drawing/2010/main">
+              <a14:hiddenEffects xmlns:a14="http://schemas.microsoft.com/office/drawing/2010/main" xmlns="">
                 <a:effectLst>
                   <a:outerShdw blurRad="63500" dist="38099" dir="2700000" algn="ctr" rotWithShape="0">
                     <a:srgbClr val="000000">
@@ -27222,7 +27222,7 @@
           <a:effectLst/>
           <a:extLst>
             <a:ext uri="{AF507438-7753-43e0-B8FC-AC1667EBCBE1}">
-              <a14:hiddenEffects xmlns="" xmlns:a14="http://schemas.microsoft.com/office/drawing/2010/main">
+              <a14:hiddenEffects xmlns:a14="http://schemas.microsoft.com/office/drawing/2010/main" xmlns="">
                 <a:effectLst>
                   <a:outerShdw blurRad="63500" dist="38099" dir="2700000" algn="ctr" rotWithShape="0">
                     <a:srgbClr val="000000">
@@ -27272,7 +27272,7 @@
           <a:effectLst/>
           <a:extLst>
             <a:ext uri="{AF507438-7753-43e0-B8FC-AC1667EBCBE1}">
-              <a14:hiddenEffects xmlns="" xmlns:a14="http://schemas.microsoft.com/office/drawing/2010/main">
+              <a14:hiddenEffects xmlns:a14="http://schemas.microsoft.com/office/drawing/2010/main" xmlns="">
                 <a:effectLst>
                   <a:outerShdw blurRad="63500" dist="38099" dir="2700000" algn="ctr" rotWithShape="0">
                     <a:srgbClr val="000000">
@@ -27315,14 +27315,14 @@
           <a:effectLst/>
           <a:extLst>
             <a:ext uri="{909E8E84-426E-40dd-AFC4-6F175D3DCCD1}">
-              <a14:hiddenFill xmlns="" xmlns:a14="http://schemas.microsoft.com/office/drawing/2010/main">
+              <a14:hiddenFill xmlns:a14="http://schemas.microsoft.com/office/drawing/2010/main" xmlns="">
                 <a:solidFill>
                   <a:srgbClr val="FFFFFF"/>
                 </a:solidFill>
               </a14:hiddenFill>
             </a:ext>
             <a:ext uri="{91240B29-F687-4f45-9708-019B960494DF}">
-              <a14:hiddenLine xmlns="" xmlns:a14="http://schemas.microsoft.com/office/drawing/2010/main" w="9525" cap="flat">
+              <a14:hiddenLine xmlns:a14="http://schemas.microsoft.com/office/drawing/2010/main" xmlns="" w="9525" cap="flat">
                 <a:solidFill>
                   <a:srgbClr val="000000"/>
                 </a:solidFill>
@@ -27332,7 +27332,7 @@
               </a14:hiddenLine>
             </a:ext>
             <a:ext uri="{AF507438-7753-43e0-B8FC-AC1667EBCBE1}">
-              <a14:hiddenEffects xmlns="" xmlns:a14="http://schemas.microsoft.com/office/drawing/2010/main">
+              <a14:hiddenEffects xmlns:a14="http://schemas.microsoft.com/office/drawing/2010/main" xmlns="">
                 <a:effectLst>
                   <a:outerShdw blurRad="63500" dist="38099" dir="2700000" algn="ctr" rotWithShape="0">
                     <a:srgbClr val="000000">
@@ -27389,7 +27389,7 @@
           <a:effectLst/>
           <a:extLst>
             <a:ext uri="{AF507438-7753-43e0-B8FC-AC1667EBCBE1}">
-              <a14:hiddenEffects xmlns="" xmlns:a14="http://schemas.microsoft.com/office/drawing/2010/main">
+              <a14:hiddenEffects xmlns:a14="http://schemas.microsoft.com/office/drawing/2010/main" xmlns="">
                 <a:effectLst>
                   <a:outerShdw blurRad="63500" dist="38099" dir="2700000" algn="ctr" rotWithShape="0">
                     <a:srgbClr val="000000">
@@ -27439,7 +27439,7 @@
           <a:effectLst/>
           <a:extLst>
             <a:ext uri="{AF507438-7753-43e0-B8FC-AC1667EBCBE1}">
-              <a14:hiddenEffects xmlns="" xmlns:a14="http://schemas.microsoft.com/office/drawing/2010/main">
+              <a14:hiddenEffects xmlns:a14="http://schemas.microsoft.com/office/drawing/2010/main" xmlns="">
                 <a:effectLst>
                   <a:outerShdw blurRad="63500" dist="38099" dir="2700000" algn="ctr" rotWithShape="0">
                     <a:srgbClr val="000000">
@@ -27482,14 +27482,14 @@
           <a:effectLst/>
           <a:extLst>
             <a:ext uri="{909E8E84-426E-40dd-AFC4-6F175D3DCCD1}">
-              <a14:hiddenFill xmlns="" xmlns:a14="http://schemas.microsoft.com/office/drawing/2010/main">
+              <a14:hiddenFill xmlns:a14="http://schemas.microsoft.com/office/drawing/2010/main" xmlns="">
                 <a:solidFill>
                   <a:srgbClr val="FFFFFF"/>
                 </a:solidFill>
               </a14:hiddenFill>
             </a:ext>
             <a:ext uri="{91240B29-F687-4f45-9708-019B960494DF}">
-              <a14:hiddenLine xmlns="" xmlns:a14="http://schemas.microsoft.com/office/drawing/2010/main" w="9525" cap="flat">
+              <a14:hiddenLine xmlns:a14="http://schemas.microsoft.com/office/drawing/2010/main" xmlns="" w="9525" cap="flat">
                 <a:solidFill>
                   <a:srgbClr val="000000"/>
                 </a:solidFill>
@@ -27499,7 +27499,7 @@
               </a14:hiddenLine>
             </a:ext>
             <a:ext uri="{AF507438-7753-43e0-B8FC-AC1667EBCBE1}">
-              <a14:hiddenEffects xmlns="" xmlns:a14="http://schemas.microsoft.com/office/drawing/2010/main">
+              <a14:hiddenEffects xmlns:a14="http://schemas.microsoft.com/office/drawing/2010/main" xmlns="">
                 <a:effectLst>
                   <a:outerShdw blurRad="63500" dist="38099" dir="2700000" algn="ctr" rotWithShape="0">
                     <a:srgbClr val="000000">
@@ -27556,7 +27556,7 @@
           <a:effectLst/>
           <a:extLst>
             <a:ext uri="{AF507438-7753-43e0-B8FC-AC1667EBCBE1}">
-              <a14:hiddenEffects xmlns="" xmlns:a14="http://schemas.microsoft.com/office/drawing/2010/main">
+              <a14:hiddenEffects xmlns:a14="http://schemas.microsoft.com/office/drawing/2010/main" xmlns="">
                 <a:effectLst>
                   <a:outerShdw blurRad="63500" dist="38099" dir="2700000" algn="ctr" rotWithShape="0">
                     <a:srgbClr val="000000">
@@ -27599,14 +27599,14 @@
           <a:effectLst/>
           <a:extLst>
             <a:ext uri="{909E8E84-426E-40dd-AFC4-6F175D3DCCD1}">
-              <a14:hiddenFill xmlns="" xmlns:a14="http://schemas.microsoft.com/office/drawing/2010/main">
+              <a14:hiddenFill xmlns:a14="http://schemas.microsoft.com/office/drawing/2010/main" xmlns="">
                 <a:solidFill>
                   <a:srgbClr val="FFFFFF"/>
                 </a:solidFill>
               </a14:hiddenFill>
             </a:ext>
             <a:ext uri="{91240B29-F687-4f45-9708-019B960494DF}">
-              <a14:hiddenLine xmlns="" xmlns:a14="http://schemas.microsoft.com/office/drawing/2010/main" w="9525" cap="flat">
+              <a14:hiddenLine xmlns:a14="http://schemas.microsoft.com/office/drawing/2010/main" xmlns="" w="9525" cap="flat">
                 <a:solidFill>
                   <a:srgbClr val="000000"/>
                 </a:solidFill>
@@ -27616,7 +27616,7 @@
               </a14:hiddenLine>
             </a:ext>
             <a:ext uri="{AF507438-7753-43e0-B8FC-AC1667EBCBE1}">
-              <a14:hiddenEffects xmlns="" xmlns:a14="http://schemas.microsoft.com/office/drawing/2010/main">
+              <a14:hiddenEffects xmlns:a14="http://schemas.microsoft.com/office/drawing/2010/main" xmlns="">
                 <a:effectLst>
                   <a:outerShdw blurRad="63500" dist="38099" dir="2700000" algn="ctr" rotWithShape="0">
                     <a:srgbClr val="000000">
@@ -27836,14 +27836,14 @@
           <a:effectLst/>
           <a:extLst>
             <a:ext uri="{909E8E84-426E-40dd-AFC4-6F175D3DCCD1}">
-              <a14:hiddenFill xmlns="" xmlns:a14="http://schemas.microsoft.com/office/drawing/2010/main">
+              <a14:hiddenFill xmlns:a14="http://schemas.microsoft.com/office/drawing/2010/main" xmlns="">
                 <a:solidFill>
                   <a:srgbClr val="FFFFFF"/>
                 </a:solidFill>
               </a14:hiddenFill>
             </a:ext>
             <a:ext uri="{91240B29-F687-4f45-9708-019B960494DF}">
-              <a14:hiddenLine xmlns="" xmlns:a14="http://schemas.microsoft.com/office/drawing/2010/main" w="9525" cap="flat">
+              <a14:hiddenLine xmlns:a14="http://schemas.microsoft.com/office/drawing/2010/main" xmlns="" w="9525" cap="flat">
                 <a:solidFill>
                   <a:srgbClr val="000000"/>
                 </a:solidFill>
@@ -27853,7 +27853,7 @@
               </a14:hiddenLine>
             </a:ext>
             <a:ext uri="{AF507438-7753-43e0-B8FC-AC1667EBCBE1}">
-              <a14:hiddenEffects xmlns="" xmlns:a14="http://schemas.microsoft.com/office/drawing/2010/main">
+              <a14:hiddenEffects xmlns:a14="http://schemas.microsoft.com/office/drawing/2010/main" xmlns="">
                 <a:effectLst>
                   <a:outerShdw blurRad="63500" dist="38099" dir="2700000" algn="ctr" rotWithShape="0">
                     <a:srgbClr val="000000">
@@ -28091,14 +28091,14 @@
           <a:effectLst/>
           <a:extLst>
             <a:ext uri="{909E8E84-426E-40dd-AFC4-6F175D3DCCD1}">
-              <a14:hiddenFill xmlns="" xmlns:a14="http://schemas.microsoft.com/office/drawing/2010/main">
+              <a14:hiddenFill xmlns:a14="http://schemas.microsoft.com/office/drawing/2010/main" xmlns="">
                 <a:solidFill>
                   <a:srgbClr val="FFFFFF"/>
                 </a:solidFill>
               </a14:hiddenFill>
             </a:ext>
             <a:ext uri="{91240B29-F687-4f45-9708-019B960494DF}">
-              <a14:hiddenLine xmlns="" xmlns:a14="http://schemas.microsoft.com/office/drawing/2010/main" w="9525" cap="flat">
+              <a14:hiddenLine xmlns:a14="http://schemas.microsoft.com/office/drawing/2010/main" xmlns="" w="9525" cap="flat">
                 <a:solidFill>
                   <a:srgbClr val="808080"/>
                 </a:solidFill>
@@ -28108,7 +28108,7 @@
               </a14:hiddenLine>
             </a:ext>
             <a:ext uri="{AF507438-7753-43e0-B8FC-AC1667EBCBE1}">
-              <a14:hiddenEffects xmlns="" xmlns:a14="http://schemas.microsoft.com/office/drawing/2010/main">
+              <a14:hiddenEffects xmlns:a14="http://schemas.microsoft.com/office/drawing/2010/main" xmlns="">
                 <a:effectLst>
                   <a:outerShdw blurRad="63500" dist="38099" dir="2700000" algn="ctr" rotWithShape="0">
                     <a:srgbClr val="000000">
@@ -28345,7 +28345,7 @@
           <a:effectLst/>
           <a:extLst>
             <a:ext uri="{AF507438-7753-43e0-B8FC-AC1667EBCBE1}">
-              <a14:hiddenEffects xmlns="" xmlns:a14="http://schemas.microsoft.com/office/drawing/2010/main">
+              <a14:hiddenEffects xmlns:a14="http://schemas.microsoft.com/office/drawing/2010/main" xmlns="">
                 <a:effectLst>
                   <a:outerShdw blurRad="63500" dist="38099" dir="2700000" algn="ctr" rotWithShape="0">
                     <a:srgbClr val="000000">
@@ -28388,14 +28388,14 @@
           <a:effectLst/>
           <a:extLst>
             <a:ext uri="{909E8E84-426E-40dd-AFC4-6F175D3DCCD1}">
-              <a14:hiddenFill xmlns="" xmlns:a14="http://schemas.microsoft.com/office/drawing/2010/main">
+              <a14:hiddenFill xmlns:a14="http://schemas.microsoft.com/office/drawing/2010/main" xmlns="">
                 <a:solidFill>
                   <a:srgbClr val="FFFFFF"/>
                 </a:solidFill>
               </a14:hiddenFill>
             </a:ext>
             <a:ext uri="{91240B29-F687-4f45-9708-019B960494DF}">
-              <a14:hiddenLine xmlns="" xmlns:a14="http://schemas.microsoft.com/office/drawing/2010/main" w="9525" cap="flat">
+              <a14:hiddenLine xmlns:a14="http://schemas.microsoft.com/office/drawing/2010/main" xmlns="" w="9525" cap="flat">
                 <a:solidFill>
                   <a:srgbClr val="000000"/>
                 </a:solidFill>
@@ -28405,7 +28405,7 @@
               </a14:hiddenLine>
             </a:ext>
             <a:ext uri="{AF507438-7753-43e0-B8FC-AC1667EBCBE1}">
-              <a14:hiddenEffects xmlns="" xmlns:a14="http://schemas.microsoft.com/office/drawing/2010/main">
+              <a14:hiddenEffects xmlns:a14="http://schemas.microsoft.com/office/drawing/2010/main" xmlns="">
                 <a:effectLst>
                   <a:outerShdw blurRad="63500" dist="38099" dir="2700000" algn="ctr" rotWithShape="0">
                     <a:srgbClr val="000000">
@@ -28455,14 +28455,14 @@
           <a:effectLst/>
           <a:extLst>
             <a:ext uri="{909E8E84-426E-40dd-AFC4-6F175D3DCCD1}">
-              <a14:hiddenFill xmlns="" xmlns:a14="http://schemas.microsoft.com/office/drawing/2010/main">
+              <a14:hiddenFill xmlns:a14="http://schemas.microsoft.com/office/drawing/2010/main" xmlns="">
                 <a:solidFill>
                   <a:srgbClr val="FFFFFF"/>
                 </a:solidFill>
               </a14:hiddenFill>
             </a:ext>
             <a:ext uri="{91240B29-F687-4f45-9708-019B960494DF}">
-              <a14:hiddenLine xmlns="" xmlns:a14="http://schemas.microsoft.com/office/drawing/2010/main" w="9525" cap="flat">
+              <a14:hiddenLine xmlns:a14="http://schemas.microsoft.com/office/drawing/2010/main" xmlns="" w="9525" cap="flat">
                 <a:solidFill>
                   <a:srgbClr val="000000"/>
                 </a:solidFill>
@@ -28472,7 +28472,7 @@
               </a14:hiddenLine>
             </a:ext>
             <a:ext uri="{AF507438-7753-43e0-B8FC-AC1667EBCBE1}">
-              <a14:hiddenEffects xmlns="" xmlns:a14="http://schemas.microsoft.com/office/drawing/2010/main">
+              <a14:hiddenEffects xmlns:a14="http://schemas.microsoft.com/office/drawing/2010/main" xmlns="">
                 <a:effectLst>
                   <a:outerShdw blurRad="63500" dist="38099" dir="2700000" algn="ctr" rotWithShape="0">
                     <a:srgbClr val="000000">
@@ -28522,14 +28522,14 @@
           <a:effectLst/>
           <a:extLst>
             <a:ext uri="{909E8E84-426E-40dd-AFC4-6F175D3DCCD1}">
-              <a14:hiddenFill xmlns="" xmlns:a14="http://schemas.microsoft.com/office/drawing/2010/main">
+              <a14:hiddenFill xmlns:a14="http://schemas.microsoft.com/office/drawing/2010/main" xmlns="">
                 <a:solidFill>
                   <a:srgbClr val="FFFFFF"/>
                 </a:solidFill>
               </a14:hiddenFill>
             </a:ext>
             <a:ext uri="{91240B29-F687-4f45-9708-019B960494DF}">
-              <a14:hiddenLine xmlns="" xmlns:a14="http://schemas.microsoft.com/office/drawing/2010/main" w="9525" cap="flat">
+              <a14:hiddenLine xmlns:a14="http://schemas.microsoft.com/office/drawing/2010/main" xmlns="" w="9525" cap="flat">
                 <a:solidFill>
                   <a:srgbClr val="000000"/>
                 </a:solidFill>
@@ -28539,7 +28539,7 @@
               </a14:hiddenLine>
             </a:ext>
             <a:ext uri="{AF507438-7753-43e0-B8FC-AC1667EBCBE1}">
-              <a14:hiddenEffects xmlns="" xmlns:a14="http://schemas.microsoft.com/office/drawing/2010/main">
+              <a14:hiddenEffects xmlns:a14="http://schemas.microsoft.com/office/drawing/2010/main" xmlns="">
                 <a:effectLst>
                   <a:outerShdw blurRad="63500" dist="38099" dir="2700000" algn="ctr" rotWithShape="0">
                     <a:srgbClr val="000000">
@@ -28589,14 +28589,14 @@
           <a:effectLst/>
           <a:extLst>
             <a:ext uri="{909E8E84-426E-40dd-AFC4-6F175D3DCCD1}">
-              <a14:hiddenFill xmlns="" xmlns:a14="http://schemas.microsoft.com/office/drawing/2010/main">
+              <a14:hiddenFill xmlns:a14="http://schemas.microsoft.com/office/drawing/2010/main" xmlns="">
                 <a:solidFill>
                   <a:srgbClr val="FFFFFF"/>
                 </a:solidFill>
               </a14:hiddenFill>
             </a:ext>
             <a:ext uri="{91240B29-F687-4f45-9708-019B960494DF}">
-              <a14:hiddenLine xmlns="" xmlns:a14="http://schemas.microsoft.com/office/drawing/2010/main" w="9525" cap="flat">
+              <a14:hiddenLine xmlns:a14="http://schemas.microsoft.com/office/drawing/2010/main" xmlns="" w="9525" cap="flat">
                 <a:solidFill>
                   <a:srgbClr val="000000"/>
                 </a:solidFill>
@@ -28606,7 +28606,7 @@
               </a14:hiddenLine>
             </a:ext>
             <a:ext uri="{AF507438-7753-43e0-B8FC-AC1667EBCBE1}">
-              <a14:hiddenEffects xmlns="" xmlns:a14="http://schemas.microsoft.com/office/drawing/2010/main">
+              <a14:hiddenEffects xmlns:a14="http://schemas.microsoft.com/office/drawing/2010/main" xmlns="">
                 <a:effectLst>
                   <a:outerShdw blurRad="63500" dist="38099" dir="2700000" algn="ctr" rotWithShape="0">
                     <a:srgbClr val="000000">
@@ -28656,14 +28656,14 @@
           <a:effectLst/>
           <a:extLst>
             <a:ext uri="{909E8E84-426E-40dd-AFC4-6F175D3DCCD1}">
-              <a14:hiddenFill xmlns="" xmlns:a14="http://schemas.microsoft.com/office/drawing/2010/main">
+              <a14:hiddenFill xmlns:a14="http://schemas.microsoft.com/office/drawing/2010/main" xmlns="">
                 <a:solidFill>
                   <a:srgbClr val="FFFFFF"/>
                 </a:solidFill>
               </a14:hiddenFill>
             </a:ext>
             <a:ext uri="{91240B29-F687-4f45-9708-019B960494DF}">
-              <a14:hiddenLine xmlns="" xmlns:a14="http://schemas.microsoft.com/office/drawing/2010/main" w="9525" cap="flat">
+              <a14:hiddenLine xmlns:a14="http://schemas.microsoft.com/office/drawing/2010/main" xmlns="" w="9525" cap="flat">
                 <a:solidFill>
                   <a:srgbClr val="000000"/>
                 </a:solidFill>
@@ -28673,7 +28673,7 @@
               </a14:hiddenLine>
             </a:ext>
             <a:ext uri="{AF507438-7753-43e0-B8FC-AC1667EBCBE1}">
-              <a14:hiddenEffects xmlns="" xmlns:a14="http://schemas.microsoft.com/office/drawing/2010/main">
+              <a14:hiddenEffects xmlns:a14="http://schemas.microsoft.com/office/drawing/2010/main" xmlns="">
                 <a:effectLst>
                   <a:outerShdw blurRad="63500" dist="38099" dir="2700000" algn="ctr" rotWithShape="0">
                     <a:srgbClr val="000000">
@@ -28723,14 +28723,14 @@
           <a:effectLst/>
           <a:extLst>
             <a:ext uri="{909E8E84-426E-40dd-AFC4-6F175D3DCCD1}">
-              <a14:hiddenFill xmlns="" xmlns:a14="http://schemas.microsoft.com/office/drawing/2010/main">
+              <a14:hiddenFill xmlns:a14="http://schemas.microsoft.com/office/drawing/2010/main" xmlns="">
                 <a:solidFill>
                   <a:srgbClr val="FFFFFF"/>
                 </a:solidFill>
               </a14:hiddenFill>
             </a:ext>
             <a:ext uri="{91240B29-F687-4f45-9708-019B960494DF}">
-              <a14:hiddenLine xmlns="" xmlns:a14="http://schemas.microsoft.com/office/drawing/2010/main" w="9525" cap="flat">
+              <a14:hiddenLine xmlns:a14="http://schemas.microsoft.com/office/drawing/2010/main" xmlns="" w="9525" cap="flat">
                 <a:solidFill>
                   <a:srgbClr val="000000"/>
                 </a:solidFill>
@@ -28740,7 +28740,7 @@
               </a14:hiddenLine>
             </a:ext>
             <a:ext uri="{AF507438-7753-43e0-B8FC-AC1667EBCBE1}">
-              <a14:hiddenEffects xmlns="" xmlns:a14="http://schemas.microsoft.com/office/drawing/2010/main">
+              <a14:hiddenEffects xmlns:a14="http://schemas.microsoft.com/office/drawing/2010/main" xmlns="">
                 <a:effectLst>
                   <a:outerShdw blurRad="63500" dist="38099" dir="2700000" algn="ctr" rotWithShape="0">
                     <a:srgbClr val="000000">
@@ -28960,14 +28960,14 @@
           <a:effectLst/>
           <a:extLst>
             <a:ext uri="{909E8E84-426E-40dd-AFC4-6F175D3DCCD1}">
-              <a14:hiddenFill xmlns="" xmlns:a14="http://schemas.microsoft.com/office/drawing/2010/main">
+              <a14:hiddenFill xmlns:a14="http://schemas.microsoft.com/office/drawing/2010/main" xmlns="">
                 <a:solidFill>
                   <a:srgbClr val="FFFFFF"/>
                 </a:solidFill>
               </a14:hiddenFill>
             </a:ext>
             <a:ext uri="{91240B29-F687-4f45-9708-019B960494DF}">
-              <a14:hiddenLine xmlns="" xmlns:a14="http://schemas.microsoft.com/office/drawing/2010/main" w="9525" cap="flat">
+              <a14:hiddenLine xmlns:a14="http://schemas.microsoft.com/office/drawing/2010/main" xmlns="" w="9525" cap="flat">
                 <a:solidFill>
                   <a:srgbClr val="000000"/>
                 </a:solidFill>
@@ -28977,7 +28977,7 @@
               </a14:hiddenLine>
             </a:ext>
             <a:ext uri="{AF507438-7753-43e0-B8FC-AC1667EBCBE1}">
-              <a14:hiddenEffects xmlns="" xmlns:a14="http://schemas.microsoft.com/office/drawing/2010/main">
+              <a14:hiddenEffects xmlns:a14="http://schemas.microsoft.com/office/drawing/2010/main" xmlns="">
                 <a:effectLst>
                   <a:outerShdw blurRad="63500" dist="38099" dir="2700000" algn="ctr" rotWithShape="0">
                     <a:srgbClr val="000000">
@@ -29027,14 +29027,14 @@
           <a:effectLst/>
           <a:extLst>
             <a:ext uri="{909E8E84-426E-40dd-AFC4-6F175D3DCCD1}">
-              <a14:hiddenFill xmlns="" xmlns:a14="http://schemas.microsoft.com/office/drawing/2010/main">
+              <a14:hiddenFill xmlns:a14="http://schemas.microsoft.com/office/drawing/2010/main" xmlns="">
                 <a:solidFill>
                   <a:srgbClr val="FFFFFF"/>
                 </a:solidFill>
               </a14:hiddenFill>
             </a:ext>
             <a:ext uri="{91240B29-F687-4f45-9708-019B960494DF}">
-              <a14:hiddenLine xmlns="" xmlns:a14="http://schemas.microsoft.com/office/drawing/2010/main" w="9525" cap="flat">
+              <a14:hiddenLine xmlns:a14="http://schemas.microsoft.com/office/drawing/2010/main" xmlns="" w="9525" cap="flat">
                 <a:solidFill>
                   <a:srgbClr val="000000"/>
                 </a:solidFill>
@@ -29044,7 +29044,7 @@
               </a14:hiddenLine>
             </a:ext>
             <a:ext uri="{AF507438-7753-43e0-B8FC-AC1667EBCBE1}">
-              <a14:hiddenEffects xmlns="" xmlns:a14="http://schemas.microsoft.com/office/drawing/2010/main">
+              <a14:hiddenEffects xmlns:a14="http://schemas.microsoft.com/office/drawing/2010/main" xmlns="">
                 <a:effectLst>
                   <a:outerShdw blurRad="63500" dist="38099" dir="2700000" algn="ctr" rotWithShape="0">
                     <a:srgbClr val="000000">
@@ -29094,14 +29094,14 @@
           <a:effectLst/>
           <a:extLst>
             <a:ext uri="{909E8E84-426E-40dd-AFC4-6F175D3DCCD1}">
-              <a14:hiddenFill xmlns="" xmlns:a14="http://schemas.microsoft.com/office/drawing/2010/main">
+              <a14:hiddenFill xmlns:a14="http://schemas.microsoft.com/office/drawing/2010/main" xmlns="">
                 <a:solidFill>
                   <a:srgbClr val="FFFFFF"/>
                 </a:solidFill>
               </a14:hiddenFill>
             </a:ext>
             <a:ext uri="{91240B29-F687-4f45-9708-019B960494DF}">
-              <a14:hiddenLine xmlns="" xmlns:a14="http://schemas.microsoft.com/office/drawing/2010/main" w="9525" cap="flat">
+              <a14:hiddenLine xmlns:a14="http://schemas.microsoft.com/office/drawing/2010/main" xmlns="" w="9525" cap="flat">
                 <a:solidFill>
                   <a:srgbClr val="000000"/>
                 </a:solidFill>
@@ -29111,7 +29111,7 @@
               </a14:hiddenLine>
             </a:ext>
             <a:ext uri="{AF507438-7753-43e0-B8FC-AC1667EBCBE1}">
-              <a14:hiddenEffects xmlns="" xmlns:a14="http://schemas.microsoft.com/office/drawing/2010/main">
+              <a14:hiddenEffects xmlns:a14="http://schemas.microsoft.com/office/drawing/2010/main" xmlns="">
                 <a:effectLst>
                   <a:outerShdw blurRad="63500" dist="38099" dir="2700000" algn="ctr" rotWithShape="0">
                     <a:srgbClr val="000000">
@@ -29161,14 +29161,14 @@
           <a:effectLst/>
           <a:extLst>
             <a:ext uri="{909E8E84-426E-40dd-AFC4-6F175D3DCCD1}">
-              <a14:hiddenFill xmlns="" xmlns:a14="http://schemas.microsoft.com/office/drawing/2010/main">
+              <a14:hiddenFill xmlns:a14="http://schemas.microsoft.com/office/drawing/2010/main" xmlns="">
                 <a:solidFill>
                   <a:srgbClr val="FFFFFF"/>
                 </a:solidFill>
               </a14:hiddenFill>
             </a:ext>
             <a:ext uri="{91240B29-F687-4f45-9708-019B960494DF}">
-              <a14:hiddenLine xmlns="" xmlns:a14="http://schemas.microsoft.com/office/drawing/2010/main" w="9525" cap="flat">
+              <a14:hiddenLine xmlns:a14="http://schemas.microsoft.com/office/drawing/2010/main" xmlns="" w="9525" cap="flat">
                 <a:solidFill>
                   <a:srgbClr val="000000"/>
                 </a:solidFill>
@@ -29178,7 +29178,7 @@
               </a14:hiddenLine>
             </a:ext>
             <a:ext uri="{AF507438-7753-43e0-B8FC-AC1667EBCBE1}">
-              <a14:hiddenEffects xmlns="" xmlns:a14="http://schemas.microsoft.com/office/drawing/2010/main">
+              <a14:hiddenEffects xmlns:a14="http://schemas.microsoft.com/office/drawing/2010/main" xmlns="">
                 <a:effectLst>
                   <a:outerShdw blurRad="63500" dist="38099" dir="2700000" algn="ctr" rotWithShape="0">
                     <a:srgbClr val="000000">
@@ -29228,14 +29228,14 @@
           <a:effectLst/>
           <a:extLst>
             <a:ext uri="{909E8E84-426E-40dd-AFC4-6F175D3DCCD1}">
-              <a14:hiddenFill xmlns="" xmlns:a14="http://schemas.microsoft.com/office/drawing/2010/main">
+              <a14:hiddenFill xmlns:a14="http://schemas.microsoft.com/office/drawing/2010/main" xmlns="">
                 <a:solidFill>
                   <a:srgbClr val="FFFFFF"/>
                 </a:solidFill>
               </a14:hiddenFill>
             </a:ext>
             <a:ext uri="{91240B29-F687-4f45-9708-019B960494DF}">
-              <a14:hiddenLine xmlns="" xmlns:a14="http://schemas.microsoft.com/office/drawing/2010/main" w="9525" cap="flat">
+              <a14:hiddenLine xmlns:a14="http://schemas.microsoft.com/office/drawing/2010/main" xmlns="" w="9525" cap="flat">
                 <a:solidFill>
                   <a:srgbClr val="FF6600"/>
                 </a:solidFill>
@@ -29245,7 +29245,7 @@
               </a14:hiddenLine>
             </a:ext>
             <a:ext uri="{AF507438-7753-43e0-B8FC-AC1667EBCBE1}">
-              <a14:hiddenEffects xmlns="" xmlns:a14="http://schemas.microsoft.com/office/drawing/2010/main">
+              <a14:hiddenEffects xmlns:a14="http://schemas.microsoft.com/office/drawing/2010/main" xmlns="">
                 <a:effectLst>
                   <a:outerShdw blurRad="63500" dist="38099" dir="2700000" algn="ctr" rotWithShape="0">
                     <a:srgbClr val="000000">
@@ -29295,14 +29295,14 @@
           <a:effectLst/>
           <a:extLst>
             <a:ext uri="{909E8E84-426E-40dd-AFC4-6F175D3DCCD1}">
-              <a14:hiddenFill xmlns="" xmlns:a14="http://schemas.microsoft.com/office/drawing/2010/main">
+              <a14:hiddenFill xmlns:a14="http://schemas.microsoft.com/office/drawing/2010/main" xmlns="">
                 <a:solidFill>
                   <a:srgbClr val="FFFFFF"/>
                 </a:solidFill>
               </a14:hiddenFill>
             </a:ext>
             <a:ext uri="{91240B29-F687-4f45-9708-019B960494DF}">
-              <a14:hiddenLine xmlns="" xmlns:a14="http://schemas.microsoft.com/office/drawing/2010/main" w="9525" cap="flat">
+              <a14:hiddenLine xmlns:a14="http://schemas.microsoft.com/office/drawing/2010/main" xmlns="" w="9525" cap="flat">
                 <a:solidFill>
                   <a:srgbClr val="FF6600"/>
                 </a:solidFill>
@@ -29312,7 +29312,7 @@
               </a14:hiddenLine>
             </a:ext>
             <a:ext uri="{AF507438-7753-43e0-B8FC-AC1667EBCBE1}">
-              <a14:hiddenEffects xmlns="" xmlns:a14="http://schemas.microsoft.com/office/drawing/2010/main">
+              <a14:hiddenEffects xmlns:a14="http://schemas.microsoft.com/office/drawing/2010/main" xmlns="">
                 <a:effectLst>
                   <a:outerShdw blurRad="63500" dist="38099" dir="2700000" algn="ctr" rotWithShape="0">
                     <a:srgbClr val="000000">
@@ -29362,14 +29362,14 @@
           <a:effectLst/>
           <a:extLst>
             <a:ext uri="{909E8E84-426E-40dd-AFC4-6F175D3DCCD1}">
-              <a14:hiddenFill xmlns="" xmlns:a14="http://schemas.microsoft.com/office/drawing/2010/main">
+              <a14:hiddenFill xmlns:a14="http://schemas.microsoft.com/office/drawing/2010/main" xmlns="">
                 <a:solidFill>
                   <a:srgbClr val="FFFFFF"/>
                 </a:solidFill>
               </a14:hiddenFill>
             </a:ext>
             <a:ext uri="{91240B29-F687-4f45-9708-019B960494DF}">
-              <a14:hiddenLine xmlns="" xmlns:a14="http://schemas.microsoft.com/office/drawing/2010/main" w="9525" cap="flat">
+              <a14:hiddenLine xmlns:a14="http://schemas.microsoft.com/office/drawing/2010/main" xmlns="" w="9525" cap="flat">
                 <a:solidFill>
                   <a:srgbClr val="FF6600"/>
                 </a:solidFill>
@@ -29379,7 +29379,7 @@
               </a14:hiddenLine>
             </a:ext>
             <a:ext uri="{AF507438-7753-43e0-B8FC-AC1667EBCBE1}">
-              <a14:hiddenEffects xmlns="" xmlns:a14="http://schemas.microsoft.com/office/drawing/2010/main">
+              <a14:hiddenEffects xmlns:a14="http://schemas.microsoft.com/office/drawing/2010/main" xmlns="">
                 <a:effectLst>
                   <a:outerShdw blurRad="63500" dist="38099" dir="2700000" algn="ctr" rotWithShape="0">
                     <a:srgbClr val="000000">
@@ -29429,14 +29429,14 @@
           <a:effectLst/>
           <a:extLst>
             <a:ext uri="{909E8E84-426E-40dd-AFC4-6F175D3DCCD1}">
-              <a14:hiddenFill xmlns="" xmlns:a14="http://schemas.microsoft.com/office/drawing/2010/main">
+              <a14:hiddenFill xmlns:a14="http://schemas.microsoft.com/office/drawing/2010/main" xmlns="">
                 <a:solidFill>
                   <a:srgbClr val="FFFFFF"/>
                 </a:solidFill>
               </a14:hiddenFill>
             </a:ext>
             <a:ext uri="{91240B29-F687-4f45-9708-019B960494DF}">
-              <a14:hiddenLine xmlns="" xmlns:a14="http://schemas.microsoft.com/office/drawing/2010/main" w="9525" cap="flat">
+              <a14:hiddenLine xmlns:a14="http://schemas.microsoft.com/office/drawing/2010/main" xmlns="" w="9525" cap="flat">
                 <a:solidFill>
                   <a:srgbClr val="FF6600"/>
                 </a:solidFill>
@@ -29446,7 +29446,7 @@
               </a14:hiddenLine>
             </a:ext>
             <a:ext uri="{AF507438-7753-43e0-B8FC-AC1667EBCBE1}">
-              <a14:hiddenEffects xmlns="" xmlns:a14="http://schemas.microsoft.com/office/drawing/2010/main">
+              <a14:hiddenEffects xmlns:a14="http://schemas.microsoft.com/office/drawing/2010/main" xmlns="">
                 <a:effectLst>
                   <a:outerShdw blurRad="63500" dist="38099" dir="2700000" algn="ctr" rotWithShape="0">
                     <a:srgbClr val="000000">
@@ -29496,14 +29496,14 @@
           <a:effectLst/>
           <a:extLst>
             <a:ext uri="{909E8E84-426E-40dd-AFC4-6F175D3DCCD1}">
-              <a14:hiddenFill xmlns="" xmlns:a14="http://schemas.microsoft.com/office/drawing/2010/main">
+              <a14:hiddenFill xmlns:a14="http://schemas.microsoft.com/office/drawing/2010/main" xmlns="">
                 <a:solidFill>
                   <a:srgbClr val="FFFFFF"/>
                 </a:solidFill>
               </a14:hiddenFill>
             </a:ext>
             <a:ext uri="{91240B29-F687-4f45-9708-019B960494DF}">
-              <a14:hiddenLine xmlns="" xmlns:a14="http://schemas.microsoft.com/office/drawing/2010/main" w="9525" cap="flat">
+              <a14:hiddenLine xmlns:a14="http://schemas.microsoft.com/office/drawing/2010/main" xmlns="" w="9525" cap="flat">
                 <a:solidFill>
                   <a:srgbClr val="000000"/>
                 </a:solidFill>
@@ -29513,7 +29513,7 @@
               </a14:hiddenLine>
             </a:ext>
             <a:ext uri="{AF507438-7753-43e0-B8FC-AC1667EBCBE1}">
-              <a14:hiddenEffects xmlns="" xmlns:a14="http://schemas.microsoft.com/office/drawing/2010/main">
+              <a14:hiddenEffects xmlns:a14="http://schemas.microsoft.com/office/drawing/2010/main" xmlns="">
                 <a:effectLst>
                   <a:outerShdw blurRad="63500" dist="38099" dir="2700000" algn="ctr" rotWithShape="0">
                     <a:srgbClr val="000000">
@@ -29776,7 +29776,7 @@
           <a:effectLst/>
           <a:extLst>
             <a:ext uri="{AF507438-7753-43e0-B8FC-AC1667EBCBE1}">
-              <a14:hiddenEffects xmlns="" xmlns:a14="http://schemas.microsoft.com/office/drawing/2010/main">
+              <a14:hiddenEffects xmlns:a14="http://schemas.microsoft.com/office/drawing/2010/main" xmlns="">
                 <a:effectLst>
                   <a:outerShdw blurRad="63500" dist="38099" dir="2700000" algn="ctr" rotWithShape="0">
                     <a:srgbClr val="000000">
@@ -29832,7 +29832,7 @@
           <a:effectLst/>
           <a:extLst>
             <a:ext uri="{AF507438-7753-43e0-B8FC-AC1667EBCBE1}">
-              <a14:hiddenEffects xmlns="" xmlns:a14="http://schemas.microsoft.com/office/drawing/2010/main">
+              <a14:hiddenEffects xmlns:a14="http://schemas.microsoft.com/office/drawing/2010/main" xmlns="">
                 <a:effectLst>
                   <a:outerShdw blurRad="63500" dist="38099" dir="2700000" algn="ctr" rotWithShape="0">
                     <a:srgbClr val="000000">
@@ -29888,7 +29888,7 @@
           <a:effectLst/>
           <a:extLst>
             <a:ext uri="{AF507438-7753-43e0-B8FC-AC1667EBCBE1}">
-              <a14:hiddenEffects xmlns="" xmlns:a14="http://schemas.microsoft.com/office/drawing/2010/main">
+              <a14:hiddenEffects xmlns:a14="http://schemas.microsoft.com/office/drawing/2010/main" xmlns="">
                 <a:effectLst>
                   <a:outerShdw blurRad="63500" dist="38099" dir="2700000" algn="ctr" rotWithShape="0">
                     <a:srgbClr val="000000">
@@ -29944,7 +29944,7 @@
           <a:effectLst/>
           <a:extLst>
             <a:ext uri="{AF507438-7753-43e0-B8FC-AC1667EBCBE1}">
-              <a14:hiddenEffects xmlns="" xmlns:a14="http://schemas.microsoft.com/office/drawing/2010/main">
+              <a14:hiddenEffects xmlns:a14="http://schemas.microsoft.com/office/drawing/2010/main" xmlns="">
                 <a:effectLst>
                   <a:outerShdw blurRad="63500" dist="38099" dir="2700000" algn="ctr" rotWithShape="0">
                     <a:srgbClr val="000000">
@@ -30000,7 +30000,7 @@
           <a:effectLst/>
           <a:extLst>
             <a:ext uri="{AF507438-7753-43e0-B8FC-AC1667EBCBE1}">
-              <a14:hiddenEffects xmlns="" xmlns:a14="http://schemas.microsoft.com/office/drawing/2010/main">
+              <a14:hiddenEffects xmlns:a14="http://schemas.microsoft.com/office/drawing/2010/main" xmlns="">
                 <a:effectLst>
                   <a:outerShdw blurRad="63500" dist="38099" dir="2700000" algn="ctr" rotWithShape="0">
                     <a:srgbClr val="000000">
@@ -30048,12 +30048,12 @@
           <a:effectLst/>
           <a:extLst>
             <a:ext uri="{909E8E84-426E-40dd-AFC4-6F175D3DCCD1}">
-              <a14:hiddenFill xmlns="" xmlns:a14="http://schemas.microsoft.com/office/drawing/2010/main">
+              <a14:hiddenFill xmlns:a14="http://schemas.microsoft.com/office/drawing/2010/main" xmlns="">
                 <a:noFill/>
               </a14:hiddenFill>
             </a:ext>
             <a:ext uri="{AF507438-7753-43e0-B8FC-AC1667EBCBE1}">
-              <a14:hiddenEffects xmlns="" xmlns:a14="http://schemas.microsoft.com/office/drawing/2010/main">
+              <a14:hiddenEffects xmlns:a14="http://schemas.microsoft.com/office/drawing/2010/main" xmlns="">
                 <a:effectLst>
                   <a:outerShdw blurRad="63500" dist="38099" dir="2700000" algn="ctr" rotWithShape="0">
                     <a:srgbClr val="000000">
@@ -30102,14 +30102,14 @@
           <a:effectLst/>
           <a:extLst>
             <a:ext uri="{909E8E84-426E-40dd-AFC4-6F175D3DCCD1}">
-              <a14:hiddenFill xmlns="" xmlns:a14="http://schemas.microsoft.com/office/drawing/2010/main">
+              <a14:hiddenFill xmlns:a14="http://schemas.microsoft.com/office/drawing/2010/main" xmlns="">
                 <a:solidFill>
                   <a:srgbClr val="FFFFFF"/>
                 </a:solidFill>
               </a14:hiddenFill>
             </a:ext>
             <a:ext uri="{91240B29-F687-4f45-9708-019B960494DF}">
-              <a14:hiddenLine xmlns="" xmlns:a14="http://schemas.microsoft.com/office/drawing/2010/main" w="9525" cap="flat">
+              <a14:hiddenLine xmlns:a14="http://schemas.microsoft.com/office/drawing/2010/main" xmlns="" w="9525" cap="flat">
                 <a:solidFill>
                   <a:srgbClr val="000000"/>
                 </a:solidFill>
@@ -30119,7 +30119,7 @@
               </a14:hiddenLine>
             </a:ext>
             <a:ext uri="{AF507438-7753-43e0-B8FC-AC1667EBCBE1}">
-              <a14:hiddenEffects xmlns="" xmlns:a14="http://schemas.microsoft.com/office/drawing/2010/main">
+              <a14:hiddenEffects xmlns:a14="http://schemas.microsoft.com/office/drawing/2010/main" xmlns="">
                 <a:effectLst>
                   <a:outerShdw blurRad="63500" dist="38099" dir="2700000" algn="ctr" rotWithShape="0">
                     <a:srgbClr val="000000">
@@ -30222,14 +30222,14 @@
           <a:effectLst/>
           <a:extLst>
             <a:ext uri="{909E8E84-426E-40dd-AFC4-6F175D3DCCD1}">
-              <a14:hiddenFill xmlns="" xmlns:a14="http://schemas.microsoft.com/office/drawing/2010/main">
+              <a14:hiddenFill xmlns:a14="http://schemas.microsoft.com/office/drawing/2010/main" xmlns="">
                 <a:solidFill>
                   <a:srgbClr val="FFFFFF"/>
                 </a:solidFill>
               </a14:hiddenFill>
             </a:ext>
             <a:ext uri="{91240B29-F687-4f45-9708-019B960494DF}">
-              <a14:hiddenLine xmlns="" xmlns:a14="http://schemas.microsoft.com/office/drawing/2010/main" w="9525" cap="flat">
+              <a14:hiddenLine xmlns:a14="http://schemas.microsoft.com/office/drawing/2010/main" xmlns="" w="9525" cap="flat">
                 <a:solidFill>
                   <a:srgbClr val="000000"/>
                 </a:solidFill>
@@ -30239,7 +30239,7 @@
               </a14:hiddenLine>
             </a:ext>
             <a:ext uri="{AF507438-7753-43e0-B8FC-AC1667EBCBE1}">
-              <a14:hiddenEffects xmlns="" xmlns:a14="http://schemas.microsoft.com/office/drawing/2010/main">
+              <a14:hiddenEffects xmlns:a14="http://schemas.microsoft.com/office/drawing/2010/main" xmlns="">
                 <a:effectLst>
                   <a:outerShdw blurRad="63500" dist="38099" dir="2700000" algn="ctr" rotWithShape="0">
                     <a:srgbClr val="000000">
@@ -30513,7 +30513,7 @@
             <a:effectLst/>
             <a:extLst>
               <a:ext uri="{909E8E84-426E-40dd-AFC4-6F175D3DCCD1}">
-                <a14:hiddenFill xmlns="" xmlns:a14="http://schemas.microsoft.com/office/drawing/2010/main">
+                <a14:hiddenFill xmlns:a14="http://schemas.microsoft.com/office/drawing/2010/main" xmlns="">
                   <a:blipFill dpi="0" rotWithShape="0">
                     <a:blip/>
                     <a:srcRect/>
@@ -30524,7 +30524,7 @@
                 </a14:hiddenFill>
               </a:ext>
               <a:ext uri="{91240B29-F687-4f45-9708-019B960494DF}">
-                <a14:hiddenLine xmlns="" xmlns:a14="http://schemas.microsoft.com/office/drawing/2010/main" w="9525" cap="flat">
+                <a14:hiddenLine xmlns:a14="http://schemas.microsoft.com/office/drawing/2010/main" xmlns="" w="9525" cap="flat">
                   <a:solidFill>
                     <a:srgbClr val="808080"/>
                   </a:solidFill>
@@ -30534,7 +30534,7 @@
                 </a14:hiddenLine>
               </a:ext>
               <a:ext uri="{AF507438-7753-43e0-B8FC-AC1667EBCBE1}">
-                <a14:hiddenEffects xmlns="" xmlns:a14="http://schemas.microsoft.com/office/drawing/2010/main">
+                <a14:hiddenEffects xmlns:a14="http://schemas.microsoft.com/office/drawing/2010/main" xmlns="">
                   <a:effectLst>
                     <a:outerShdw blurRad="63500" dist="38099" dir="2700000" algn="ctr" rotWithShape="0">
                       <a:srgbClr val="000000">
@@ -30583,7 +30583,7 @@
             <a:effectLst/>
             <a:extLst>
               <a:ext uri="{909E8E84-426E-40dd-AFC4-6F175D3DCCD1}">
-                <a14:hiddenFill xmlns="" xmlns:a14="http://schemas.microsoft.com/office/drawing/2010/main">
+                <a14:hiddenFill xmlns:a14="http://schemas.microsoft.com/office/drawing/2010/main" xmlns="">
                   <a:blipFill dpi="0" rotWithShape="0">
                     <a:blip/>
                     <a:srcRect/>
@@ -30594,7 +30594,7 @@
                 </a14:hiddenFill>
               </a:ext>
               <a:ext uri="{91240B29-F687-4f45-9708-019B960494DF}">
-                <a14:hiddenLine xmlns="" xmlns:a14="http://schemas.microsoft.com/office/drawing/2010/main" w="9525" cap="flat">
+                <a14:hiddenLine xmlns:a14="http://schemas.microsoft.com/office/drawing/2010/main" xmlns="" w="9525" cap="flat">
                   <a:solidFill>
                     <a:srgbClr val="808080"/>
                   </a:solidFill>
@@ -30604,7 +30604,7 @@
                 </a14:hiddenLine>
               </a:ext>
               <a:ext uri="{AF507438-7753-43e0-B8FC-AC1667EBCBE1}">
-                <a14:hiddenEffects xmlns="" xmlns:a14="http://schemas.microsoft.com/office/drawing/2010/main">
+                <a14:hiddenEffects xmlns:a14="http://schemas.microsoft.com/office/drawing/2010/main" xmlns="">
                   <a:effectLst>
                     <a:outerShdw blurRad="63500" dist="38099" dir="2700000" algn="ctr" rotWithShape="0">
                       <a:srgbClr val="000000">
@@ -30640,14 +30640,14 @@
             <a:effectLst/>
             <a:extLst>
               <a:ext uri="{909E8E84-426E-40dd-AFC4-6F175D3DCCD1}">
-                <a14:hiddenFill xmlns="" xmlns:a14="http://schemas.microsoft.com/office/drawing/2010/main">
+                <a14:hiddenFill xmlns:a14="http://schemas.microsoft.com/office/drawing/2010/main" xmlns="">
                   <a:solidFill>
                     <a:srgbClr val="FFFFFF"/>
                   </a:solidFill>
                 </a14:hiddenFill>
               </a:ext>
               <a:ext uri="{91240B29-F687-4f45-9708-019B960494DF}">
-                <a14:hiddenLine xmlns="" xmlns:a14="http://schemas.microsoft.com/office/drawing/2010/main" w="9525" cap="flat">
+                <a14:hiddenLine xmlns:a14="http://schemas.microsoft.com/office/drawing/2010/main" xmlns="" w="9525" cap="flat">
                   <a:solidFill>
                     <a:srgbClr val="000000"/>
                   </a:solidFill>
@@ -30657,7 +30657,7 @@
                 </a14:hiddenLine>
               </a:ext>
               <a:ext uri="{AF507438-7753-43e0-B8FC-AC1667EBCBE1}">
-                <a14:hiddenEffects xmlns="" xmlns:a14="http://schemas.microsoft.com/office/drawing/2010/main">
+                <a14:hiddenEffects xmlns:a14="http://schemas.microsoft.com/office/drawing/2010/main" xmlns="">
                   <a:effectLst>
                     <a:outerShdw blurRad="63500" dist="38099" dir="2700000" algn="ctr" rotWithShape="0">
                       <a:srgbClr val="000000">
@@ -30924,7 +30924,7 @@
             <a:effectLst/>
             <a:extLst>
               <a:ext uri="{91240B29-F687-4f45-9708-019B960494DF}">
-                <a14:hiddenLine xmlns="" xmlns:a14="http://schemas.microsoft.com/office/drawing/2010/main" w="9525" cap="flat">
+                <a14:hiddenLine xmlns:a14="http://schemas.microsoft.com/office/drawing/2010/main" xmlns="" w="9525" cap="flat">
                   <a:solidFill>
                     <a:srgbClr val="FFFFFF"/>
                   </a:solidFill>
@@ -30934,7 +30934,7 @@
                 </a14:hiddenLine>
               </a:ext>
               <a:ext uri="{AF507438-7753-43e0-B8FC-AC1667EBCBE1}">
-                <a14:hiddenEffects xmlns="" xmlns:a14="http://schemas.microsoft.com/office/drawing/2010/main">
+                <a14:hiddenEffects xmlns:a14="http://schemas.microsoft.com/office/drawing/2010/main" xmlns="">
                   <a:effectLst>
                     <a:outerShdw blurRad="63500" dist="38099" dir="2700000" algn="ctr" rotWithShape="0">
                       <a:srgbClr val="000000">
@@ -31200,14 +31200,14 @@
           <a:effectLst/>
           <a:extLst>
             <a:ext uri="{909E8E84-426E-40dd-AFC4-6F175D3DCCD1}">
-              <a14:hiddenFill xmlns="" xmlns:a14="http://schemas.microsoft.com/office/drawing/2010/main">
+              <a14:hiddenFill xmlns:a14="http://schemas.microsoft.com/office/drawing/2010/main" xmlns="">
                 <a:solidFill>
                   <a:srgbClr val="FFFFFF"/>
                 </a:solidFill>
               </a14:hiddenFill>
             </a:ext>
             <a:ext uri="{91240B29-F687-4f45-9708-019B960494DF}">
-              <a14:hiddenLine xmlns="" xmlns:a14="http://schemas.microsoft.com/office/drawing/2010/main" w="9525" cap="flat">
+              <a14:hiddenLine xmlns:a14="http://schemas.microsoft.com/office/drawing/2010/main" xmlns="" w="9525" cap="flat">
                 <a:solidFill>
                   <a:srgbClr val="808080"/>
                 </a:solidFill>
@@ -31217,7 +31217,7 @@
               </a14:hiddenLine>
             </a:ext>
             <a:ext uri="{AF507438-7753-43e0-B8FC-AC1667EBCBE1}">
-              <a14:hiddenEffects xmlns="" xmlns:a14="http://schemas.microsoft.com/office/drawing/2010/main">
+              <a14:hiddenEffects xmlns:a14="http://schemas.microsoft.com/office/drawing/2010/main" xmlns="">
                 <a:effectLst>
                   <a:outerShdw blurRad="63500" dist="38099" dir="2700000" algn="ctr" rotWithShape="0">
                     <a:srgbClr val="000000">
@@ -31455,14 +31455,14 @@
           <a:effectLst/>
           <a:extLst>
             <a:ext uri="{909E8E84-426E-40dd-AFC4-6F175D3DCCD1}">
-              <a14:hiddenFill xmlns="" xmlns:a14="http://schemas.microsoft.com/office/drawing/2010/main">
+              <a14:hiddenFill xmlns:a14="http://schemas.microsoft.com/office/drawing/2010/main" xmlns="">
                 <a:solidFill>
                   <a:srgbClr val="FFFFFF"/>
                 </a:solidFill>
               </a14:hiddenFill>
             </a:ext>
             <a:ext uri="{91240B29-F687-4f45-9708-019B960494DF}">
-              <a14:hiddenLine xmlns="" xmlns:a14="http://schemas.microsoft.com/office/drawing/2010/main" w="9525" cap="flat">
+              <a14:hiddenLine xmlns:a14="http://schemas.microsoft.com/office/drawing/2010/main" xmlns="" w="9525" cap="flat">
                 <a:solidFill>
                   <a:srgbClr val="000000"/>
                 </a:solidFill>
@@ -31472,7 +31472,7 @@
               </a14:hiddenLine>
             </a:ext>
             <a:ext uri="{AF507438-7753-43e0-B8FC-AC1667EBCBE1}">
-              <a14:hiddenEffects xmlns="" xmlns:a14="http://schemas.microsoft.com/office/drawing/2010/main">
+              <a14:hiddenEffects xmlns:a14="http://schemas.microsoft.com/office/drawing/2010/main" xmlns="">
                 <a:effectLst>
                   <a:outerShdw blurRad="63500" dist="38099" dir="2700000" algn="ctr" rotWithShape="0">
                     <a:srgbClr val="000000">
@@ -31999,7 +31999,7 @@
           <a:effectLst/>
           <a:extLst>
             <a:ext uri="{909E8E84-426E-40dd-AFC4-6F175D3DCCD1}">
-              <a14:hiddenFill xmlns="" xmlns:a14="http://schemas.microsoft.com/office/drawing/2010/main">
+              <a14:hiddenFill xmlns:a14="http://schemas.microsoft.com/office/drawing/2010/main" xmlns="">
                 <a:blipFill dpi="0" rotWithShape="0">
                   <a:blip/>
                   <a:srcRect/>
@@ -32010,7 +32010,7 @@
               </a14:hiddenFill>
             </a:ext>
             <a:ext uri="{91240B29-F687-4f45-9708-019B960494DF}">
-              <a14:hiddenLine xmlns="" xmlns:a14="http://schemas.microsoft.com/office/drawing/2010/main" w="9525" cap="flat">
+              <a14:hiddenLine xmlns:a14="http://schemas.microsoft.com/office/drawing/2010/main" xmlns="" w="9525" cap="flat">
                 <a:solidFill>
                   <a:srgbClr val="808080"/>
                 </a:solidFill>
@@ -32020,7 +32020,7 @@
               </a14:hiddenLine>
             </a:ext>
             <a:ext uri="{AF507438-7753-43e0-B8FC-AC1667EBCBE1}">
-              <a14:hiddenEffects xmlns="" xmlns:a14="http://schemas.microsoft.com/office/drawing/2010/main">
+              <a14:hiddenEffects xmlns:a14="http://schemas.microsoft.com/office/drawing/2010/main" xmlns="">
                 <a:effectLst>
                   <a:outerShdw blurRad="63500" dist="38099" dir="2700000" algn="ctr" rotWithShape="0">
                     <a:srgbClr val="000000">
@@ -32056,14 +32056,14 @@
           <a:effectLst/>
           <a:extLst>
             <a:ext uri="{909E8E84-426E-40dd-AFC4-6F175D3DCCD1}">
-              <a14:hiddenFill xmlns="" xmlns:a14="http://schemas.microsoft.com/office/drawing/2010/main">
+              <a14:hiddenFill xmlns:a14="http://schemas.microsoft.com/office/drawing/2010/main" xmlns="">
                 <a:solidFill>
                   <a:srgbClr val="FFFFFF"/>
                 </a:solidFill>
               </a14:hiddenFill>
             </a:ext>
             <a:ext uri="{91240B29-F687-4f45-9708-019B960494DF}">
-              <a14:hiddenLine xmlns="" xmlns:a14="http://schemas.microsoft.com/office/drawing/2010/main" w="9525" cap="flat">
+              <a14:hiddenLine xmlns:a14="http://schemas.microsoft.com/office/drawing/2010/main" xmlns="" w="9525" cap="flat">
                 <a:solidFill>
                   <a:srgbClr val="808080"/>
                 </a:solidFill>
@@ -32073,7 +32073,7 @@
               </a14:hiddenLine>
             </a:ext>
             <a:ext uri="{AF507438-7753-43e0-B8FC-AC1667EBCBE1}">
-              <a14:hiddenEffects xmlns="" xmlns:a14="http://schemas.microsoft.com/office/drawing/2010/main">
+              <a14:hiddenEffects xmlns:a14="http://schemas.microsoft.com/office/drawing/2010/main" xmlns="">
                 <a:effectLst>
                   <a:outerShdw blurRad="63500" dist="38099" dir="2700000" algn="ctr" rotWithShape="0">
                     <a:srgbClr val="000000">
@@ -32429,7 +32429,7 @@
           <a:effectLst/>
           <a:extLst>
             <a:ext uri="{909E8E84-426E-40dd-AFC4-6F175D3DCCD1}">
-              <a14:hiddenFill xmlns="" xmlns:a14="http://schemas.microsoft.com/office/drawing/2010/main">
+              <a14:hiddenFill xmlns:a14="http://schemas.microsoft.com/office/drawing/2010/main" xmlns="">
                 <a:blipFill dpi="0" rotWithShape="0">
                   <a:blip/>
                   <a:srcRect l="14014" t="4515" r="7593" b="32079"/>
@@ -32440,7 +32440,7 @@
               </a14:hiddenFill>
             </a:ext>
             <a:ext uri="{91240B29-F687-4f45-9708-019B960494DF}">
-              <a14:hiddenLine xmlns="" xmlns:a14="http://schemas.microsoft.com/office/drawing/2010/main" w="9525" cap="flat">
+              <a14:hiddenLine xmlns:a14="http://schemas.microsoft.com/office/drawing/2010/main" xmlns="" w="9525" cap="flat">
                 <a:solidFill>
                   <a:srgbClr val="808080"/>
                 </a:solidFill>
@@ -32450,7 +32450,7 @@
               </a14:hiddenLine>
             </a:ext>
             <a:ext uri="{AF507438-7753-43e0-B8FC-AC1667EBCBE1}">
-              <a14:hiddenEffects xmlns="" xmlns:a14="http://schemas.microsoft.com/office/drawing/2010/main">
+              <a14:hiddenEffects xmlns:a14="http://schemas.microsoft.com/office/drawing/2010/main" xmlns="">
                 <a:effectLst>
                   <a:outerShdw blurRad="63500" dist="38099" dir="2700000" algn="ctr" rotWithShape="0">
                     <a:srgbClr val="000000">
@@ -32486,14 +32486,14 @@
           <a:effectLst/>
           <a:extLst>
             <a:ext uri="{909E8E84-426E-40dd-AFC4-6F175D3DCCD1}">
-              <a14:hiddenFill xmlns="" xmlns:a14="http://schemas.microsoft.com/office/drawing/2010/main">
+              <a14:hiddenFill xmlns:a14="http://schemas.microsoft.com/office/drawing/2010/main" xmlns="">
                 <a:solidFill>
                   <a:srgbClr val="FFFFFF"/>
                 </a:solidFill>
               </a14:hiddenFill>
             </a:ext>
             <a:ext uri="{91240B29-F687-4f45-9708-019B960494DF}">
-              <a14:hiddenLine xmlns="" xmlns:a14="http://schemas.microsoft.com/office/drawing/2010/main" w="9525" cap="flat">
+              <a14:hiddenLine xmlns:a14="http://schemas.microsoft.com/office/drawing/2010/main" xmlns="" w="9525" cap="flat">
                 <a:solidFill>
                   <a:srgbClr val="808080"/>
                 </a:solidFill>
@@ -32503,7 +32503,7 @@
               </a14:hiddenLine>
             </a:ext>
             <a:ext uri="{AF507438-7753-43e0-B8FC-AC1667EBCBE1}">
-              <a14:hiddenEffects xmlns="" xmlns:a14="http://schemas.microsoft.com/office/drawing/2010/main">
+              <a14:hiddenEffects xmlns:a14="http://schemas.microsoft.com/office/drawing/2010/main" xmlns="">
                 <a:effectLst>
                   <a:outerShdw blurRad="63500" dist="38099" dir="2700000" algn="ctr" rotWithShape="0">
                     <a:srgbClr val="000000">
@@ -33108,7 +33108,7 @@
         <a:effectLst/>
         <a:extLst>
           <a:ext uri="{AF507438-7753-43e0-B8FC-AC1667EBCBE1}">
-            <a14:hiddenEffects xmlns="" xmlns:a14="http://schemas.microsoft.com/office/drawing/2010/main">
+            <a14:hiddenEffects xmlns:a14="http://schemas.microsoft.com/office/drawing/2010/main" xmlns="">
               <a:effectLst>
                 <a:outerShdw blurRad="63500" dist="38099" dir="2700000" algn="ctr" rotWithShape="0">
                   <a:schemeClr val="bg2">
@@ -33184,7 +33184,7 @@
         <a:effectLst/>
         <a:extLst>
           <a:ext uri="{AF507438-7753-43e0-B8FC-AC1667EBCBE1}">
-            <a14:hiddenEffects xmlns="" xmlns:a14="http://schemas.microsoft.com/office/drawing/2010/main">
+            <a14:hiddenEffects xmlns:a14="http://schemas.microsoft.com/office/drawing/2010/main" xmlns="">
               <a:effectLst>
                 <a:outerShdw blurRad="63500" dist="38099" dir="2700000" algn="ctr" rotWithShape="0">
                   <a:schemeClr val="bg2">
